--- a/Asteroid Hub.pptx
+++ b/Asteroid Hub.pptx
@@ -6,11 +6,12 @@
   </p:sldMasterIdLst>
   <p:sldIdLst>
     <p:sldId id="256" r:id="rId2"/>
-    <p:sldId id="257" r:id="rId3"/>
-    <p:sldId id="259" r:id="rId4"/>
-    <p:sldId id="258" r:id="rId5"/>
-    <p:sldId id="260" r:id="rId6"/>
-    <p:sldId id="261" r:id="rId7"/>
+    <p:sldId id="263" r:id="rId3"/>
+    <p:sldId id="257" r:id="rId4"/>
+    <p:sldId id="259" r:id="rId5"/>
+    <p:sldId id="258" r:id="rId6"/>
+    <p:sldId id="260" r:id="rId7"/>
+    <p:sldId id="262" r:id="rId8"/>
   </p:sldIdLst>
   <p:sldSz cx="12192000" cy="6858000"/>
   <p:notesSz cx="6858000" cy="9144000"/>
@@ -109,7 +110,2799 @@
       </a:defRPr>
     </a:lvl9pPr>
   </p:defaultTextStyle>
+  <p:extLst>
+    <p:ext uri="{EFAFB233-063F-42B5-8137-9DF3F51BA10A}">
+      <p15:sldGuideLst xmlns:p15="http://schemas.microsoft.com/office/powerpoint/2012/main"/>
+    </p:ext>
+  </p:extLst>
 </p:presentation>
+</file>
+
+<file path=ppt/diagrams/colors1.xml><?xml version="1.0" encoding="utf-8"?>
+<dgm:colorsDef xmlns:dgm="http://schemas.openxmlformats.org/drawingml/2006/diagram" xmlns:a="http://schemas.openxmlformats.org/drawingml/2006/main" uniqueId="urn:microsoft.com/office/officeart/2018/5/colors/Iconchunking_neutralicontext_colorful1">
+  <dgm:title val=""/>
+  <dgm:desc val=""/>
+  <dgm:catLst>
+    <dgm:cat type="colorful" pri="10100"/>
+  </dgm:catLst>
+  <dgm:styleLbl name="node0">
+    <dgm:fillClrLst meth="repeat">
+      <a:schemeClr val="accent1"/>
+    </dgm:fillClrLst>
+    <dgm:linClrLst meth="repeat">
+      <a:schemeClr val="lt1"/>
+    </dgm:linClrLst>
+    <dgm:effectClrLst/>
+    <dgm:txLinClrLst/>
+    <dgm:txFillClrLst/>
+    <dgm:txEffectClrLst/>
+  </dgm:styleLbl>
+  <dgm:styleLbl name="node1">
+    <dgm:fillClrLst meth="repeat">
+      <a:schemeClr val="bg1"/>
+    </dgm:fillClrLst>
+    <dgm:linClrLst meth="repeat">
+      <a:schemeClr val="lt1">
+        <a:alpha val="0"/>
+      </a:schemeClr>
+    </dgm:linClrLst>
+    <dgm:effectClrLst/>
+    <dgm:txLinClrLst/>
+    <dgm:txFillClrLst meth="repeat">
+      <a:schemeClr val="dk1"/>
+    </dgm:txFillClrLst>
+    <dgm:txEffectClrLst/>
+  </dgm:styleLbl>
+  <dgm:styleLbl name="alignNode1">
+    <dgm:fillClrLst meth="repeat">
+      <a:schemeClr val="accent2"/>
+      <a:schemeClr val="accent3"/>
+      <a:schemeClr val="accent4"/>
+      <a:schemeClr val="accent5"/>
+      <a:schemeClr val="accent6"/>
+    </dgm:fillClrLst>
+    <dgm:linClrLst meth="repeat">
+      <a:schemeClr val="accent2"/>
+      <a:schemeClr val="accent3"/>
+      <a:schemeClr val="accent4"/>
+      <a:schemeClr val="accent5"/>
+      <a:schemeClr val="accent6"/>
+    </dgm:linClrLst>
+    <dgm:effectClrLst/>
+    <dgm:txLinClrLst/>
+    <dgm:txFillClrLst/>
+    <dgm:txEffectClrLst/>
+  </dgm:styleLbl>
+  <dgm:styleLbl name="lnNode1">
+    <dgm:fillClrLst meth="repeat">
+      <a:schemeClr val="accent2"/>
+      <a:schemeClr val="accent3"/>
+      <a:schemeClr val="accent4"/>
+      <a:schemeClr val="accent5"/>
+      <a:schemeClr val="accent6"/>
+    </dgm:fillClrLst>
+    <dgm:linClrLst meth="repeat">
+      <a:schemeClr val="lt1"/>
+    </dgm:linClrLst>
+    <dgm:effectClrLst/>
+    <dgm:txLinClrLst/>
+    <dgm:txFillClrLst/>
+    <dgm:txEffectClrLst/>
+  </dgm:styleLbl>
+  <dgm:styleLbl name="vennNode1">
+    <dgm:fillClrLst meth="repeat">
+      <a:schemeClr val="accent2">
+        <a:alpha val="50000"/>
+      </a:schemeClr>
+      <a:schemeClr val="accent3">
+        <a:alpha val="50000"/>
+      </a:schemeClr>
+      <a:schemeClr val="accent4">
+        <a:alpha val="50000"/>
+      </a:schemeClr>
+      <a:schemeClr val="accent5">
+        <a:alpha val="50000"/>
+      </a:schemeClr>
+      <a:schemeClr val="accent6">
+        <a:alpha val="50000"/>
+      </a:schemeClr>
+    </dgm:fillClrLst>
+    <dgm:linClrLst meth="repeat">
+      <a:schemeClr val="lt1"/>
+    </dgm:linClrLst>
+    <dgm:effectClrLst/>
+    <dgm:txLinClrLst/>
+    <dgm:txFillClrLst/>
+    <dgm:txEffectClrLst/>
+  </dgm:styleLbl>
+  <dgm:styleLbl name="node2">
+    <dgm:fillClrLst>
+      <a:schemeClr val="accent2"/>
+    </dgm:fillClrLst>
+    <dgm:linClrLst meth="repeat">
+      <a:schemeClr val="lt1"/>
+    </dgm:linClrLst>
+    <dgm:effectClrLst/>
+    <dgm:txLinClrLst/>
+    <dgm:txFillClrLst/>
+    <dgm:txEffectClrLst/>
+  </dgm:styleLbl>
+  <dgm:styleLbl name="node3">
+    <dgm:fillClrLst>
+      <a:schemeClr val="accent3"/>
+    </dgm:fillClrLst>
+    <dgm:linClrLst meth="repeat">
+      <a:schemeClr val="lt1"/>
+    </dgm:linClrLst>
+    <dgm:effectClrLst/>
+    <dgm:txLinClrLst/>
+    <dgm:txFillClrLst/>
+    <dgm:txEffectClrLst/>
+  </dgm:styleLbl>
+  <dgm:styleLbl name="node4">
+    <dgm:fillClrLst>
+      <a:schemeClr val="accent4"/>
+    </dgm:fillClrLst>
+    <dgm:linClrLst meth="repeat">
+      <a:schemeClr val="lt1"/>
+    </dgm:linClrLst>
+    <dgm:effectClrLst/>
+    <dgm:txLinClrLst/>
+    <dgm:txFillClrLst/>
+    <dgm:txEffectClrLst/>
+  </dgm:styleLbl>
+  <dgm:styleLbl name="fgImgPlace1">
+    <dgm:fillClrLst meth="repeat">
+      <a:schemeClr val="accent2">
+        <a:tint val="50000"/>
+      </a:schemeClr>
+      <a:schemeClr val="accent3">
+        <a:tint val="50000"/>
+      </a:schemeClr>
+      <a:schemeClr val="accent4">
+        <a:tint val="50000"/>
+      </a:schemeClr>
+      <a:schemeClr val="accent5">
+        <a:tint val="50000"/>
+      </a:schemeClr>
+      <a:schemeClr val="accent6">
+        <a:tint val="50000"/>
+      </a:schemeClr>
+    </dgm:fillClrLst>
+    <dgm:linClrLst meth="repeat">
+      <a:schemeClr val="lt1"/>
+    </dgm:linClrLst>
+    <dgm:effectClrLst/>
+    <dgm:txLinClrLst/>
+    <dgm:txFillClrLst meth="repeat">
+      <a:schemeClr val="lt1"/>
+    </dgm:txFillClrLst>
+    <dgm:txEffectClrLst/>
+  </dgm:styleLbl>
+  <dgm:styleLbl name="alignImgPlace1">
+    <dgm:fillClrLst>
+      <a:schemeClr val="accent1">
+        <a:tint val="50000"/>
+      </a:schemeClr>
+      <a:schemeClr val="accent2">
+        <a:tint val="20000"/>
+      </a:schemeClr>
+    </dgm:fillClrLst>
+    <dgm:linClrLst meth="repeat">
+      <a:schemeClr val="lt1"/>
+    </dgm:linClrLst>
+    <dgm:effectClrLst/>
+    <dgm:txLinClrLst/>
+    <dgm:txFillClrLst meth="repeat">
+      <a:schemeClr val="lt1"/>
+    </dgm:txFillClrLst>
+    <dgm:txEffectClrLst/>
+  </dgm:styleLbl>
+  <dgm:styleLbl name="bgImgPlace1">
+    <dgm:fillClrLst>
+      <a:schemeClr val="accent1">
+        <a:tint val="50000"/>
+      </a:schemeClr>
+      <a:schemeClr val="accent2">
+        <a:tint val="20000"/>
+      </a:schemeClr>
+    </dgm:fillClrLst>
+    <dgm:linClrLst meth="repeat">
+      <a:schemeClr val="lt1"/>
+    </dgm:linClrLst>
+    <dgm:effectClrLst/>
+    <dgm:txLinClrLst/>
+    <dgm:txFillClrLst meth="repeat">
+      <a:schemeClr val="lt1"/>
+    </dgm:txFillClrLst>
+    <dgm:txEffectClrLst/>
+  </dgm:styleLbl>
+  <dgm:styleLbl name="sibTrans2D1">
+    <dgm:fillClrLst meth="repeat">
+      <a:schemeClr val="accent2"/>
+      <a:schemeClr val="accent3"/>
+      <a:schemeClr val="accent4"/>
+      <a:schemeClr val="accent5"/>
+      <a:schemeClr val="accent6"/>
+    </dgm:fillClrLst>
+    <dgm:linClrLst meth="cycle">
+      <a:schemeClr val="lt1"/>
+    </dgm:linClrLst>
+    <dgm:effectClrLst/>
+    <dgm:txLinClrLst/>
+    <dgm:txFillClrLst/>
+    <dgm:txEffectClrLst/>
+  </dgm:styleLbl>
+  <dgm:styleLbl name="fgSibTrans2D1">
+    <dgm:fillClrLst meth="repeat">
+      <a:schemeClr val="accent2"/>
+      <a:schemeClr val="accent3"/>
+      <a:schemeClr val="accent4"/>
+      <a:schemeClr val="accent5"/>
+      <a:schemeClr val="accent6"/>
+    </dgm:fillClrLst>
+    <dgm:linClrLst meth="cycle">
+      <a:schemeClr val="lt1"/>
+    </dgm:linClrLst>
+    <dgm:effectClrLst/>
+    <dgm:txLinClrLst/>
+    <dgm:txFillClrLst meth="repeat">
+      <a:schemeClr val="lt1"/>
+    </dgm:txFillClrLst>
+    <dgm:txEffectClrLst/>
+  </dgm:styleLbl>
+  <dgm:styleLbl name="bgSibTrans2D1">
+    <dgm:fillClrLst meth="repeat">
+      <a:schemeClr val="accent2"/>
+      <a:schemeClr val="accent3"/>
+      <a:schemeClr val="accent4"/>
+      <a:schemeClr val="accent5"/>
+      <a:schemeClr val="accent6"/>
+    </dgm:fillClrLst>
+    <dgm:linClrLst meth="cycle">
+      <a:schemeClr val="lt1"/>
+    </dgm:linClrLst>
+    <dgm:effectClrLst/>
+    <dgm:txLinClrLst/>
+    <dgm:txFillClrLst meth="repeat">
+      <a:schemeClr val="lt1"/>
+    </dgm:txFillClrLst>
+    <dgm:txEffectClrLst/>
+  </dgm:styleLbl>
+  <dgm:styleLbl name="sibTrans1D1">
+    <dgm:fillClrLst meth="repeat">
+      <a:schemeClr val="accent2"/>
+      <a:schemeClr val="accent3"/>
+      <a:schemeClr val="accent4"/>
+      <a:schemeClr val="accent5"/>
+      <a:schemeClr val="accent6"/>
+    </dgm:fillClrLst>
+    <dgm:linClrLst meth="repeat">
+      <a:schemeClr val="accent2"/>
+      <a:schemeClr val="accent3"/>
+      <a:schemeClr val="accent4"/>
+      <a:schemeClr val="accent5"/>
+      <a:schemeClr val="accent6"/>
+    </dgm:linClrLst>
+    <dgm:effectClrLst/>
+    <dgm:txLinClrLst/>
+    <dgm:txFillClrLst meth="repeat">
+      <a:schemeClr val="tx1"/>
+    </dgm:txFillClrLst>
+    <dgm:txEffectClrLst/>
+  </dgm:styleLbl>
+  <dgm:styleLbl name="callout">
+    <dgm:fillClrLst meth="repeat">
+      <a:schemeClr val="accent2"/>
+    </dgm:fillClrLst>
+    <dgm:linClrLst meth="repeat">
+      <a:schemeClr val="accent2">
+        <a:tint val="50000"/>
+      </a:schemeClr>
+    </dgm:linClrLst>
+    <dgm:effectClrLst/>
+    <dgm:txLinClrLst/>
+    <dgm:txFillClrLst meth="repeat">
+      <a:schemeClr val="tx1"/>
+    </dgm:txFillClrLst>
+    <dgm:txEffectClrLst/>
+  </dgm:styleLbl>
+  <dgm:styleLbl name="asst0">
+    <dgm:fillClrLst meth="repeat">
+      <a:schemeClr val="accent1"/>
+    </dgm:fillClrLst>
+    <dgm:linClrLst meth="repeat">
+      <a:schemeClr val="lt1"/>
+    </dgm:linClrLst>
+    <dgm:effectClrLst/>
+    <dgm:txLinClrLst/>
+    <dgm:txFillClrLst/>
+    <dgm:txEffectClrLst/>
+  </dgm:styleLbl>
+  <dgm:styleLbl name="asst1">
+    <dgm:fillClrLst meth="repeat">
+      <a:schemeClr val="accent2"/>
+    </dgm:fillClrLst>
+    <dgm:linClrLst meth="repeat">
+      <a:schemeClr val="lt1"/>
+    </dgm:linClrLst>
+    <dgm:effectClrLst/>
+    <dgm:txLinClrLst/>
+    <dgm:txFillClrLst/>
+    <dgm:txEffectClrLst/>
+  </dgm:styleLbl>
+  <dgm:styleLbl name="asst2">
+    <dgm:fillClrLst>
+      <a:schemeClr val="accent3"/>
+    </dgm:fillClrLst>
+    <dgm:linClrLst meth="repeat">
+      <a:schemeClr val="lt1"/>
+    </dgm:linClrLst>
+    <dgm:effectClrLst/>
+    <dgm:txLinClrLst/>
+    <dgm:txFillClrLst/>
+    <dgm:txEffectClrLst/>
+  </dgm:styleLbl>
+  <dgm:styleLbl name="asst3">
+    <dgm:fillClrLst>
+      <a:schemeClr val="accent4"/>
+    </dgm:fillClrLst>
+    <dgm:linClrLst meth="repeat">
+      <a:schemeClr val="lt1"/>
+    </dgm:linClrLst>
+    <dgm:effectClrLst/>
+    <dgm:txLinClrLst/>
+    <dgm:txFillClrLst/>
+    <dgm:txEffectClrLst/>
+  </dgm:styleLbl>
+  <dgm:styleLbl name="asst4">
+    <dgm:fillClrLst>
+      <a:schemeClr val="accent5"/>
+    </dgm:fillClrLst>
+    <dgm:linClrLst meth="repeat">
+      <a:schemeClr val="lt1"/>
+    </dgm:linClrLst>
+    <dgm:effectClrLst/>
+    <dgm:txLinClrLst/>
+    <dgm:txFillClrLst/>
+    <dgm:txEffectClrLst/>
+  </dgm:styleLbl>
+  <dgm:styleLbl name="parChTrans2D1">
+    <dgm:fillClrLst meth="repeat">
+      <a:schemeClr val="accent2"/>
+    </dgm:fillClrLst>
+    <dgm:linClrLst meth="repeat">
+      <a:schemeClr val="lt1"/>
+    </dgm:linClrLst>
+    <dgm:effectClrLst/>
+    <dgm:txLinClrLst/>
+    <dgm:txFillClrLst meth="repeat">
+      <a:schemeClr val="lt1"/>
+    </dgm:txFillClrLst>
+    <dgm:txEffectClrLst/>
+  </dgm:styleLbl>
+  <dgm:styleLbl name="parChTrans2D2">
+    <dgm:fillClrLst meth="repeat">
+      <a:schemeClr val="accent3"/>
+    </dgm:fillClrLst>
+    <dgm:linClrLst meth="repeat">
+      <a:schemeClr val="lt1"/>
+    </dgm:linClrLst>
+    <dgm:effectClrLst/>
+    <dgm:txLinClrLst/>
+    <dgm:txFillClrLst/>
+    <dgm:txEffectClrLst/>
+  </dgm:styleLbl>
+  <dgm:styleLbl name="parChTrans2D3">
+    <dgm:fillClrLst meth="repeat">
+      <a:schemeClr val="accent4"/>
+    </dgm:fillClrLst>
+    <dgm:linClrLst meth="repeat">
+      <a:schemeClr val="lt1"/>
+    </dgm:linClrLst>
+    <dgm:effectClrLst/>
+    <dgm:txLinClrLst/>
+    <dgm:txFillClrLst/>
+    <dgm:txEffectClrLst/>
+  </dgm:styleLbl>
+  <dgm:styleLbl name="parChTrans2D4">
+    <dgm:fillClrLst meth="repeat">
+      <a:schemeClr val="accent5"/>
+    </dgm:fillClrLst>
+    <dgm:linClrLst meth="repeat">
+      <a:schemeClr val="lt1"/>
+    </dgm:linClrLst>
+    <dgm:effectClrLst/>
+    <dgm:txLinClrLst/>
+    <dgm:txFillClrLst meth="repeat">
+      <a:schemeClr val="lt1"/>
+    </dgm:txFillClrLst>
+    <dgm:txEffectClrLst/>
+  </dgm:styleLbl>
+  <dgm:styleLbl name="parChTrans1D1">
+    <dgm:fillClrLst meth="repeat">
+      <a:schemeClr val="accent2"/>
+    </dgm:fillClrLst>
+    <dgm:linClrLst meth="repeat">
+      <a:schemeClr val="accent1"/>
+    </dgm:linClrLst>
+    <dgm:effectClrLst/>
+    <dgm:txLinClrLst/>
+    <dgm:txFillClrLst meth="repeat">
+      <a:schemeClr val="tx1"/>
+    </dgm:txFillClrLst>
+    <dgm:txEffectClrLst/>
+  </dgm:styleLbl>
+  <dgm:styleLbl name="parChTrans1D2">
+    <dgm:fillClrLst meth="repeat">
+      <a:schemeClr val="accent3">
+        <a:tint val="90000"/>
+      </a:schemeClr>
+    </dgm:fillClrLst>
+    <dgm:linClrLst meth="repeat">
+      <a:schemeClr val="accent2"/>
+    </dgm:linClrLst>
+    <dgm:effectClrLst/>
+    <dgm:txLinClrLst/>
+    <dgm:txFillClrLst meth="repeat">
+      <a:schemeClr val="tx1"/>
+    </dgm:txFillClrLst>
+    <dgm:txEffectClrLst/>
+  </dgm:styleLbl>
+  <dgm:styleLbl name="parChTrans1D3">
+    <dgm:fillClrLst meth="repeat">
+      <a:schemeClr val="accent4">
+        <a:tint val="70000"/>
+      </a:schemeClr>
+    </dgm:fillClrLst>
+    <dgm:linClrLst meth="repeat">
+      <a:schemeClr val="accent3"/>
+    </dgm:linClrLst>
+    <dgm:effectClrLst/>
+    <dgm:txLinClrLst/>
+    <dgm:txFillClrLst meth="repeat">
+      <a:schemeClr val="tx1"/>
+    </dgm:txFillClrLst>
+    <dgm:txEffectClrLst/>
+  </dgm:styleLbl>
+  <dgm:styleLbl name="parChTrans1D4">
+    <dgm:fillClrLst meth="repeat">
+      <a:schemeClr val="accent5">
+        <a:tint val="50000"/>
+      </a:schemeClr>
+    </dgm:fillClrLst>
+    <dgm:linClrLst meth="repeat">
+      <a:schemeClr val="accent4"/>
+    </dgm:linClrLst>
+    <dgm:effectClrLst/>
+    <dgm:txLinClrLst/>
+    <dgm:txFillClrLst meth="repeat">
+      <a:schemeClr val="tx1"/>
+    </dgm:txFillClrLst>
+    <dgm:txEffectClrLst/>
+  </dgm:styleLbl>
+  <dgm:styleLbl name="fgAcc1">
+    <dgm:fillClrLst meth="repeat">
+      <a:schemeClr val="lt1">
+        <a:alpha val="90000"/>
+      </a:schemeClr>
+    </dgm:fillClrLst>
+    <dgm:linClrLst meth="repeat">
+      <a:schemeClr val="accent2"/>
+      <a:schemeClr val="accent3"/>
+      <a:schemeClr val="accent4"/>
+      <a:schemeClr val="accent5"/>
+      <a:schemeClr val="accent6"/>
+    </dgm:linClrLst>
+    <dgm:effectClrLst/>
+    <dgm:txLinClrLst/>
+    <dgm:txFillClrLst meth="repeat">
+      <a:schemeClr val="dk1"/>
+    </dgm:txFillClrLst>
+    <dgm:txEffectClrLst/>
+  </dgm:styleLbl>
+  <dgm:styleLbl name="conFgAcc1">
+    <dgm:fillClrLst meth="repeat">
+      <a:schemeClr val="lt1">
+        <a:alpha val="90000"/>
+      </a:schemeClr>
+    </dgm:fillClrLst>
+    <dgm:linClrLst meth="repeat">
+      <a:schemeClr val="accent2"/>
+      <a:schemeClr val="accent3"/>
+      <a:schemeClr val="accent4"/>
+      <a:schemeClr val="accent5"/>
+      <a:schemeClr val="accent6"/>
+    </dgm:linClrLst>
+    <dgm:effectClrLst/>
+    <dgm:txLinClrLst/>
+    <dgm:txFillClrLst meth="repeat">
+      <a:schemeClr val="dk1"/>
+    </dgm:txFillClrLst>
+    <dgm:txEffectClrLst/>
+  </dgm:styleLbl>
+  <dgm:styleLbl name="alignAcc1">
+    <dgm:fillClrLst meth="repeat">
+      <a:schemeClr val="lt1">
+        <a:alpha val="90000"/>
+      </a:schemeClr>
+    </dgm:fillClrLst>
+    <dgm:linClrLst meth="repeat">
+      <a:schemeClr val="accent2"/>
+      <a:schemeClr val="accent3"/>
+      <a:schemeClr val="accent4"/>
+      <a:schemeClr val="accent5"/>
+      <a:schemeClr val="accent6"/>
+    </dgm:linClrLst>
+    <dgm:effectClrLst/>
+    <dgm:txLinClrLst/>
+    <dgm:txFillClrLst meth="repeat">
+      <a:schemeClr val="dk1"/>
+    </dgm:txFillClrLst>
+    <dgm:txEffectClrLst/>
+  </dgm:styleLbl>
+  <dgm:styleLbl name="trAlignAcc1">
+    <dgm:fillClrLst meth="repeat">
+      <a:schemeClr val="lt1">
+        <a:alpha val="40000"/>
+      </a:schemeClr>
+    </dgm:fillClrLst>
+    <dgm:linClrLst meth="repeat">
+      <a:schemeClr val="accent1"/>
+    </dgm:linClrLst>
+    <dgm:effectClrLst/>
+    <dgm:txLinClrLst/>
+    <dgm:txFillClrLst meth="repeat">
+      <a:schemeClr val="dk1"/>
+    </dgm:txFillClrLst>
+    <dgm:txEffectClrLst/>
+  </dgm:styleLbl>
+  <dgm:styleLbl name="bgAcc1">
+    <dgm:fillClrLst meth="repeat">
+      <a:schemeClr val="lt1">
+        <a:alpha val="90000"/>
+      </a:schemeClr>
+    </dgm:fillClrLst>
+    <dgm:linClrLst meth="repeat">
+      <a:schemeClr val="accent2"/>
+      <a:schemeClr val="accent3"/>
+      <a:schemeClr val="accent4"/>
+      <a:schemeClr val="accent5"/>
+      <a:schemeClr val="accent6"/>
+    </dgm:linClrLst>
+    <dgm:effectClrLst/>
+    <dgm:txLinClrLst/>
+    <dgm:txFillClrLst meth="repeat">
+      <a:schemeClr val="dk1"/>
+    </dgm:txFillClrLst>
+    <dgm:txEffectClrLst/>
+  </dgm:styleLbl>
+  <dgm:styleLbl name="solidFgAcc1">
+    <dgm:fillClrLst meth="repeat">
+      <a:schemeClr val="lt1"/>
+    </dgm:fillClrLst>
+    <dgm:linClrLst meth="repeat">
+      <a:schemeClr val="accent2"/>
+      <a:schemeClr val="accent3"/>
+      <a:schemeClr val="accent4"/>
+      <a:schemeClr val="accent5"/>
+      <a:schemeClr val="accent6"/>
+    </dgm:linClrLst>
+    <dgm:effectClrLst/>
+    <dgm:txLinClrLst/>
+    <dgm:txFillClrLst meth="repeat">
+      <a:schemeClr val="dk1"/>
+    </dgm:txFillClrLst>
+    <dgm:txEffectClrLst/>
+  </dgm:styleLbl>
+  <dgm:styleLbl name="solidAlignAcc1">
+    <dgm:fillClrLst meth="repeat">
+      <a:schemeClr val="lt1"/>
+    </dgm:fillClrLst>
+    <dgm:linClrLst meth="repeat">
+      <a:schemeClr val="accent2"/>
+      <a:schemeClr val="accent3"/>
+      <a:schemeClr val="accent4"/>
+      <a:schemeClr val="accent5"/>
+      <a:schemeClr val="accent6"/>
+    </dgm:linClrLst>
+    <dgm:effectClrLst/>
+    <dgm:txLinClrLst/>
+    <dgm:txFillClrLst meth="repeat">
+      <a:schemeClr val="dk1"/>
+    </dgm:txFillClrLst>
+    <dgm:txEffectClrLst/>
+  </dgm:styleLbl>
+  <dgm:styleLbl name="solidBgAcc1">
+    <dgm:fillClrLst meth="repeat">
+      <a:schemeClr val="lt1"/>
+    </dgm:fillClrLst>
+    <dgm:linClrLst meth="repeat">
+      <a:schemeClr val="accent2"/>
+      <a:schemeClr val="accent3"/>
+      <a:schemeClr val="accent4"/>
+      <a:schemeClr val="accent5"/>
+      <a:schemeClr val="accent6"/>
+    </dgm:linClrLst>
+    <dgm:effectClrLst/>
+    <dgm:txLinClrLst/>
+    <dgm:txFillClrLst meth="repeat">
+      <a:schemeClr val="dk1"/>
+    </dgm:txFillClrLst>
+    <dgm:txEffectClrLst/>
+  </dgm:styleLbl>
+  <dgm:styleLbl name="fgAccFollowNode1">
+    <dgm:fillClrLst meth="repeat">
+      <a:schemeClr val="accent2">
+        <a:tint val="40000"/>
+        <a:alpha val="90000"/>
+      </a:schemeClr>
+      <a:schemeClr val="accent3">
+        <a:tint val="40000"/>
+        <a:alpha val="90000"/>
+      </a:schemeClr>
+      <a:schemeClr val="accent4">
+        <a:tint val="40000"/>
+        <a:alpha val="90000"/>
+      </a:schemeClr>
+      <a:schemeClr val="accent5">
+        <a:tint val="40000"/>
+        <a:alpha val="90000"/>
+      </a:schemeClr>
+      <a:schemeClr val="accent6">
+        <a:tint val="40000"/>
+        <a:alpha val="90000"/>
+      </a:schemeClr>
+    </dgm:fillClrLst>
+    <dgm:linClrLst meth="repeat">
+      <a:schemeClr val="accent2">
+        <a:tint val="40000"/>
+        <a:alpha val="90000"/>
+      </a:schemeClr>
+      <a:schemeClr val="accent3">
+        <a:tint val="40000"/>
+        <a:alpha val="90000"/>
+      </a:schemeClr>
+      <a:schemeClr val="accent4">
+        <a:tint val="40000"/>
+        <a:alpha val="90000"/>
+      </a:schemeClr>
+      <a:schemeClr val="accent5">
+        <a:tint val="40000"/>
+        <a:alpha val="90000"/>
+      </a:schemeClr>
+      <a:schemeClr val="accent6">
+        <a:tint val="40000"/>
+        <a:alpha val="90000"/>
+      </a:schemeClr>
+    </dgm:linClrLst>
+    <dgm:effectClrLst/>
+    <dgm:txLinClrLst/>
+    <dgm:txFillClrLst meth="repeat">
+      <a:schemeClr val="dk1"/>
+    </dgm:txFillClrLst>
+    <dgm:txEffectClrLst/>
+  </dgm:styleLbl>
+  <dgm:styleLbl name="alignAccFollowNode1">
+    <dgm:fillClrLst meth="repeat">
+      <a:schemeClr val="accent2">
+        <a:tint val="40000"/>
+        <a:alpha val="90000"/>
+      </a:schemeClr>
+      <a:schemeClr val="accent3">
+        <a:tint val="40000"/>
+        <a:alpha val="90000"/>
+      </a:schemeClr>
+      <a:schemeClr val="accent4">
+        <a:tint val="40000"/>
+        <a:alpha val="90000"/>
+      </a:schemeClr>
+      <a:schemeClr val="accent5">
+        <a:tint val="40000"/>
+        <a:alpha val="90000"/>
+      </a:schemeClr>
+      <a:schemeClr val="accent6">
+        <a:tint val="40000"/>
+        <a:alpha val="90000"/>
+      </a:schemeClr>
+    </dgm:fillClrLst>
+    <dgm:linClrLst meth="repeat">
+      <a:schemeClr val="accent2">
+        <a:tint val="40000"/>
+        <a:alpha val="90000"/>
+      </a:schemeClr>
+      <a:schemeClr val="accent3">
+        <a:tint val="40000"/>
+        <a:alpha val="90000"/>
+      </a:schemeClr>
+      <a:schemeClr val="accent4">
+        <a:tint val="40000"/>
+        <a:alpha val="90000"/>
+      </a:schemeClr>
+      <a:schemeClr val="accent5">
+        <a:tint val="40000"/>
+        <a:alpha val="90000"/>
+      </a:schemeClr>
+      <a:schemeClr val="accent6">
+        <a:tint val="40000"/>
+        <a:alpha val="90000"/>
+      </a:schemeClr>
+    </dgm:linClrLst>
+    <dgm:effectClrLst/>
+    <dgm:txLinClrLst/>
+    <dgm:txFillClrLst meth="repeat">
+      <a:schemeClr val="dk1"/>
+    </dgm:txFillClrLst>
+    <dgm:txEffectClrLst/>
+  </dgm:styleLbl>
+  <dgm:styleLbl name="bgAccFollowNode1">
+    <dgm:fillClrLst meth="repeat">
+      <a:schemeClr val="accent2">
+        <a:tint val="40000"/>
+        <a:alpha val="90000"/>
+      </a:schemeClr>
+      <a:schemeClr val="accent3">
+        <a:tint val="40000"/>
+        <a:alpha val="90000"/>
+      </a:schemeClr>
+      <a:schemeClr val="accent4">
+        <a:tint val="40000"/>
+        <a:alpha val="90000"/>
+      </a:schemeClr>
+      <a:schemeClr val="accent5">
+        <a:tint val="40000"/>
+        <a:alpha val="90000"/>
+      </a:schemeClr>
+      <a:schemeClr val="accent6">
+        <a:tint val="40000"/>
+        <a:alpha val="90000"/>
+      </a:schemeClr>
+    </dgm:fillClrLst>
+    <dgm:linClrLst meth="repeat">
+      <a:schemeClr val="accent2">
+        <a:tint val="40000"/>
+        <a:alpha val="90000"/>
+      </a:schemeClr>
+      <a:schemeClr val="accent3">
+        <a:tint val="40000"/>
+        <a:alpha val="90000"/>
+      </a:schemeClr>
+      <a:schemeClr val="accent4">
+        <a:tint val="40000"/>
+        <a:alpha val="90000"/>
+      </a:schemeClr>
+      <a:schemeClr val="accent5">
+        <a:tint val="40000"/>
+        <a:alpha val="90000"/>
+      </a:schemeClr>
+      <a:schemeClr val="accent6">
+        <a:tint val="40000"/>
+        <a:alpha val="90000"/>
+      </a:schemeClr>
+    </dgm:linClrLst>
+    <dgm:effectClrLst/>
+    <dgm:txLinClrLst/>
+    <dgm:txFillClrLst meth="repeat">
+      <a:schemeClr val="dk1"/>
+    </dgm:txFillClrLst>
+    <dgm:txEffectClrLst/>
+  </dgm:styleLbl>
+  <dgm:styleLbl name="fgAcc0">
+    <dgm:fillClrLst meth="repeat">
+      <a:schemeClr val="lt1">
+        <a:alpha val="90000"/>
+      </a:schemeClr>
+    </dgm:fillClrLst>
+    <dgm:linClrLst>
+      <a:schemeClr val="accent1"/>
+    </dgm:linClrLst>
+    <dgm:effectClrLst/>
+    <dgm:txLinClrLst/>
+    <dgm:txFillClrLst meth="repeat">
+      <a:schemeClr val="dk1"/>
+    </dgm:txFillClrLst>
+    <dgm:txEffectClrLst/>
+  </dgm:styleLbl>
+  <dgm:styleLbl name="fgAcc2">
+    <dgm:fillClrLst meth="repeat">
+      <a:schemeClr val="lt1">
+        <a:alpha val="90000"/>
+      </a:schemeClr>
+    </dgm:fillClrLst>
+    <dgm:linClrLst>
+      <a:schemeClr val="accent2"/>
+    </dgm:linClrLst>
+    <dgm:effectClrLst/>
+    <dgm:txLinClrLst/>
+    <dgm:txFillClrLst meth="repeat">
+      <a:schemeClr val="dk1"/>
+    </dgm:txFillClrLst>
+    <dgm:txEffectClrLst/>
+  </dgm:styleLbl>
+  <dgm:styleLbl name="fgAcc3">
+    <dgm:fillClrLst meth="repeat">
+      <a:schemeClr val="lt1">
+        <a:alpha val="90000"/>
+      </a:schemeClr>
+    </dgm:fillClrLst>
+    <dgm:linClrLst>
+      <a:schemeClr val="accent3"/>
+    </dgm:linClrLst>
+    <dgm:effectClrLst/>
+    <dgm:txLinClrLst/>
+    <dgm:txFillClrLst meth="repeat">
+      <a:schemeClr val="dk1"/>
+    </dgm:txFillClrLst>
+    <dgm:txEffectClrLst/>
+  </dgm:styleLbl>
+  <dgm:styleLbl name="fgAcc4">
+    <dgm:fillClrLst meth="repeat">
+      <a:schemeClr val="lt1">
+        <a:alpha val="90000"/>
+      </a:schemeClr>
+    </dgm:fillClrLst>
+    <dgm:linClrLst>
+      <a:schemeClr val="accent4"/>
+    </dgm:linClrLst>
+    <dgm:effectClrLst/>
+    <dgm:txLinClrLst/>
+    <dgm:txFillClrLst meth="repeat">
+      <a:schemeClr val="dk1"/>
+    </dgm:txFillClrLst>
+    <dgm:txEffectClrLst/>
+  </dgm:styleLbl>
+  <dgm:styleLbl name="bgShp">
+    <dgm:fillClrLst meth="repeat">
+      <a:schemeClr val="accent2"/>
+      <a:schemeClr val="accent3"/>
+      <a:schemeClr val="accent4"/>
+      <a:schemeClr val="accent5"/>
+      <a:schemeClr val="accent6"/>
+    </dgm:fillClrLst>
+    <dgm:linClrLst meth="repeat">
+      <a:schemeClr val="lt1">
+        <a:alpha val="0"/>
+      </a:schemeClr>
+    </dgm:linClrLst>
+    <dgm:effectClrLst/>
+    <dgm:txLinClrLst/>
+    <dgm:txFillClrLst/>
+    <dgm:txEffectClrLst/>
+  </dgm:styleLbl>
+  <dgm:styleLbl name="dkBgShp">
+    <dgm:fillClrLst meth="repeat">
+      <a:schemeClr val="accent2">
+        <a:shade val="90000"/>
+      </a:schemeClr>
+    </dgm:fillClrLst>
+    <dgm:linClrLst meth="repeat">
+      <a:schemeClr val="dk1"/>
+    </dgm:linClrLst>
+    <dgm:effectClrLst/>
+    <dgm:txLinClrLst/>
+    <dgm:txFillClrLst meth="repeat">
+      <a:schemeClr val="lt1"/>
+    </dgm:txFillClrLst>
+    <dgm:txEffectClrLst/>
+  </dgm:styleLbl>
+  <dgm:styleLbl name="trBgShp">
+    <dgm:fillClrLst meth="repeat">
+      <a:schemeClr val="accent1">
+        <a:tint val="50000"/>
+        <a:alpha val="40000"/>
+      </a:schemeClr>
+    </dgm:fillClrLst>
+    <dgm:linClrLst meth="repeat">
+      <a:schemeClr val="accent2"/>
+    </dgm:linClrLst>
+    <dgm:effectClrLst/>
+    <dgm:txLinClrLst/>
+    <dgm:txFillClrLst meth="repeat">
+      <a:schemeClr val="lt1"/>
+    </dgm:txFillClrLst>
+    <dgm:txEffectClrLst/>
+  </dgm:styleLbl>
+  <dgm:styleLbl name="fgShp">
+    <dgm:fillClrLst meth="repeat">
+      <a:schemeClr val="accent2">
+        <a:tint val="40000"/>
+      </a:schemeClr>
+    </dgm:fillClrLst>
+    <dgm:linClrLst meth="repeat">
+      <a:schemeClr val="lt1"/>
+    </dgm:linClrLst>
+    <dgm:effectClrLst/>
+    <dgm:txLinClrLst/>
+    <dgm:txFillClrLst meth="repeat">
+      <a:schemeClr val="dk1"/>
+    </dgm:txFillClrLst>
+    <dgm:txEffectClrLst/>
+  </dgm:styleLbl>
+  <dgm:styleLbl name="revTx">
+    <dgm:fillClrLst meth="repeat">
+      <a:schemeClr val="lt1">
+        <a:alpha val="0"/>
+      </a:schemeClr>
+    </dgm:fillClrLst>
+    <dgm:linClrLst meth="repeat">
+      <a:schemeClr val="dk1">
+        <a:alpha val="0"/>
+      </a:schemeClr>
+    </dgm:linClrLst>
+    <dgm:effectClrLst/>
+    <dgm:txLinClrLst/>
+    <dgm:txFillClrLst meth="repeat">
+      <a:schemeClr val="bg1"/>
+    </dgm:txFillClrLst>
+    <dgm:txEffectClrLst/>
+  </dgm:styleLbl>
+</dgm:colorsDef>
+</file>
+
+<file path=ppt/diagrams/data1.xml><?xml version="1.0" encoding="utf-8"?>
+<dgm:dataModel xmlns:dgm="http://schemas.openxmlformats.org/drawingml/2006/diagram" xmlns:a="http://schemas.openxmlformats.org/drawingml/2006/main">
+  <dgm:ptLst>
+    <dgm:pt modelId="{7F554409-B47C-458F-92FE-2E6A1120DB85}" type="doc">
+      <dgm:prSet loTypeId="urn:microsoft.com/office/officeart/2018/2/layout/IconVerticalSolidList" loCatId="icon" qsTypeId="urn:microsoft.com/office/officeart/2005/8/quickstyle/simple1" qsCatId="simple" csTypeId="urn:microsoft.com/office/officeart/2018/5/colors/Iconchunking_neutralicontext_colorful1" csCatId="colorful" phldr="1"/>
+      <dgm:spPr/>
+      <dgm:t>
+        <a:bodyPr/>
+        <a:lstStyle/>
+        <a:p>
+          <a:endParaRPr lang="en-US"/>
+        </a:p>
+      </dgm:t>
+    </dgm:pt>
+    <dgm:pt modelId="{D7EB73F4-B9A5-4A2C-951C-AB729FA0D7D2}">
+      <dgm:prSet custT="1"/>
+      <dgm:spPr/>
+      <dgm:t>
+        <a:bodyPr/>
+        <a:lstStyle/>
+        <a:p>
+          <a:r>
+            <a:rPr lang="en-US" sz="1500" dirty="0"/>
+            <a:t>Researched orbital mechanics, and developed an application that accesses NASA’s NEO API and dynamically draws the orbital diagram for asteroids that are approaching earth, embedding them into the web application. Provided a simple user interface to increase availability.</a:t>
+          </a:r>
+        </a:p>
+      </dgm:t>
+    </dgm:pt>
+    <dgm:pt modelId="{4B003D2E-F43F-4348-A610-6795206C701D}" type="parTrans" cxnId="{311E408D-610F-4650-88BC-6242909A1D1C}">
+      <dgm:prSet/>
+      <dgm:spPr/>
+      <dgm:t>
+        <a:bodyPr/>
+        <a:lstStyle/>
+        <a:p>
+          <a:endParaRPr lang="en-US"/>
+        </a:p>
+      </dgm:t>
+    </dgm:pt>
+    <dgm:pt modelId="{2B1F591D-CC10-4EDD-B9AD-55B705EBF32D}" type="sibTrans" cxnId="{311E408D-610F-4650-88BC-6242909A1D1C}">
+      <dgm:prSet/>
+      <dgm:spPr/>
+      <dgm:t>
+        <a:bodyPr/>
+        <a:lstStyle/>
+        <a:p>
+          <a:endParaRPr lang="en-US"/>
+        </a:p>
+      </dgm:t>
+    </dgm:pt>
+    <dgm:pt modelId="{3E5095E9-C7C0-47B1-B92B-0B84B6E64149}">
+      <dgm:prSet custT="1"/>
+      <dgm:spPr/>
+      <dgm:t>
+        <a:bodyPr/>
+        <a:lstStyle/>
+        <a:p>
+          <a:r>
+            <a:rPr lang="en-US" sz="1600" dirty="0"/>
+            <a:t>SMS-based subscription service that texts users as soon as an asteroid that NASA has classified as “hazardous” is discovered.</a:t>
+          </a:r>
+        </a:p>
+      </dgm:t>
+    </dgm:pt>
+    <dgm:pt modelId="{F93600D6-BEDB-46B2-90BC-302824753DC4}" type="parTrans" cxnId="{9EAB1CB2-4009-4C0B-B91D-0B99CB4103C9}">
+      <dgm:prSet/>
+      <dgm:spPr/>
+      <dgm:t>
+        <a:bodyPr/>
+        <a:lstStyle/>
+        <a:p>
+          <a:endParaRPr lang="en-US"/>
+        </a:p>
+      </dgm:t>
+    </dgm:pt>
+    <dgm:pt modelId="{C691E307-1A98-4EC5-93A2-E66EB545FC4C}" type="sibTrans" cxnId="{9EAB1CB2-4009-4C0B-B91D-0B99CB4103C9}">
+      <dgm:prSet/>
+      <dgm:spPr/>
+      <dgm:t>
+        <a:bodyPr/>
+        <a:lstStyle/>
+        <a:p>
+          <a:endParaRPr lang="en-US"/>
+        </a:p>
+      </dgm:t>
+    </dgm:pt>
+    <dgm:pt modelId="{05D1C8AD-5104-4B59-BF39-D1C7DE85120A}" type="pres">
+      <dgm:prSet presAssocID="{7F554409-B47C-458F-92FE-2E6A1120DB85}" presName="root" presStyleCnt="0">
+        <dgm:presLayoutVars>
+          <dgm:dir/>
+          <dgm:resizeHandles val="exact"/>
+        </dgm:presLayoutVars>
+      </dgm:prSet>
+      <dgm:spPr/>
+    </dgm:pt>
+    <dgm:pt modelId="{FB194ED5-85D3-462C-9BE9-78403CED8B54}" type="pres">
+      <dgm:prSet presAssocID="{D7EB73F4-B9A5-4A2C-951C-AB729FA0D7D2}" presName="compNode" presStyleCnt="0"/>
+      <dgm:spPr/>
+    </dgm:pt>
+    <dgm:pt modelId="{103C44F5-76E3-489C-9A62-CCEC8770237C}" type="pres">
+      <dgm:prSet presAssocID="{D7EB73F4-B9A5-4A2C-951C-AB729FA0D7D2}" presName="bgRect" presStyleLbl="bgShp" presStyleIdx="0" presStyleCnt="2" custScaleY="126784" custLinFactNeighborY="21250"/>
+      <dgm:spPr/>
+    </dgm:pt>
+    <dgm:pt modelId="{ADDC43EB-ED4C-4871-B162-92E59944A6A1}" type="pres">
+      <dgm:prSet presAssocID="{D7EB73F4-B9A5-4A2C-951C-AB729FA0D7D2}" presName="iconRect" presStyleLbl="node1" presStyleIdx="0" presStyleCnt="2" custLinFactNeighborX="4376" custLinFactNeighborY="31738"/>
+      <dgm:spPr>
+        <a:blipFill>
+          <a:blip xmlns:r="http://schemas.openxmlformats.org/officeDocument/2006/relationships" r:embed="rId1">
+            <a:extLst>
+              <a:ext uri="{28A0092B-C50C-407E-A947-70E740481C1C}">
+                <a14:useLocalDpi xmlns:a14="http://schemas.microsoft.com/office/drawing/2010/main" val="0"/>
+              </a:ext>
+              <a:ext uri="{96DAC541-7B7A-43D3-8B79-37D633B846F1}">
+                <asvg:svgBlip xmlns:asvg="http://schemas.microsoft.com/office/drawing/2016/SVG/main" r:embed="rId2"/>
+              </a:ext>
+            </a:extLst>
+          </a:blip>
+          <a:stretch>
+            <a:fillRect/>
+          </a:stretch>
+        </a:blipFill>
+        <a:ln>
+          <a:noFill/>
+        </a:ln>
+      </dgm:spPr>
+      <dgm:extLst>
+        <a:ext uri="{E40237B7-FDA0-4F09-8148-C483321AD2D9}">
+          <dgm14:cNvPr xmlns:dgm14="http://schemas.microsoft.com/office/drawing/2010/diagram" id="0" name="" descr="Comet"/>
+        </a:ext>
+      </dgm:extLst>
+    </dgm:pt>
+    <dgm:pt modelId="{5FB2E984-7453-4309-99A3-6EF385816BBC}" type="pres">
+      <dgm:prSet presAssocID="{D7EB73F4-B9A5-4A2C-951C-AB729FA0D7D2}" presName="spaceRect" presStyleCnt="0"/>
+      <dgm:spPr/>
+    </dgm:pt>
+    <dgm:pt modelId="{0D057843-E1DA-49C3-AA49-7D7E98B41B10}" type="pres">
+      <dgm:prSet presAssocID="{D7EB73F4-B9A5-4A2C-951C-AB729FA0D7D2}" presName="parTx" presStyleLbl="revTx" presStyleIdx="0" presStyleCnt="2" custScaleY="132116" custLinFactNeighborX="-4178" custLinFactNeighborY="14249">
+        <dgm:presLayoutVars>
+          <dgm:chMax val="0"/>
+          <dgm:chPref val="0"/>
+        </dgm:presLayoutVars>
+      </dgm:prSet>
+      <dgm:spPr/>
+    </dgm:pt>
+    <dgm:pt modelId="{E87B0E97-5721-424D-866F-6A05C79F99EF}" type="pres">
+      <dgm:prSet presAssocID="{2B1F591D-CC10-4EDD-B9AD-55B705EBF32D}" presName="sibTrans" presStyleCnt="0"/>
+      <dgm:spPr/>
+    </dgm:pt>
+    <dgm:pt modelId="{1E26346E-A303-4CB0-8F9F-4808A7E3431F}" type="pres">
+      <dgm:prSet presAssocID="{3E5095E9-C7C0-47B1-B92B-0B84B6E64149}" presName="compNode" presStyleCnt="0"/>
+      <dgm:spPr/>
+    </dgm:pt>
+    <dgm:pt modelId="{E9074018-ADCB-4D91-90C0-3D905B137C0C}" type="pres">
+      <dgm:prSet presAssocID="{3E5095E9-C7C0-47B1-B92B-0B84B6E64149}" presName="bgRect" presStyleLbl="bgShp" presStyleIdx="1" presStyleCnt="2" custScaleY="88217" custLinFactNeighborY="20956"/>
+      <dgm:spPr/>
+    </dgm:pt>
+    <dgm:pt modelId="{D753D157-D477-44AE-BF7B-07B3EE75D034}" type="pres">
+      <dgm:prSet presAssocID="{3E5095E9-C7C0-47B1-B92B-0B84B6E64149}" presName="iconRect" presStyleLbl="node1" presStyleIdx="1" presStyleCnt="2" custLinFactNeighborX="-7987" custLinFactNeighborY="35149"/>
+      <dgm:spPr>
+        <a:blipFill>
+          <a:blip xmlns:r="http://schemas.openxmlformats.org/officeDocument/2006/relationships" r:embed="rId3">
+            <a:extLst>
+              <a:ext uri="{28A0092B-C50C-407E-A947-70E740481C1C}">
+                <a14:useLocalDpi xmlns:a14="http://schemas.microsoft.com/office/drawing/2010/main" val="0"/>
+              </a:ext>
+              <a:ext uri="{96DAC541-7B7A-43D3-8B79-37D633B846F1}">
+                <asvg:svgBlip xmlns:asvg="http://schemas.microsoft.com/office/drawing/2016/SVG/main" r:embed="rId4"/>
+              </a:ext>
+            </a:extLst>
+          </a:blip>
+          <a:stretch>
+            <a:fillRect/>
+          </a:stretch>
+        </a:blipFill>
+        <a:ln>
+          <a:noFill/>
+        </a:ln>
+      </dgm:spPr>
+      <dgm:extLst>
+        <a:ext uri="{E40237B7-FDA0-4F09-8148-C483321AD2D9}">
+          <dgm14:cNvPr xmlns:dgm14="http://schemas.microsoft.com/office/drawing/2010/diagram" id="0" name="" descr="Envelope"/>
+        </a:ext>
+      </dgm:extLst>
+    </dgm:pt>
+    <dgm:pt modelId="{A7BA06A0-CAF3-4F62-B90F-85EEC1418528}" type="pres">
+      <dgm:prSet presAssocID="{3E5095E9-C7C0-47B1-B92B-0B84B6E64149}" presName="spaceRect" presStyleCnt="0"/>
+      <dgm:spPr/>
+    </dgm:pt>
+    <dgm:pt modelId="{E7A226D2-385F-4BB0-B021-E810207A35C3}" type="pres">
+      <dgm:prSet presAssocID="{3E5095E9-C7C0-47B1-B92B-0B84B6E64149}" presName="parTx" presStyleLbl="revTx" presStyleIdx="1" presStyleCnt="2" custLinFactNeighborX="0" custLinFactNeighborY="13449">
+        <dgm:presLayoutVars>
+          <dgm:chMax val="0"/>
+          <dgm:chPref val="0"/>
+        </dgm:presLayoutVars>
+      </dgm:prSet>
+      <dgm:spPr/>
+    </dgm:pt>
+  </dgm:ptLst>
+  <dgm:cxnLst>
+    <dgm:cxn modelId="{5204C824-7337-4AF1-B614-DCDC6B19822B}" type="presOf" srcId="{D7EB73F4-B9A5-4A2C-951C-AB729FA0D7D2}" destId="{0D057843-E1DA-49C3-AA49-7D7E98B41B10}" srcOrd="0" destOrd="0" presId="urn:microsoft.com/office/officeart/2018/2/layout/IconVerticalSolidList"/>
+    <dgm:cxn modelId="{8ACA9E2A-D9CD-49DE-8A28-B4CCD333FD13}" type="presOf" srcId="{3E5095E9-C7C0-47B1-B92B-0B84B6E64149}" destId="{E7A226D2-385F-4BB0-B021-E810207A35C3}" srcOrd="0" destOrd="0" presId="urn:microsoft.com/office/officeart/2018/2/layout/IconVerticalSolidList"/>
+    <dgm:cxn modelId="{064B262B-525A-4461-A728-3795A874B660}" type="presOf" srcId="{7F554409-B47C-458F-92FE-2E6A1120DB85}" destId="{05D1C8AD-5104-4B59-BF39-D1C7DE85120A}" srcOrd="0" destOrd="0" presId="urn:microsoft.com/office/officeart/2018/2/layout/IconVerticalSolidList"/>
+    <dgm:cxn modelId="{311E408D-610F-4650-88BC-6242909A1D1C}" srcId="{7F554409-B47C-458F-92FE-2E6A1120DB85}" destId="{D7EB73F4-B9A5-4A2C-951C-AB729FA0D7D2}" srcOrd="0" destOrd="0" parTransId="{4B003D2E-F43F-4348-A610-6795206C701D}" sibTransId="{2B1F591D-CC10-4EDD-B9AD-55B705EBF32D}"/>
+    <dgm:cxn modelId="{9EAB1CB2-4009-4C0B-B91D-0B99CB4103C9}" srcId="{7F554409-B47C-458F-92FE-2E6A1120DB85}" destId="{3E5095E9-C7C0-47B1-B92B-0B84B6E64149}" srcOrd="1" destOrd="0" parTransId="{F93600D6-BEDB-46B2-90BC-302824753DC4}" sibTransId="{C691E307-1A98-4EC5-93A2-E66EB545FC4C}"/>
+    <dgm:cxn modelId="{619BBA0D-F004-4701-9A47-A2F2062138E7}" type="presParOf" srcId="{05D1C8AD-5104-4B59-BF39-D1C7DE85120A}" destId="{FB194ED5-85D3-462C-9BE9-78403CED8B54}" srcOrd="0" destOrd="0" presId="urn:microsoft.com/office/officeart/2018/2/layout/IconVerticalSolidList"/>
+    <dgm:cxn modelId="{B2D44CC9-BB48-4A39-9CDF-2CC2DFD3EFE2}" type="presParOf" srcId="{FB194ED5-85D3-462C-9BE9-78403CED8B54}" destId="{103C44F5-76E3-489C-9A62-CCEC8770237C}" srcOrd="0" destOrd="0" presId="urn:microsoft.com/office/officeart/2018/2/layout/IconVerticalSolidList"/>
+    <dgm:cxn modelId="{62BFF92E-D45D-437D-8DFB-15CA36F9FBA2}" type="presParOf" srcId="{FB194ED5-85D3-462C-9BE9-78403CED8B54}" destId="{ADDC43EB-ED4C-4871-B162-92E59944A6A1}" srcOrd="1" destOrd="0" presId="urn:microsoft.com/office/officeart/2018/2/layout/IconVerticalSolidList"/>
+    <dgm:cxn modelId="{4FEDAF33-DB89-4FBB-9890-5F819233260D}" type="presParOf" srcId="{FB194ED5-85D3-462C-9BE9-78403CED8B54}" destId="{5FB2E984-7453-4309-99A3-6EF385816BBC}" srcOrd="2" destOrd="0" presId="urn:microsoft.com/office/officeart/2018/2/layout/IconVerticalSolidList"/>
+    <dgm:cxn modelId="{C51027A6-0395-422C-AB38-84FFB23699F0}" type="presParOf" srcId="{FB194ED5-85D3-462C-9BE9-78403CED8B54}" destId="{0D057843-E1DA-49C3-AA49-7D7E98B41B10}" srcOrd="3" destOrd="0" presId="urn:microsoft.com/office/officeart/2018/2/layout/IconVerticalSolidList"/>
+    <dgm:cxn modelId="{382C0BB9-3232-4F4B-82FD-6EDAB7BFA936}" type="presParOf" srcId="{05D1C8AD-5104-4B59-BF39-D1C7DE85120A}" destId="{E87B0E97-5721-424D-866F-6A05C79F99EF}" srcOrd="1" destOrd="0" presId="urn:microsoft.com/office/officeart/2018/2/layout/IconVerticalSolidList"/>
+    <dgm:cxn modelId="{72BE5DF7-DC9C-4FFB-B304-4ECAC240A576}" type="presParOf" srcId="{05D1C8AD-5104-4B59-BF39-D1C7DE85120A}" destId="{1E26346E-A303-4CB0-8F9F-4808A7E3431F}" srcOrd="2" destOrd="0" presId="urn:microsoft.com/office/officeart/2018/2/layout/IconVerticalSolidList"/>
+    <dgm:cxn modelId="{FF020A40-E61B-4BCE-9472-C8345D6D27EF}" type="presParOf" srcId="{1E26346E-A303-4CB0-8F9F-4808A7E3431F}" destId="{E9074018-ADCB-4D91-90C0-3D905B137C0C}" srcOrd="0" destOrd="0" presId="urn:microsoft.com/office/officeart/2018/2/layout/IconVerticalSolidList"/>
+    <dgm:cxn modelId="{983AA313-03E2-4D57-8DAF-0C8F53BA6FD8}" type="presParOf" srcId="{1E26346E-A303-4CB0-8F9F-4808A7E3431F}" destId="{D753D157-D477-44AE-BF7B-07B3EE75D034}" srcOrd="1" destOrd="0" presId="urn:microsoft.com/office/officeart/2018/2/layout/IconVerticalSolidList"/>
+    <dgm:cxn modelId="{B4EE39B3-021F-42CE-BEF8-C51235B835FE}" type="presParOf" srcId="{1E26346E-A303-4CB0-8F9F-4808A7E3431F}" destId="{A7BA06A0-CAF3-4F62-B90F-85EEC1418528}" srcOrd="2" destOrd="0" presId="urn:microsoft.com/office/officeart/2018/2/layout/IconVerticalSolidList"/>
+    <dgm:cxn modelId="{981FCBE3-02AF-43D6-9C67-F04E051658C8}" type="presParOf" srcId="{1E26346E-A303-4CB0-8F9F-4808A7E3431F}" destId="{E7A226D2-385F-4BB0-B021-E810207A35C3}" srcOrd="3" destOrd="0" presId="urn:microsoft.com/office/officeart/2018/2/layout/IconVerticalSolidList"/>
+  </dgm:cxnLst>
+  <dgm:bg/>
+  <dgm:whole/>
+  <dgm:extLst>
+    <a:ext uri="http://schemas.microsoft.com/office/drawing/2008/diagram">
+      <dsp:dataModelExt xmlns:dsp="http://schemas.microsoft.com/office/drawing/2008/diagram" relId="rId7" minVer="http://schemas.openxmlformats.org/drawingml/2006/diagram"/>
+    </a:ext>
+  </dgm:extLst>
+</dgm:dataModel>
+</file>
+
+<file path=ppt/diagrams/drawing1.xml><?xml version="1.0" encoding="utf-8"?>
+<dsp:drawing xmlns:dgm="http://schemas.openxmlformats.org/drawingml/2006/diagram" xmlns:dsp="http://schemas.microsoft.com/office/drawing/2008/diagram" xmlns:a="http://schemas.openxmlformats.org/drawingml/2006/main">
+  <dsp:spTree>
+    <dsp:nvGrpSpPr>
+      <dsp:cNvPr id="0" name=""/>
+      <dsp:cNvGrpSpPr/>
+    </dsp:nvGrpSpPr>
+    <dsp:grpSpPr/>
+    <dsp:sp modelId="{103C44F5-76E3-489C-9A62-CCEC8770237C}">
+      <dsp:nvSpPr>
+        <dsp:cNvPr id="0" name=""/>
+        <dsp:cNvSpPr/>
+      </dsp:nvSpPr>
+      <dsp:spPr>
+        <a:xfrm>
+          <a:off x="0" y="932554"/>
+          <a:ext cx="6625705" cy="2422292"/>
+        </a:xfrm>
+        <a:prstGeom prst="roundRect">
+          <a:avLst>
+            <a:gd name="adj" fmla="val 10000"/>
+          </a:avLst>
+        </a:prstGeom>
+        <a:solidFill>
+          <a:schemeClr val="accent2">
+            <a:hueOff val="0"/>
+            <a:satOff val="0"/>
+            <a:lumOff val="0"/>
+            <a:alphaOff val="0"/>
+          </a:schemeClr>
+        </a:solidFill>
+        <a:ln>
+          <a:noFill/>
+        </a:ln>
+        <a:effectLst/>
+      </dsp:spPr>
+      <dsp:style>
+        <a:lnRef idx="0">
+          <a:scrgbClr r="0" g="0" b="0"/>
+        </a:lnRef>
+        <a:fillRef idx="1">
+          <a:scrgbClr r="0" g="0" b="0"/>
+        </a:fillRef>
+        <a:effectRef idx="0">
+          <a:scrgbClr r="0" g="0" b="0"/>
+        </a:effectRef>
+        <a:fontRef idx="minor"/>
+      </dsp:style>
+    </dsp:sp>
+    <dsp:sp modelId="{ADDC43EB-ED4C-4871-B162-92E59944A6A1}">
+      <dsp:nvSpPr>
+        <dsp:cNvPr id="0" name=""/>
+        <dsp:cNvSpPr/>
+      </dsp:nvSpPr>
+      <dsp:spPr>
+        <a:xfrm>
+          <a:off x="623929" y="1545806"/>
+          <a:ext cx="1050811" cy="1050811"/>
+        </a:xfrm>
+        <a:prstGeom prst="rect">
+          <a:avLst/>
+        </a:prstGeom>
+        <a:blipFill>
+          <a:blip xmlns:r="http://schemas.openxmlformats.org/officeDocument/2006/relationships" r:embed="rId1">
+            <a:extLst>
+              <a:ext uri="{28A0092B-C50C-407E-A947-70E740481C1C}">
+                <a14:useLocalDpi xmlns:a14="http://schemas.microsoft.com/office/drawing/2010/main" val="0"/>
+              </a:ext>
+              <a:ext uri="{96DAC541-7B7A-43D3-8B79-37D633B846F1}">
+                <asvg:svgBlip xmlns:asvg="http://schemas.microsoft.com/office/drawing/2016/SVG/main" r:embed="rId2"/>
+              </a:ext>
+            </a:extLst>
+          </a:blip>
+          <a:stretch>
+            <a:fillRect/>
+          </a:stretch>
+        </a:blipFill>
+        <a:ln w="19050" cap="rnd" cmpd="sng" algn="ctr">
+          <a:noFill/>
+          <a:prstDash val="solid"/>
+        </a:ln>
+        <a:effectLst/>
+      </dsp:spPr>
+      <dsp:style>
+        <a:lnRef idx="2">
+          <a:scrgbClr r="0" g="0" b="0"/>
+        </a:lnRef>
+        <a:fillRef idx="1">
+          <a:scrgbClr r="0" g="0" b="0"/>
+        </a:fillRef>
+        <a:effectRef idx="0">
+          <a:scrgbClr r="0" g="0" b="0"/>
+        </a:effectRef>
+        <a:fontRef idx="minor">
+          <a:schemeClr val="lt1"/>
+        </a:fontRef>
+      </dsp:style>
+    </dsp:sp>
+    <dsp:sp modelId="{0D057843-E1DA-49C3-AA49-7D7E98B41B10}">
+      <dsp:nvSpPr>
+        <dsp:cNvPr id="0" name=""/>
+        <dsp:cNvSpPr/>
+      </dsp:nvSpPr>
+      <dsp:spPr>
+        <a:xfrm>
+          <a:off x="2022078" y="747860"/>
+          <a:ext cx="4419001" cy="2524163"/>
+        </a:xfrm>
+        <a:prstGeom prst="rect">
+          <a:avLst/>
+        </a:prstGeom>
+        <a:noFill/>
+        <a:ln>
+          <a:noFill/>
+        </a:ln>
+        <a:effectLst/>
+      </dsp:spPr>
+      <dsp:style>
+        <a:lnRef idx="0">
+          <a:scrgbClr r="0" g="0" b="0"/>
+        </a:lnRef>
+        <a:fillRef idx="0">
+          <a:scrgbClr r="0" g="0" b="0"/>
+        </a:fillRef>
+        <a:effectRef idx="0">
+          <a:scrgbClr r="0" g="0" b="0"/>
+        </a:effectRef>
+        <a:fontRef idx="minor"/>
+      </dsp:style>
+      <dsp:txBody>
+        <a:bodyPr spcFirstLastPara="0" vert="horz" wrap="square" lIns="202202" tIns="202202" rIns="202202" bIns="202202" numCol="1" spcCol="1270" anchor="ctr" anchorCtr="0">
+          <a:noAutofit/>
+        </a:bodyPr>
+        <a:lstStyle/>
+        <a:p>
+          <a:pPr marL="0" lvl="0" indent="0" algn="l" defTabSz="666750">
+            <a:lnSpc>
+              <a:spcPct val="90000"/>
+            </a:lnSpc>
+            <a:spcBef>
+              <a:spcPct val="0"/>
+            </a:spcBef>
+            <a:spcAft>
+              <a:spcPct val="35000"/>
+            </a:spcAft>
+            <a:buNone/>
+          </a:pPr>
+          <a:r>
+            <a:rPr lang="en-US" sz="1500" kern="1200" dirty="0"/>
+            <a:t>Researched orbital mechanics, and developed an application that accesses NASA’s NEO API and dynamically draws the orbital diagram for asteroids that are approaching earth, embedding them into the web application. Provided a simple user interface to increase availability.</a:t>
+          </a:r>
+        </a:p>
+      </dsp:txBody>
+      <dsp:txXfrm>
+        <a:off x="2022078" y="747860"/>
+        <a:ext cx="4419001" cy="2524163"/>
+      </dsp:txXfrm>
+    </dsp:sp>
+    <dsp:sp modelId="{E9074018-ADCB-4D91-90C0-3D905B137C0C}">
+      <dsp:nvSpPr>
+        <dsp:cNvPr id="0" name=""/>
+        <dsp:cNvSpPr/>
+      </dsp:nvSpPr>
+      <dsp:spPr>
+        <a:xfrm>
+          <a:off x="0" y="3949427"/>
+          <a:ext cx="6625705" cy="1685444"/>
+        </a:xfrm>
+        <a:prstGeom prst="roundRect">
+          <a:avLst>
+            <a:gd name="adj" fmla="val 10000"/>
+          </a:avLst>
+        </a:prstGeom>
+        <a:solidFill>
+          <a:schemeClr val="accent3">
+            <a:hueOff val="0"/>
+            <a:satOff val="0"/>
+            <a:lumOff val="0"/>
+            <a:alphaOff val="0"/>
+          </a:schemeClr>
+        </a:solidFill>
+        <a:ln>
+          <a:noFill/>
+        </a:ln>
+        <a:effectLst/>
+      </dsp:spPr>
+      <dsp:style>
+        <a:lnRef idx="0">
+          <a:scrgbClr r="0" g="0" b="0"/>
+        </a:lnRef>
+        <a:fillRef idx="1">
+          <a:scrgbClr r="0" g="0" b="0"/>
+        </a:fillRef>
+        <a:effectRef idx="0">
+          <a:scrgbClr r="0" g="0" b="0"/>
+        </a:effectRef>
+        <a:fontRef idx="minor"/>
+      </dsp:style>
+    </dsp:sp>
+    <dsp:sp modelId="{D753D157-D477-44AE-BF7B-07B3EE75D034}">
+      <dsp:nvSpPr>
+        <dsp:cNvPr id="0" name=""/>
+        <dsp:cNvSpPr/>
+      </dsp:nvSpPr>
+      <dsp:spPr>
+        <a:xfrm>
+          <a:off x="494017" y="4235715"/>
+          <a:ext cx="1050811" cy="1050811"/>
+        </a:xfrm>
+        <a:prstGeom prst="rect">
+          <a:avLst/>
+        </a:prstGeom>
+        <a:blipFill>
+          <a:blip xmlns:r="http://schemas.openxmlformats.org/officeDocument/2006/relationships" r:embed="rId3">
+            <a:extLst>
+              <a:ext uri="{28A0092B-C50C-407E-A947-70E740481C1C}">
+                <a14:useLocalDpi xmlns:a14="http://schemas.microsoft.com/office/drawing/2010/main" val="0"/>
+              </a:ext>
+              <a:ext uri="{96DAC541-7B7A-43D3-8B79-37D633B846F1}">
+                <asvg:svgBlip xmlns:asvg="http://schemas.microsoft.com/office/drawing/2016/SVG/main" r:embed="rId4"/>
+              </a:ext>
+            </a:extLst>
+          </a:blip>
+          <a:stretch>
+            <a:fillRect/>
+          </a:stretch>
+        </a:blipFill>
+        <a:ln w="19050" cap="rnd" cmpd="sng" algn="ctr">
+          <a:noFill/>
+          <a:prstDash val="solid"/>
+        </a:ln>
+        <a:effectLst/>
+      </dsp:spPr>
+      <dsp:style>
+        <a:lnRef idx="2">
+          <a:scrgbClr r="0" g="0" b="0"/>
+        </a:lnRef>
+        <a:fillRef idx="1">
+          <a:scrgbClr r="0" g="0" b="0"/>
+        </a:fillRef>
+        <a:effectRef idx="0">
+          <a:scrgbClr r="0" g="0" b="0"/>
+        </a:effectRef>
+        <a:fontRef idx="minor">
+          <a:schemeClr val="lt1"/>
+        </a:fontRef>
+      </dsp:style>
+    </dsp:sp>
+    <dsp:sp modelId="{E7A226D2-385F-4BB0-B021-E810207A35C3}">
+      <dsp:nvSpPr>
+        <dsp:cNvPr id="0" name=""/>
+        <dsp:cNvSpPr/>
+      </dsp:nvSpPr>
+      <dsp:spPr>
+        <a:xfrm>
+          <a:off x="2206703" y="3693440"/>
+          <a:ext cx="4419001" cy="1910566"/>
+        </a:xfrm>
+        <a:prstGeom prst="rect">
+          <a:avLst/>
+        </a:prstGeom>
+        <a:noFill/>
+        <a:ln>
+          <a:noFill/>
+        </a:ln>
+        <a:effectLst/>
+      </dsp:spPr>
+      <dsp:style>
+        <a:lnRef idx="0">
+          <a:scrgbClr r="0" g="0" b="0"/>
+        </a:lnRef>
+        <a:fillRef idx="0">
+          <a:scrgbClr r="0" g="0" b="0"/>
+        </a:fillRef>
+        <a:effectRef idx="0">
+          <a:scrgbClr r="0" g="0" b="0"/>
+        </a:effectRef>
+        <a:fontRef idx="minor"/>
+      </dsp:style>
+      <dsp:txBody>
+        <a:bodyPr spcFirstLastPara="0" vert="horz" wrap="square" lIns="202202" tIns="202202" rIns="202202" bIns="202202" numCol="1" spcCol="1270" anchor="ctr" anchorCtr="0">
+          <a:noAutofit/>
+        </a:bodyPr>
+        <a:lstStyle/>
+        <a:p>
+          <a:pPr marL="0" lvl="0" indent="0" algn="l" defTabSz="711200">
+            <a:lnSpc>
+              <a:spcPct val="90000"/>
+            </a:lnSpc>
+            <a:spcBef>
+              <a:spcPct val="0"/>
+            </a:spcBef>
+            <a:spcAft>
+              <a:spcPct val="35000"/>
+            </a:spcAft>
+            <a:buNone/>
+          </a:pPr>
+          <a:r>
+            <a:rPr lang="en-US" sz="1600" kern="1200" dirty="0"/>
+            <a:t>SMS-based subscription service that texts users as soon as an asteroid that NASA has classified as “hazardous” is discovered.</a:t>
+          </a:r>
+        </a:p>
+      </dsp:txBody>
+      <dsp:txXfrm>
+        <a:off x="2206703" y="3693440"/>
+        <a:ext cx="4419001" cy="1910566"/>
+      </dsp:txXfrm>
+    </dsp:sp>
+  </dsp:spTree>
+</dsp:drawing>
+</file>
+
+<file path=ppt/diagrams/layout1.xml><?xml version="1.0" encoding="utf-8"?>
+<dgm:layoutDef xmlns:dgm="http://schemas.openxmlformats.org/drawingml/2006/diagram" xmlns:a="http://schemas.openxmlformats.org/drawingml/2006/main" uniqueId="urn:microsoft.com/office/officeart/2018/2/layout/IconVerticalSolidList">
+  <dgm:title val="Icon Vertical Solid List"/>
+  <dgm:desc val="Use to show a series of visuals from top to bottom with Level 1 or Level 1 and Level 2 text grouped in a shape. Works best with icons or small pictures with lengthier descriptions."/>
+  <dgm:catLst>
+    <dgm:cat type="icon" pri="500"/>
+  </dgm:catLst>
+  <dgm:sampData useDef="1">
+    <dgm:dataModel>
+      <dgm:ptLst/>
+      <dgm:bg/>
+      <dgm:whole/>
+    </dgm:dataModel>
+  </dgm:sampData>
+  <dgm:styleData useDef="1">
+    <dgm:dataModel>
+      <dgm:ptLst/>
+      <dgm:bg/>
+      <dgm:whole/>
+    </dgm:dataModel>
+  </dgm:styleData>
+  <dgm:clrData useDef="1">
+    <dgm:dataModel>
+      <dgm:ptLst/>
+      <dgm:bg/>
+      <dgm:whole/>
+    </dgm:dataModel>
+  </dgm:clrData>
+  <dgm:layoutNode name="root">
+    <dgm:varLst>
+      <dgm:dir/>
+      <dgm:resizeHandles val="exact"/>
+    </dgm:varLst>
+    <dgm:choose name="Name0">
+      <dgm:if name="Name1" axis="self" func="var" arg="dir" op="equ" val="norm">
+        <dgm:alg type="lin">
+          <dgm:param type="linDir" val="fromT"/>
+          <dgm:param type="nodeHorzAlign" val="l"/>
+        </dgm:alg>
+      </dgm:if>
+      <dgm:else name="Name2">
+        <dgm:alg type="lin">
+          <dgm:param type="linDir" val="fromT"/>
+          <dgm:param type="nodeHorzAlign" val="r"/>
+        </dgm:alg>
+      </dgm:else>
+    </dgm:choose>
+    <dgm:shape xmlns:r="http://schemas.openxmlformats.org/officeDocument/2006/relationships" r:blip="">
+      <dgm:adjLst/>
+    </dgm:shape>
+    <dgm:presOf/>
+    <dgm:choose name="Name3">
+      <dgm:if name="Name4" axis="ch" ptType="node" func="cnt" op="lte" val="3">
+        <dgm:constrLst>
+          <dgm:constr type="h" for="ch" forName="compNode" refType="h" fact="0.3"/>
+          <dgm:constr type="w" for="ch" forName="compNode" refType="w"/>
+          <dgm:constr type="h" for="ch" forName="sibTrans" refType="h" refFor="ch" refForName="compNode" fact="0.25"/>
+          <dgm:constr type="primFontSz" for="des" forName="parTx" val="25"/>
+          <dgm:constr type="primFontSz" for="des" forName="desTx" refType="primFontSz" refFor="des" refForName="parTx" op="lte" fact="0.75"/>
+          <dgm:constr type="h" for="des" forName="compNode" op="equ"/>
+          <dgm:constr type="h" for="des" forName="bgRect" op="equ"/>
+          <dgm:constr type="h" for="des" forName="iconRect" op="equ"/>
+          <dgm:constr type="w" for="des" forName="iconRect" op="equ"/>
+          <dgm:constr type="h" for="des" forName="spaceRect" op="equ"/>
+          <dgm:constr type="h" for="des" forName="parTx" op="equ"/>
+          <dgm:constr type="h" for="des" forName="desTx" op="equ"/>
+        </dgm:constrLst>
+      </dgm:if>
+      <dgm:if name="Name5" axis="ch" ptType="node" func="cnt" op="lte" val="4">
+        <dgm:constrLst>
+          <dgm:constr type="h" for="ch" forName="compNode" refType="h" fact="0.3"/>
+          <dgm:constr type="w" for="ch" forName="compNode" refType="w"/>
+          <dgm:constr type="h" for="ch" forName="sibTrans" refType="h" refFor="ch" refForName="compNode" fact="0.25"/>
+          <dgm:constr type="primFontSz" for="des" forName="parTx" val="22"/>
+          <dgm:constr type="primFontSz" for="des" forName="desTx" refType="primFontSz" refFor="des" refForName="parTx" op="lte" fact="0.75"/>
+          <dgm:constr type="h" for="des" forName="compNode" op="equ"/>
+          <dgm:constr type="h" for="des" forName="bgRect" op="equ"/>
+          <dgm:constr type="h" for="des" forName="iconRect" op="equ"/>
+          <dgm:constr type="w" for="des" forName="iconRect" op="equ"/>
+          <dgm:constr type="h" for="des" forName="spaceRect" op="equ"/>
+          <dgm:constr type="h" for="des" forName="parTx" op="equ"/>
+          <dgm:constr type="h" for="des" forName="desTx" op="equ"/>
+        </dgm:constrLst>
+      </dgm:if>
+      <dgm:if name="Name6" axis="ch" ptType="node" func="cnt" op="lte" val="6">
+        <dgm:constrLst>
+          <dgm:constr type="h" for="ch" forName="compNode" refType="h" fact="0.3"/>
+          <dgm:constr type="w" for="ch" forName="compNode" refType="w"/>
+          <dgm:constr type="h" for="ch" forName="sibTrans" refType="h" refFor="ch" refForName="compNode" fact="0.25"/>
+          <dgm:constr type="primFontSz" for="des" forName="parTx" val="19"/>
+          <dgm:constr type="primFontSz" for="des" forName="desTx" refType="primFontSz" refFor="des" refForName="parTx" op="lte" fact="0.75"/>
+          <dgm:constr type="h" for="des" forName="compNode" op="equ"/>
+          <dgm:constr type="h" for="des" forName="bgRect" op="equ"/>
+          <dgm:constr type="h" for="des" forName="iconRect" op="equ"/>
+          <dgm:constr type="w" for="des" forName="iconRect" op="equ"/>
+          <dgm:constr type="h" for="des" forName="spaceRect" op="equ"/>
+          <dgm:constr type="h" for="des" forName="parTx" op="equ"/>
+          <dgm:constr type="h" for="des" forName="desTx" op="equ"/>
+        </dgm:constrLst>
+      </dgm:if>
+      <dgm:else name="Name7">
+        <dgm:constrLst>
+          <dgm:constr type="h" for="ch" forName="compNode" refType="h" fact="0.3"/>
+          <dgm:constr type="w" for="ch" forName="compNode" refType="w"/>
+          <dgm:constr type="h" for="ch" forName="sibTrans" refType="h" refFor="ch" refForName="compNode" fact="0.25"/>
+          <dgm:constr type="primFontSz" for="des" forName="parTx" val="16"/>
+          <dgm:constr type="primFontSz" for="des" forName="desTx" refType="primFontSz" refFor="des" refForName="parTx" op="lte" fact="0.75"/>
+          <dgm:constr type="h" for="des" forName="compNode" op="equ"/>
+          <dgm:constr type="h" for="des" forName="bgRect" op="equ"/>
+          <dgm:constr type="h" for="des" forName="iconRect" op="equ"/>
+          <dgm:constr type="w" for="des" forName="iconRect" op="equ"/>
+          <dgm:constr type="h" for="des" forName="spaceRect" op="equ"/>
+          <dgm:constr type="h" for="des" forName="parTx" op="equ"/>
+          <dgm:constr type="h" for="des" forName="desTx" op="equ"/>
+        </dgm:constrLst>
+      </dgm:else>
+    </dgm:choose>
+    <dgm:ruleLst>
+      <dgm:rule type="h" for="ch" forName="compNode" val="0" fact="NaN" max="NaN"/>
+    </dgm:ruleLst>
+    <dgm:forEach name="Name8" axis="ch" ptType="node">
+      <dgm:layoutNode name="compNode">
+        <dgm:alg type="composite"/>
+        <dgm:shape xmlns:r="http://schemas.openxmlformats.org/officeDocument/2006/relationships" r:blip="">
+          <dgm:adjLst/>
+        </dgm:shape>
+        <dgm:presOf axis="self"/>
+        <dgm:choose name="Name9">
+          <dgm:if name="Name10" axis="ch" ptType="node" func="cnt" op="gte" val="1">
+            <dgm:constrLst>
+              <dgm:constr type="w" for="ch" forName="bgRect" refType="w"/>
+              <dgm:constr type="h" for="ch" forName="bgRect" refType="h"/>
+              <dgm:constr type="l" for="ch" forName="bgRect"/>
+              <dgm:constr type="t" for="ch" forName="bgRect"/>
+              <dgm:constr type="h" for="ch" forName="iconRect" refType="h" fact="0.55"/>
+              <dgm:constr type="w" for="ch" forName="iconRect" refType="h" refFor="ch" refForName="iconRect"/>
+              <dgm:constr type="l" for="ch" forName="iconRect" refType="h" refFor="ch" refForName="iconRect" fact="0.55"/>
+              <dgm:constr type="ctrY" for="ch" forName="iconRect" refType="ctrY" refFor="ch" refForName="bgRect"/>
+              <dgm:constr type="w" for="ch" forName="spaceRect" refType="l" refFor="ch" refForName="iconRect"/>
+              <dgm:constr type="h" for="ch" forName="spaceRect" refType="h"/>
+              <dgm:constr type="l" for="ch" forName="spaceRect" refType="r" refFor="ch" refForName="iconRect"/>
+              <dgm:constr type="t" for="ch" forName="spaceRect"/>
+              <dgm:constr type="w" for="ch" forName="parTx" refType="w" fact="0.45"/>
+              <dgm:constr type="h" for="ch" forName="parTx" refType="h"/>
+              <dgm:constr type="l" for="ch" forName="parTx" refType="r" refFor="ch" refForName="spaceRect"/>
+              <dgm:constr type="t" for="ch" forName="parTx"/>
+              <dgm:constr type="h" for="ch" forName="desTx" refType="h"/>
+              <dgm:constr type="l" for="ch" forName="desTx" refType="r" refFor="ch" refForName="parTx"/>
+              <dgm:constr type="t" for="ch" forName="desTx"/>
+            </dgm:constrLst>
+          </dgm:if>
+          <dgm:else name="Name11">
+            <dgm:constrLst>
+              <dgm:constr type="w" for="ch" forName="bgRect" refType="w"/>
+              <dgm:constr type="h" for="ch" forName="bgRect" refType="h"/>
+              <dgm:constr type="l" for="ch" forName="bgRect"/>
+              <dgm:constr type="t" for="ch" forName="bgRect"/>
+              <dgm:constr type="h" for="ch" forName="iconRect" refType="h" fact="0.55"/>
+              <dgm:constr type="w" for="ch" forName="iconRect" refType="h" refFor="ch" refForName="iconRect"/>
+              <dgm:constr type="l" for="ch" forName="iconRect" refType="h" refFor="ch" refForName="iconRect" fact="0.55"/>
+              <dgm:constr type="ctrY" for="ch" forName="iconRect" refType="ctrY" refFor="ch" refForName="bgRect"/>
+              <dgm:constr type="w" for="ch" forName="spaceRect" refType="l" refFor="ch" refForName="iconRect"/>
+              <dgm:constr type="h" for="ch" forName="spaceRect" refType="h"/>
+              <dgm:constr type="l" for="ch" forName="spaceRect" refType="r" refFor="ch" refForName="iconRect"/>
+              <dgm:constr type="t" for="ch" forName="spaceRect"/>
+              <dgm:constr type="h" for="ch" forName="parTx" refType="h"/>
+              <dgm:constr type="l" for="ch" forName="parTx" refType="r" refFor="ch" refForName="spaceRect"/>
+              <dgm:constr type="t" for="ch" forName="parTx"/>
+            </dgm:constrLst>
+          </dgm:else>
+        </dgm:choose>
+        <dgm:ruleLst>
+          <dgm:rule type="h" val="INF" fact="NaN" max="NaN"/>
+        </dgm:ruleLst>
+        <dgm:layoutNode name="bgRect" styleLbl="bgShp">
+          <dgm:alg type="sp"/>
+          <dgm:shape xmlns:r="http://schemas.openxmlformats.org/officeDocument/2006/relationships" type="roundRect" r:blip="">
+            <dgm:adjLst>
+              <dgm:adj idx="1" val="0.1"/>
+            </dgm:adjLst>
+          </dgm:shape>
+          <dgm:presOf/>
+          <dgm:constrLst/>
+          <dgm:ruleLst/>
+        </dgm:layoutNode>
+        <dgm:layoutNode name="iconRect" styleLbl="node1">
+          <dgm:alg type="sp"/>
+          <dgm:shape xmlns:r="http://schemas.openxmlformats.org/officeDocument/2006/relationships" type="rect" r:blip="" blipPhldr="1">
+            <dgm:adjLst/>
+          </dgm:shape>
+          <dgm:presOf/>
+          <dgm:constrLst/>
+          <dgm:ruleLst/>
+        </dgm:layoutNode>
+        <dgm:layoutNode name="spaceRect">
+          <dgm:alg type="sp"/>
+          <dgm:shape xmlns:r="http://schemas.openxmlformats.org/officeDocument/2006/relationships" r:blip="">
+            <dgm:adjLst/>
+          </dgm:shape>
+          <dgm:presOf/>
+          <dgm:constrLst/>
+          <dgm:ruleLst/>
+        </dgm:layoutNode>
+        <dgm:layoutNode name="parTx" styleLbl="revTx">
+          <dgm:varLst>
+            <dgm:chMax val="0"/>
+            <dgm:chPref val="0"/>
+          </dgm:varLst>
+          <dgm:alg type="tx">
+            <dgm:param type="txAnchorVert" val="mid"/>
+            <dgm:param type="parTxLTRAlign" val="l"/>
+            <dgm:param type="shpTxLTRAlignCh" val="l"/>
+            <dgm:param type="parTxRTLAlign" val="r"/>
+            <dgm:param type="shpTxRTLAlignCh" val="r"/>
+          </dgm:alg>
+          <dgm:shape xmlns:r="http://schemas.openxmlformats.org/officeDocument/2006/relationships" type="rect" r:blip="">
+            <dgm:adjLst/>
+          </dgm:shape>
+          <dgm:presOf axis="self" ptType="node"/>
+          <dgm:constrLst>
+            <dgm:constr type="lMarg" refType="h" fact="0.3"/>
+            <dgm:constr type="rMarg" refType="h" fact="0.3"/>
+            <dgm:constr type="tMarg" refType="h" fact="0.3"/>
+            <dgm:constr type="bMarg" refType="h" fact="0.3"/>
+          </dgm:constrLst>
+          <dgm:ruleLst>
+            <dgm:rule type="primFontSz" val="14" fact="NaN" max="NaN"/>
+            <dgm:rule type="h" val="INF" fact="NaN" max="NaN"/>
+          </dgm:ruleLst>
+        </dgm:layoutNode>
+        <dgm:choose name="Name12">
+          <dgm:if name="Name13" axis="ch" ptType="node" func="cnt" op="gte" val="1">
+            <dgm:layoutNode name="desTx" styleLbl="revTx">
+              <dgm:varLst/>
+              <dgm:alg type="tx">
+                <dgm:param type="txAnchorVertCh" val="mid"/>
+                <dgm:param type="parTxLTRAlign" val="l"/>
+                <dgm:param type="shpTxLTRAlignCh" val="l"/>
+                <dgm:param type="parTxRTLAlign" val="r"/>
+                <dgm:param type="shpTxRTLAlignCh" val="r"/>
+                <dgm:param type="stBulletLvl" val="0"/>
+              </dgm:alg>
+              <dgm:shape xmlns:r="http://schemas.openxmlformats.org/officeDocument/2006/relationships" type="rect" r:blip="">
+                <dgm:adjLst/>
+              </dgm:shape>
+              <dgm:presOf axis="des" ptType="node"/>
+              <dgm:constrLst>
+                <dgm:constr type="primFontSz" val="18"/>
+                <dgm:constr type="secFontSz" refType="primFontSz"/>
+                <dgm:constr type="lMarg" refType="h" fact="0.3"/>
+                <dgm:constr type="rMarg" refType="h" fact="0.3"/>
+                <dgm:constr type="tMarg" refType="h" fact="0.3"/>
+                <dgm:constr type="bMarg" refType="h" fact="0.3"/>
+              </dgm:constrLst>
+              <dgm:ruleLst>
+                <dgm:rule type="primFontSz" val="11" fact="NaN" max="NaN"/>
+              </dgm:ruleLst>
+            </dgm:layoutNode>
+          </dgm:if>
+          <dgm:else name="Name14"/>
+        </dgm:choose>
+      </dgm:layoutNode>
+      <dgm:forEach name="Name15" axis="followSib" ptType="sibTrans" cnt="1">
+        <dgm:layoutNode name="sibTrans">
+          <dgm:alg type="sp"/>
+          <dgm:shape xmlns:r="http://schemas.openxmlformats.org/officeDocument/2006/relationships" r:blip="">
+            <dgm:adjLst/>
+          </dgm:shape>
+          <dgm:presOf axis="self"/>
+          <dgm:constrLst/>
+          <dgm:ruleLst/>
+        </dgm:layoutNode>
+      </dgm:forEach>
+    </dgm:forEach>
+  </dgm:layoutNode>
+  <dgm:extLst>
+    <a:ext uri="{68A01E43-0DF5-4B5B-8FA6-DAF915123BFB}">
+      <dgm1612:lstStyle xmlns:dgm1612="http://schemas.microsoft.com/office/drawing/2016/12/diagram">
+        <a:lvl1pPr>
+          <a:lnSpc>
+            <a:spcPct val="100000"/>
+          </a:lnSpc>
+        </a:lvl1pPr>
+        <a:lvl2pPr>
+          <a:lnSpc>
+            <a:spcPct val="100000"/>
+          </a:lnSpc>
+        </a:lvl2pPr>
+      </dgm1612:lstStyle>
+    </a:ext>
+  </dgm:extLst>
+</dgm:layoutDef>
+</file>
+
+<file path=ppt/diagrams/quickStyle1.xml><?xml version="1.0" encoding="utf-8"?>
+<dgm:styleDef xmlns:dgm="http://schemas.openxmlformats.org/drawingml/2006/diagram" xmlns:a="http://schemas.openxmlformats.org/drawingml/2006/main" uniqueId="urn:microsoft.com/office/officeart/2005/8/quickstyle/simple1">
+  <dgm:title val=""/>
+  <dgm:desc val=""/>
+  <dgm:catLst>
+    <dgm:cat type="simple" pri="10100"/>
+  </dgm:catLst>
+  <dgm:scene3d>
+    <a:camera prst="orthographicFront"/>
+    <a:lightRig rig="threePt" dir="t"/>
+  </dgm:scene3d>
+  <dgm:styleLbl name="node0">
+    <dgm:scene3d>
+      <a:camera prst="orthographicFront"/>
+      <a:lightRig rig="threePt" dir="t"/>
+    </dgm:scene3d>
+    <dgm:sp3d/>
+    <dgm:txPr/>
+    <dgm:style>
+      <a:lnRef idx="2">
+        <a:scrgbClr r="0" g="0" b="0"/>
+      </a:lnRef>
+      <a:fillRef idx="1">
+        <a:scrgbClr r="0" g="0" b="0"/>
+      </a:fillRef>
+      <a:effectRef idx="0">
+        <a:scrgbClr r="0" g="0" b="0"/>
+      </a:effectRef>
+      <a:fontRef idx="minor">
+        <a:schemeClr val="lt1"/>
+      </a:fontRef>
+    </dgm:style>
+  </dgm:styleLbl>
+  <dgm:styleLbl name="lnNode1">
+    <dgm:scene3d>
+      <a:camera prst="orthographicFront"/>
+      <a:lightRig rig="threePt" dir="t"/>
+    </dgm:scene3d>
+    <dgm:sp3d/>
+    <dgm:txPr/>
+    <dgm:style>
+      <a:lnRef idx="2">
+        <a:scrgbClr r="0" g="0" b="0"/>
+      </a:lnRef>
+      <a:fillRef idx="1">
+        <a:scrgbClr r="0" g="0" b="0"/>
+      </a:fillRef>
+      <a:effectRef idx="0">
+        <a:scrgbClr r="0" g="0" b="0"/>
+      </a:effectRef>
+      <a:fontRef idx="minor">
+        <a:schemeClr val="lt1"/>
+      </a:fontRef>
+    </dgm:style>
+  </dgm:styleLbl>
+  <dgm:styleLbl name="vennNode1">
+    <dgm:scene3d>
+      <a:camera prst="orthographicFront"/>
+      <a:lightRig rig="threePt" dir="t"/>
+    </dgm:scene3d>
+    <dgm:sp3d/>
+    <dgm:txPr/>
+    <dgm:style>
+      <a:lnRef idx="2">
+        <a:scrgbClr r="0" g="0" b="0"/>
+      </a:lnRef>
+      <a:fillRef idx="1">
+        <a:scrgbClr r="0" g="0" b="0"/>
+      </a:fillRef>
+      <a:effectRef idx="0">
+        <a:scrgbClr r="0" g="0" b="0"/>
+      </a:effectRef>
+      <a:fontRef idx="minor">
+        <a:schemeClr val="tx1"/>
+      </a:fontRef>
+    </dgm:style>
+  </dgm:styleLbl>
+  <dgm:styleLbl name="alignNode1">
+    <dgm:scene3d>
+      <a:camera prst="orthographicFront"/>
+      <a:lightRig rig="threePt" dir="t"/>
+    </dgm:scene3d>
+    <dgm:sp3d/>
+    <dgm:txPr/>
+    <dgm:style>
+      <a:lnRef idx="2">
+        <a:scrgbClr r="0" g="0" b="0"/>
+      </a:lnRef>
+      <a:fillRef idx="1">
+        <a:scrgbClr r="0" g="0" b="0"/>
+      </a:fillRef>
+      <a:effectRef idx="0">
+        <a:scrgbClr r="0" g="0" b="0"/>
+      </a:effectRef>
+      <a:fontRef idx="minor">
+        <a:schemeClr val="lt1"/>
+      </a:fontRef>
+    </dgm:style>
+  </dgm:styleLbl>
+  <dgm:styleLbl name="node1">
+    <dgm:scene3d>
+      <a:camera prst="orthographicFront"/>
+      <a:lightRig rig="threePt" dir="t"/>
+    </dgm:scene3d>
+    <dgm:sp3d/>
+    <dgm:txPr/>
+    <dgm:style>
+      <a:lnRef idx="2">
+        <a:scrgbClr r="0" g="0" b="0"/>
+      </a:lnRef>
+      <a:fillRef idx="1">
+        <a:scrgbClr r="0" g="0" b="0"/>
+      </a:fillRef>
+      <a:effectRef idx="0">
+        <a:scrgbClr r="0" g="0" b="0"/>
+      </a:effectRef>
+      <a:fontRef idx="minor">
+        <a:schemeClr val="lt1"/>
+      </a:fontRef>
+    </dgm:style>
+  </dgm:styleLbl>
+  <dgm:styleLbl name="node2">
+    <dgm:scene3d>
+      <a:camera prst="orthographicFront"/>
+      <a:lightRig rig="threePt" dir="t"/>
+    </dgm:scene3d>
+    <dgm:sp3d/>
+    <dgm:txPr/>
+    <dgm:style>
+      <a:lnRef idx="2">
+        <a:scrgbClr r="0" g="0" b="0"/>
+      </a:lnRef>
+      <a:fillRef idx="1">
+        <a:scrgbClr r="0" g="0" b="0"/>
+      </a:fillRef>
+      <a:effectRef idx="0">
+        <a:scrgbClr r="0" g="0" b="0"/>
+      </a:effectRef>
+      <a:fontRef idx="minor">
+        <a:schemeClr val="lt1"/>
+      </a:fontRef>
+    </dgm:style>
+  </dgm:styleLbl>
+  <dgm:styleLbl name="node3">
+    <dgm:scene3d>
+      <a:camera prst="orthographicFront"/>
+      <a:lightRig rig="threePt" dir="t"/>
+    </dgm:scene3d>
+    <dgm:sp3d/>
+    <dgm:txPr/>
+    <dgm:style>
+      <a:lnRef idx="2">
+        <a:scrgbClr r="0" g="0" b="0"/>
+      </a:lnRef>
+      <a:fillRef idx="1">
+        <a:scrgbClr r="0" g="0" b="0"/>
+      </a:fillRef>
+      <a:effectRef idx="0">
+        <a:scrgbClr r="0" g="0" b="0"/>
+      </a:effectRef>
+      <a:fontRef idx="minor">
+        <a:schemeClr val="lt1"/>
+      </a:fontRef>
+    </dgm:style>
+  </dgm:styleLbl>
+  <dgm:styleLbl name="node4">
+    <dgm:scene3d>
+      <a:camera prst="orthographicFront"/>
+      <a:lightRig rig="threePt" dir="t"/>
+    </dgm:scene3d>
+    <dgm:sp3d/>
+    <dgm:txPr/>
+    <dgm:style>
+      <a:lnRef idx="2">
+        <a:scrgbClr r="0" g="0" b="0"/>
+      </a:lnRef>
+      <a:fillRef idx="1">
+        <a:scrgbClr r="0" g="0" b="0"/>
+      </a:fillRef>
+      <a:effectRef idx="0">
+        <a:scrgbClr r="0" g="0" b="0"/>
+      </a:effectRef>
+      <a:fontRef idx="minor">
+        <a:schemeClr val="lt1"/>
+      </a:fontRef>
+    </dgm:style>
+  </dgm:styleLbl>
+  <dgm:styleLbl name="fgImgPlace1">
+    <dgm:scene3d>
+      <a:camera prst="orthographicFront"/>
+      <a:lightRig rig="threePt" dir="t"/>
+    </dgm:scene3d>
+    <dgm:sp3d/>
+    <dgm:txPr/>
+    <dgm:style>
+      <a:lnRef idx="2">
+        <a:scrgbClr r="0" g="0" b="0"/>
+      </a:lnRef>
+      <a:fillRef idx="1">
+        <a:scrgbClr r="0" g="0" b="0"/>
+      </a:fillRef>
+      <a:effectRef idx="0">
+        <a:scrgbClr r="0" g="0" b="0"/>
+      </a:effectRef>
+      <a:fontRef idx="minor"/>
+    </dgm:style>
+  </dgm:styleLbl>
+  <dgm:styleLbl name="alignImgPlace1">
+    <dgm:scene3d>
+      <a:camera prst="orthographicFront"/>
+      <a:lightRig rig="threePt" dir="t"/>
+    </dgm:scene3d>
+    <dgm:sp3d/>
+    <dgm:txPr/>
+    <dgm:style>
+      <a:lnRef idx="2">
+        <a:scrgbClr r="0" g="0" b="0"/>
+      </a:lnRef>
+      <a:fillRef idx="1">
+        <a:scrgbClr r="0" g="0" b="0"/>
+      </a:fillRef>
+      <a:effectRef idx="0">
+        <a:scrgbClr r="0" g="0" b="0"/>
+      </a:effectRef>
+      <a:fontRef idx="minor"/>
+    </dgm:style>
+  </dgm:styleLbl>
+  <dgm:styleLbl name="bgImgPlace1">
+    <dgm:scene3d>
+      <a:camera prst="orthographicFront"/>
+      <a:lightRig rig="threePt" dir="t"/>
+    </dgm:scene3d>
+    <dgm:sp3d/>
+    <dgm:txPr/>
+    <dgm:style>
+      <a:lnRef idx="2">
+        <a:scrgbClr r="0" g="0" b="0"/>
+      </a:lnRef>
+      <a:fillRef idx="1">
+        <a:scrgbClr r="0" g="0" b="0"/>
+      </a:fillRef>
+      <a:effectRef idx="0">
+        <a:scrgbClr r="0" g="0" b="0"/>
+      </a:effectRef>
+      <a:fontRef idx="minor"/>
+    </dgm:style>
+  </dgm:styleLbl>
+  <dgm:styleLbl name="sibTrans2D1">
+    <dgm:scene3d>
+      <a:camera prst="orthographicFront"/>
+      <a:lightRig rig="threePt" dir="t"/>
+    </dgm:scene3d>
+    <dgm:sp3d/>
+    <dgm:txPr/>
+    <dgm:style>
+      <a:lnRef idx="0">
+        <a:scrgbClr r="0" g="0" b="0"/>
+      </a:lnRef>
+      <a:fillRef idx="1">
+        <a:scrgbClr r="0" g="0" b="0"/>
+      </a:fillRef>
+      <a:effectRef idx="0">
+        <a:scrgbClr r="0" g="0" b="0"/>
+      </a:effectRef>
+      <a:fontRef idx="minor">
+        <a:schemeClr val="lt1"/>
+      </a:fontRef>
+    </dgm:style>
+  </dgm:styleLbl>
+  <dgm:styleLbl name="fgSibTrans2D1">
+    <dgm:scene3d>
+      <a:camera prst="orthographicFront"/>
+      <a:lightRig rig="threePt" dir="t"/>
+    </dgm:scene3d>
+    <dgm:sp3d/>
+    <dgm:txPr/>
+    <dgm:style>
+      <a:lnRef idx="0">
+        <a:scrgbClr r="0" g="0" b="0"/>
+      </a:lnRef>
+      <a:fillRef idx="1">
+        <a:scrgbClr r="0" g="0" b="0"/>
+      </a:fillRef>
+      <a:effectRef idx="0">
+        <a:scrgbClr r="0" g="0" b="0"/>
+      </a:effectRef>
+      <a:fontRef idx="minor">
+        <a:schemeClr val="lt1"/>
+      </a:fontRef>
+    </dgm:style>
+  </dgm:styleLbl>
+  <dgm:styleLbl name="bgSibTrans2D1">
+    <dgm:scene3d>
+      <a:camera prst="orthographicFront"/>
+      <a:lightRig rig="threePt" dir="t"/>
+    </dgm:scene3d>
+    <dgm:sp3d/>
+    <dgm:txPr/>
+    <dgm:style>
+      <a:lnRef idx="0">
+        <a:scrgbClr r="0" g="0" b="0"/>
+      </a:lnRef>
+      <a:fillRef idx="1">
+        <a:scrgbClr r="0" g="0" b="0"/>
+      </a:fillRef>
+      <a:effectRef idx="0">
+        <a:scrgbClr r="0" g="0" b="0"/>
+      </a:effectRef>
+      <a:fontRef idx="minor">
+        <a:schemeClr val="lt1"/>
+      </a:fontRef>
+    </dgm:style>
+  </dgm:styleLbl>
+  <dgm:styleLbl name="sibTrans1D1">
+    <dgm:scene3d>
+      <a:camera prst="orthographicFront"/>
+      <a:lightRig rig="threePt" dir="t"/>
+    </dgm:scene3d>
+    <dgm:sp3d/>
+    <dgm:txPr/>
+    <dgm:style>
+      <a:lnRef idx="1">
+        <a:scrgbClr r="0" g="0" b="0"/>
+      </a:lnRef>
+      <a:fillRef idx="0">
+        <a:scrgbClr r="0" g="0" b="0"/>
+      </a:fillRef>
+      <a:effectRef idx="0">
+        <a:scrgbClr r="0" g="0" b="0"/>
+      </a:effectRef>
+      <a:fontRef idx="minor"/>
+    </dgm:style>
+  </dgm:styleLbl>
+  <dgm:styleLbl name="callout">
+    <dgm:scene3d>
+      <a:camera prst="orthographicFront"/>
+      <a:lightRig rig="threePt" dir="t"/>
+    </dgm:scene3d>
+    <dgm:sp3d/>
+    <dgm:txPr/>
+    <dgm:style>
+      <a:lnRef idx="2">
+        <a:scrgbClr r="0" g="0" b="0"/>
+      </a:lnRef>
+      <a:fillRef idx="1">
+        <a:scrgbClr r="0" g="0" b="0"/>
+      </a:fillRef>
+      <a:effectRef idx="0">
+        <a:scrgbClr r="0" g="0" b="0"/>
+      </a:effectRef>
+      <a:fontRef idx="minor"/>
+    </dgm:style>
+  </dgm:styleLbl>
+  <dgm:styleLbl name="asst0">
+    <dgm:scene3d>
+      <a:camera prst="orthographicFront"/>
+      <a:lightRig rig="threePt" dir="t"/>
+    </dgm:scene3d>
+    <dgm:sp3d/>
+    <dgm:txPr/>
+    <dgm:style>
+      <a:lnRef idx="2">
+        <a:scrgbClr r="0" g="0" b="0"/>
+      </a:lnRef>
+      <a:fillRef idx="1">
+        <a:scrgbClr r="0" g="0" b="0"/>
+      </a:fillRef>
+      <a:effectRef idx="0">
+        <a:scrgbClr r="0" g="0" b="0"/>
+      </a:effectRef>
+      <a:fontRef idx="minor">
+        <a:schemeClr val="lt1"/>
+      </a:fontRef>
+    </dgm:style>
+  </dgm:styleLbl>
+  <dgm:styleLbl name="asst1">
+    <dgm:scene3d>
+      <a:camera prst="orthographicFront"/>
+      <a:lightRig rig="threePt" dir="t"/>
+    </dgm:scene3d>
+    <dgm:sp3d/>
+    <dgm:txPr/>
+    <dgm:style>
+      <a:lnRef idx="2">
+        <a:scrgbClr r="0" g="0" b="0"/>
+      </a:lnRef>
+      <a:fillRef idx="1">
+        <a:scrgbClr r="0" g="0" b="0"/>
+      </a:fillRef>
+      <a:effectRef idx="0">
+        <a:scrgbClr r="0" g="0" b="0"/>
+      </a:effectRef>
+      <a:fontRef idx="minor">
+        <a:schemeClr val="lt1"/>
+      </a:fontRef>
+    </dgm:style>
+  </dgm:styleLbl>
+  <dgm:styleLbl name="asst2">
+    <dgm:scene3d>
+      <a:camera prst="orthographicFront"/>
+      <a:lightRig rig="threePt" dir="t"/>
+    </dgm:scene3d>
+    <dgm:sp3d/>
+    <dgm:txPr/>
+    <dgm:style>
+      <a:lnRef idx="2">
+        <a:scrgbClr r="0" g="0" b="0"/>
+      </a:lnRef>
+      <a:fillRef idx="1">
+        <a:scrgbClr r="0" g="0" b="0"/>
+      </a:fillRef>
+      <a:effectRef idx="0">
+        <a:scrgbClr r="0" g="0" b="0"/>
+      </a:effectRef>
+      <a:fontRef idx="minor">
+        <a:schemeClr val="lt1"/>
+      </a:fontRef>
+    </dgm:style>
+  </dgm:styleLbl>
+  <dgm:styleLbl name="asst3">
+    <dgm:scene3d>
+      <a:camera prst="orthographicFront"/>
+      <a:lightRig rig="threePt" dir="t"/>
+    </dgm:scene3d>
+    <dgm:sp3d/>
+    <dgm:txPr/>
+    <dgm:style>
+      <a:lnRef idx="2">
+        <a:scrgbClr r="0" g="0" b="0"/>
+      </a:lnRef>
+      <a:fillRef idx="1">
+        <a:scrgbClr r="0" g="0" b="0"/>
+      </a:fillRef>
+      <a:effectRef idx="0">
+        <a:scrgbClr r="0" g="0" b="0"/>
+      </a:effectRef>
+      <a:fontRef idx="minor">
+        <a:schemeClr val="lt1"/>
+      </a:fontRef>
+    </dgm:style>
+  </dgm:styleLbl>
+  <dgm:styleLbl name="asst4">
+    <dgm:scene3d>
+      <a:camera prst="orthographicFront"/>
+      <a:lightRig rig="threePt" dir="t"/>
+    </dgm:scene3d>
+    <dgm:sp3d/>
+    <dgm:txPr/>
+    <dgm:style>
+      <a:lnRef idx="2">
+        <a:scrgbClr r="0" g="0" b="0"/>
+      </a:lnRef>
+      <a:fillRef idx="1">
+        <a:scrgbClr r="0" g="0" b="0"/>
+      </a:fillRef>
+      <a:effectRef idx="0">
+        <a:scrgbClr r="0" g="0" b="0"/>
+      </a:effectRef>
+      <a:fontRef idx="minor">
+        <a:schemeClr val="lt1"/>
+      </a:fontRef>
+    </dgm:style>
+  </dgm:styleLbl>
+  <dgm:styleLbl name="parChTrans2D1">
+    <dgm:scene3d>
+      <a:camera prst="orthographicFront"/>
+      <a:lightRig rig="threePt" dir="t"/>
+    </dgm:scene3d>
+    <dgm:sp3d/>
+    <dgm:txPr/>
+    <dgm:style>
+      <a:lnRef idx="2">
+        <a:scrgbClr r="0" g="0" b="0"/>
+      </a:lnRef>
+      <a:fillRef idx="1">
+        <a:scrgbClr r="0" g="0" b="0"/>
+      </a:fillRef>
+      <a:effectRef idx="0">
+        <a:scrgbClr r="0" g="0" b="0"/>
+      </a:effectRef>
+      <a:fontRef idx="minor">
+        <a:schemeClr val="lt1"/>
+      </a:fontRef>
+    </dgm:style>
+  </dgm:styleLbl>
+  <dgm:styleLbl name="parChTrans2D2">
+    <dgm:scene3d>
+      <a:camera prst="orthographicFront"/>
+      <a:lightRig rig="threePt" dir="t"/>
+    </dgm:scene3d>
+    <dgm:sp3d/>
+    <dgm:txPr/>
+    <dgm:style>
+      <a:lnRef idx="2">
+        <a:scrgbClr r="0" g="0" b="0"/>
+      </a:lnRef>
+      <a:fillRef idx="1">
+        <a:scrgbClr r="0" g="0" b="0"/>
+      </a:fillRef>
+      <a:effectRef idx="0">
+        <a:scrgbClr r="0" g="0" b="0"/>
+      </a:effectRef>
+      <a:fontRef idx="minor">
+        <a:schemeClr val="lt1"/>
+      </a:fontRef>
+    </dgm:style>
+  </dgm:styleLbl>
+  <dgm:styleLbl name="parChTrans2D3">
+    <dgm:scene3d>
+      <a:camera prst="orthographicFront"/>
+      <a:lightRig rig="threePt" dir="t"/>
+    </dgm:scene3d>
+    <dgm:sp3d/>
+    <dgm:txPr/>
+    <dgm:style>
+      <a:lnRef idx="2">
+        <a:scrgbClr r="0" g="0" b="0"/>
+      </a:lnRef>
+      <a:fillRef idx="1">
+        <a:scrgbClr r="0" g="0" b="0"/>
+      </a:fillRef>
+      <a:effectRef idx="0">
+        <a:scrgbClr r="0" g="0" b="0"/>
+      </a:effectRef>
+      <a:fontRef idx="minor">
+        <a:schemeClr val="lt1"/>
+      </a:fontRef>
+    </dgm:style>
+  </dgm:styleLbl>
+  <dgm:styleLbl name="parChTrans2D4">
+    <dgm:scene3d>
+      <a:camera prst="orthographicFront"/>
+      <a:lightRig rig="threePt" dir="t"/>
+    </dgm:scene3d>
+    <dgm:sp3d/>
+    <dgm:txPr/>
+    <dgm:style>
+      <a:lnRef idx="2">
+        <a:scrgbClr r="0" g="0" b="0"/>
+      </a:lnRef>
+      <a:fillRef idx="1">
+        <a:scrgbClr r="0" g="0" b="0"/>
+      </a:fillRef>
+      <a:effectRef idx="0">
+        <a:scrgbClr r="0" g="0" b="0"/>
+      </a:effectRef>
+      <a:fontRef idx="minor">
+        <a:schemeClr val="lt1"/>
+      </a:fontRef>
+    </dgm:style>
+  </dgm:styleLbl>
+  <dgm:styleLbl name="parChTrans1D1">
+    <dgm:scene3d>
+      <a:camera prst="orthographicFront"/>
+      <a:lightRig rig="threePt" dir="t"/>
+    </dgm:scene3d>
+    <dgm:sp3d/>
+    <dgm:txPr/>
+    <dgm:style>
+      <a:lnRef idx="2">
+        <a:scrgbClr r="0" g="0" b="0"/>
+      </a:lnRef>
+      <a:fillRef idx="0">
+        <a:scrgbClr r="0" g="0" b="0"/>
+      </a:fillRef>
+      <a:effectRef idx="0">
+        <a:scrgbClr r="0" g="0" b="0"/>
+      </a:effectRef>
+      <a:fontRef idx="minor"/>
+    </dgm:style>
+  </dgm:styleLbl>
+  <dgm:styleLbl name="parChTrans1D2">
+    <dgm:scene3d>
+      <a:camera prst="orthographicFront"/>
+      <a:lightRig rig="threePt" dir="t"/>
+    </dgm:scene3d>
+    <dgm:sp3d/>
+    <dgm:txPr/>
+    <dgm:style>
+      <a:lnRef idx="2">
+        <a:scrgbClr r="0" g="0" b="0"/>
+      </a:lnRef>
+      <a:fillRef idx="0">
+        <a:scrgbClr r="0" g="0" b="0"/>
+      </a:fillRef>
+      <a:effectRef idx="0">
+        <a:scrgbClr r="0" g="0" b="0"/>
+      </a:effectRef>
+      <a:fontRef idx="minor"/>
+    </dgm:style>
+  </dgm:styleLbl>
+  <dgm:styleLbl name="parChTrans1D3">
+    <dgm:scene3d>
+      <a:camera prst="orthographicFront"/>
+      <a:lightRig rig="threePt" dir="t"/>
+    </dgm:scene3d>
+    <dgm:sp3d/>
+    <dgm:txPr/>
+    <dgm:style>
+      <a:lnRef idx="2">
+        <a:scrgbClr r="0" g="0" b="0"/>
+      </a:lnRef>
+      <a:fillRef idx="0">
+        <a:scrgbClr r="0" g="0" b="0"/>
+      </a:fillRef>
+      <a:effectRef idx="0">
+        <a:scrgbClr r="0" g="0" b="0"/>
+      </a:effectRef>
+      <a:fontRef idx="minor"/>
+    </dgm:style>
+  </dgm:styleLbl>
+  <dgm:styleLbl name="parChTrans1D4">
+    <dgm:scene3d>
+      <a:camera prst="orthographicFront"/>
+      <a:lightRig rig="threePt" dir="t"/>
+    </dgm:scene3d>
+    <dgm:sp3d/>
+    <dgm:txPr/>
+    <dgm:style>
+      <a:lnRef idx="2">
+        <a:scrgbClr r="0" g="0" b="0"/>
+      </a:lnRef>
+      <a:fillRef idx="0">
+        <a:scrgbClr r="0" g="0" b="0"/>
+      </a:fillRef>
+      <a:effectRef idx="0">
+        <a:scrgbClr r="0" g="0" b="0"/>
+      </a:effectRef>
+      <a:fontRef idx="minor"/>
+    </dgm:style>
+  </dgm:styleLbl>
+  <dgm:styleLbl name="fgAcc1">
+    <dgm:scene3d>
+      <a:camera prst="orthographicFront"/>
+      <a:lightRig rig="threePt" dir="t"/>
+    </dgm:scene3d>
+    <dgm:sp3d/>
+    <dgm:txPr/>
+    <dgm:style>
+      <a:lnRef idx="2">
+        <a:scrgbClr r="0" g="0" b="0"/>
+      </a:lnRef>
+      <a:fillRef idx="1">
+        <a:scrgbClr r="0" g="0" b="0"/>
+      </a:fillRef>
+      <a:effectRef idx="0">
+        <a:scrgbClr r="0" g="0" b="0"/>
+      </a:effectRef>
+      <a:fontRef idx="minor"/>
+    </dgm:style>
+  </dgm:styleLbl>
+  <dgm:styleLbl name="conFgAcc1">
+    <dgm:scene3d>
+      <a:camera prst="orthographicFront"/>
+      <a:lightRig rig="threePt" dir="t"/>
+    </dgm:scene3d>
+    <dgm:sp3d/>
+    <dgm:txPr/>
+    <dgm:style>
+      <a:lnRef idx="2">
+        <a:scrgbClr r="0" g="0" b="0"/>
+      </a:lnRef>
+      <a:fillRef idx="1">
+        <a:scrgbClr r="0" g="0" b="0"/>
+      </a:fillRef>
+      <a:effectRef idx="0">
+        <a:scrgbClr r="0" g="0" b="0"/>
+      </a:effectRef>
+      <a:fontRef idx="minor"/>
+    </dgm:style>
+  </dgm:styleLbl>
+  <dgm:styleLbl name="alignAcc1">
+    <dgm:scene3d>
+      <a:camera prst="orthographicFront"/>
+      <a:lightRig rig="threePt" dir="t"/>
+    </dgm:scene3d>
+    <dgm:sp3d/>
+    <dgm:txPr/>
+    <dgm:style>
+      <a:lnRef idx="2">
+        <a:scrgbClr r="0" g="0" b="0"/>
+      </a:lnRef>
+      <a:fillRef idx="1">
+        <a:scrgbClr r="0" g="0" b="0"/>
+      </a:fillRef>
+      <a:effectRef idx="0">
+        <a:scrgbClr r="0" g="0" b="0"/>
+      </a:effectRef>
+      <a:fontRef idx="minor"/>
+    </dgm:style>
+  </dgm:styleLbl>
+  <dgm:styleLbl name="trAlignAcc1">
+    <dgm:scene3d>
+      <a:camera prst="orthographicFront"/>
+      <a:lightRig rig="threePt" dir="t"/>
+    </dgm:scene3d>
+    <dgm:sp3d/>
+    <dgm:txPr/>
+    <dgm:style>
+      <a:lnRef idx="1">
+        <a:scrgbClr r="0" g="0" b="0"/>
+      </a:lnRef>
+      <a:fillRef idx="1">
+        <a:scrgbClr r="0" g="0" b="0"/>
+      </a:fillRef>
+      <a:effectRef idx="0">
+        <a:scrgbClr r="0" g="0" b="0"/>
+      </a:effectRef>
+      <a:fontRef idx="minor"/>
+    </dgm:style>
+  </dgm:styleLbl>
+  <dgm:styleLbl name="bgAcc1">
+    <dgm:scene3d>
+      <a:camera prst="orthographicFront"/>
+      <a:lightRig rig="threePt" dir="t"/>
+    </dgm:scene3d>
+    <dgm:sp3d/>
+    <dgm:txPr/>
+    <dgm:style>
+      <a:lnRef idx="2">
+        <a:scrgbClr r="0" g="0" b="0"/>
+      </a:lnRef>
+      <a:fillRef idx="1">
+        <a:scrgbClr r="0" g="0" b="0"/>
+      </a:fillRef>
+      <a:effectRef idx="0">
+        <a:scrgbClr r="0" g="0" b="0"/>
+      </a:effectRef>
+      <a:fontRef idx="minor"/>
+    </dgm:style>
+  </dgm:styleLbl>
+  <dgm:styleLbl name="solidFgAcc1">
+    <dgm:scene3d>
+      <a:camera prst="orthographicFront"/>
+      <a:lightRig rig="threePt" dir="t"/>
+    </dgm:scene3d>
+    <dgm:sp3d/>
+    <dgm:txPr/>
+    <dgm:style>
+      <a:lnRef idx="2">
+        <a:scrgbClr r="0" g="0" b="0"/>
+      </a:lnRef>
+      <a:fillRef idx="1">
+        <a:scrgbClr r="0" g="0" b="0"/>
+      </a:fillRef>
+      <a:effectRef idx="0">
+        <a:scrgbClr r="0" g="0" b="0"/>
+      </a:effectRef>
+      <a:fontRef idx="minor"/>
+    </dgm:style>
+  </dgm:styleLbl>
+  <dgm:styleLbl name="solidAlignAcc1">
+    <dgm:scene3d>
+      <a:camera prst="orthographicFront"/>
+      <a:lightRig rig="threePt" dir="t"/>
+    </dgm:scene3d>
+    <dgm:sp3d/>
+    <dgm:txPr/>
+    <dgm:style>
+      <a:lnRef idx="2">
+        <a:scrgbClr r="0" g="0" b="0"/>
+      </a:lnRef>
+      <a:fillRef idx="1">
+        <a:scrgbClr r="0" g="0" b="0"/>
+      </a:fillRef>
+      <a:effectRef idx="0">
+        <a:scrgbClr r="0" g="0" b="0"/>
+      </a:effectRef>
+      <a:fontRef idx="minor"/>
+    </dgm:style>
+  </dgm:styleLbl>
+  <dgm:styleLbl name="solidBgAcc1">
+    <dgm:scene3d>
+      <a:camera prst="orthographicFront"/>
+      <a:lightRig rig="threePt" dir="t"/>
+    </dgm:scene3d>
+    <dgm:sp3d/>
+    <dgm:txPr/>
+    <dgm:style>
+      <a:lnRef idx="2">
+        <a:scrgbClr r="0" g="0" b="0"/>
+      </a:lnRef>
+      <a:fillRef idx="1">
+        <a:scrgbClr r="0" g="0" b="0"/>
+      </a:fillRef>
+      <a:effectRef idx="0">
+        <a:scrgbClr r="0" g="0" b="0"/>
+      </a:effectRef>
+      <a:fontRef idx="minor"/>
+    </dgm:style>
+  </dgm:styleLbl>
+  <dgm:styleLbl name="fgAccFollowNode1">
+    <dgm:scene3d>
+      <a:camera prst="orthographicFront"/>
+      <a:lightRig rig="threePt" dir="t"/>
+    </dgm:scene3d>
+    <dgm:sp3d/>
+    <dgm:txPr/>
+    <dgm:style>
+      <a:lnRef idx="2">
+        <a:scrgbClr r="0" g="0" b="0"/>
+      </a:lnRef>
+      <a:fillRef idx="1">
+        <a:scrgbClr r="0" g="0" b="0"/>
+      </a:fillRef>
+      <a:effectRef idx="0">
+        <a:scrgbClr r="0" g="0" b="0"/>
+      </a:effectRef>
+      <a:fontRef idx="minor"/>
+    </dgm:style>
+  </dgm:styleLbl>
+  <dgm:styleLbl name="alignAccFollowNode1">
+    <dgm:scene3d>
+      <a:camera prst="orthographicFront"/>
+      <a:lightRig rig="threePt" dir="t"/>
+    </dgm:scene3d>
+    <dgm:sp3d/>
+    <dgm:txPr/>
+    <dgm:style>
+      <a:lnRef idx="2">
+        <a:scrgbClr r="0" g="0" b="0"/>
+      </a:lnRef>
+      <a:fillRef idx="1">
+        <a:scrgbClr r="0" g="0" b="0"/>
+      </a:fillRef>
+      <a:effectRef idx="0">
+        <a:scrgbClr r="0" g="0" b="0"/>
+      </a:effectRef>
+      <a:fontRef idx="minor"/>
+    </dgm:style>
+  </dgm:styleLbl>
+  <dgm:styleLbl name="bgAccFollowNode1">
+    <dgm:scene3d>
+      <a:camera prst="orthographicFront"/>
+      <a:lightRig rig="threePt" dir="t"/>
+    </dgm:scene3d>
+    <dgm:sp3d/>
+    <dgm:txPr/>
+    <dgm:style>
+      <a:lnRef idx="2">
+        <a:scrgbClr r="0" g="0" b="0"/>
+      </a:lnRef>
+      <a:fillRef idx="1">
+        <a:scrgbClr r="0" g="0" b="0"/>
+      </a:fillRef>
+      <a:effectRef idx="0">
+        <a:scrgbClr r="0" g="0" b="0"/>
+      </a:effectRef>
+      <a:fontRef idx="minor"/>
+    </dgm:style>
+  </dgm:styleLbl>
+  <dgm:styleLbl name="fgAcc0">
+    <dgm:scene3d>
+      <a:camera prst="orthographicFront"/>
+      <a:lightRig rig="threePt" dir="t"/>
+    </dgm:scene3d>
+    <dgm:sp3d/>
+    <dgm:txPr/>
+    <dgm:style>
+      <a:lnRef idx="2">
+        <a:scrgbClr r="0" g="0" b="0"/>
+      </a:lnRef>
+      <a:fillRef idx="1">
+        <a:scrgbClr r="0" g="0" b="0"/>
+      </a:fillRef>
+      <a:effectRef idx="0">
+        <a:scrgbClr r="0" g="0" b="0"/>
+      </a:effectRef>
+      <a:fontRef idx="minor"/>
+    </dgm:style>
+  </dgm:styleLbl>
+  <dgm:styleLbl name="fgAcc2">
+    <dgm:scene3d>
+      <a:camera prst="orthographicFront"/>
+      <a:lightRig rig="threePt" dir="t"/>
+    </dgm:scene3d>
+    <dgm:sp3d/>
+    <dgm:txPr/>
+    <dgm:style>
+      <a:lnRef idx="2">
+        <a:scrgbClr r="0" g="0" b="0"/>
+      </a:lnRef>
+      <a:fillRef idx="1">
+        <a:scrgbClr r="0" g="0" b="0"/>
+      </a:fillRef>
+      <a:effectRef idx="0">
+        <a:scrgbClr r="0" g="0" b="0"/>
+      </a:effectRef>
+      <a:fontRef idx="minor"/>
+    </dgm:style>
+  </dgm:styleLbl>
+  <dgm:styleLbl name="fgAcc3">
+    <dgm:scene3d>
+      <a:camera prst="orthographicFront"/>
+      <a:lightRig rig="threePt" dir="t"/>
+    </dgm:scene3d>
+    <dgm:sp3d/>
+    <dgm:txPr/>
+    <dgm:style>
+      <a:lnRef idx="2">
+        <a:scrgbClr r="0" g="0" b="0"/>
+      </a:lnRef>
+      <a:fillRef idx="1">
+        <a:scrgbClr r="0" g="0" b="0"/>
+      </a:fillRef>
+      <a:effectRef idx="0">
+        <a:scrgbClr r="0" g="0" b="0"/>
+      </a:effectRef>
+      <a:fontRef idx="minor"/>
+    </dgm:style>
+  </dgm:styleLbl>
+  <dgm:styleLbl name="fgAcc4">
+    <dgm:scene3d>
+      <a:camera prst="orthographicFront"/>
+      <a:lightRig rig="threePt" dir="t"/>
+    </dgm:scene3d>
+    <dgm:sp3d/>
+    <dgm:txPr/>
+    <dgm:style>
+      <a:lnRef idx="2">
+        <a:scrgbClr r="0" g="0" b="0"/>
+      </a:lnRef>
+      <a:fillRef idx="1">
+        <a:scrgbClr r="0" g="0" b="0"/>
+      </a:fillRef>
+      <a:effectRef idx="0">
+        <a:scrgbClr r="0" g="0" b="0"/>
+      </a:effectRef>
+      <a:fontRef idx="minor"/>
+    </dgm:style>
+  </dgm:styleLbl>
+  <dgm:styleLbl name="bgShp">
+    <dgm:scene3d>
+      <a:camera prst="orthographicFront"/>
+      <a:lightRig rig="threePt" dir="t"/>
+    </dgm:scene3d>
+    <dgm:sp3d/>
+    <dgm:txPr/>
+    <dgm:style>
+      <a:lnRef idx="0">
+        <a:scrgbClr r="0" g="0" b="0"/>
+      </a:lnRef>
+      <a:fillRef idx="1">
+        <a:scrgbClr r="0" g="0" b="0"/>
+      </a:fillRef>
+      <a:effectRef idx="0">
+        <a:scrgbClr r="0" g="0" b="0"/>
+      </a:effectRef>
+      <a:fontRef idx="minor"/>
+    </dgm:style>
+  </dgm:styleLbl>
+  <dgm:styleLbl name="dkBgShp">
+    <dgm:scene3d>
+      <a:camera prst="orthographicFront"/>
+      <a:lightRig rig="threePt" dir="t"/>
+    </dgm:scene3d>
+    <dgm:sp3d/>
+    <dgm:txPr/>
+    <dgm:style>
+      <a:lnRef idx="0">
+        <a:scrgbClr r="0" g="0" b="0"/>
+      </a:lnRef>
+      <a:fillRef idx="1">
+        <a:scrgbClr r="0" g="0" b="0"/>
+      </a:fillRef>
+      <a:effectRef idx="0">
+        <a:scrgbClr r="0" g="0" b="0"/>
+      </a:effectRef>
+      <a:fontRef idx="minor"/>
+    </dgm:style>
+  </dgm:styleLbl>
+  <dgm:styleLbl name="trBgShp">
+    <dgm:scene3d>
+      <a:camera prst="orthographicFront"/>
+      <a:lightRig rig="threePt" dir="t"/>
+    </dgm:scene3d>
+    <dgm:sp3d/>
+    <dgm:txPr/>
+    <dgm:style>
+      <a:lnRef idx="0">
+        <a:scrgbClr r="0" g="0" b="0"/>
+      </a:lnRef>
+      <a:fillRef idx="1">
+        <a:scrgbClr r="0" g="0" b="0"/>
+      </a:fillRef>
+      <a:effectRef idx="0">
+        <a:scrgbClr r="0" g="0" b="0"/>
+      </a:effectRef>
+      <a:fontRef idx="minor"/>
+    </dgm:style>
+  </dgm:styleLbl>
+  <dgm:styleLbl name="fgShp">
+    <dgm:scene3d>
+      <a:camera prst="orthographicFront"/>
+      <a:lightRig rig="threePt" dir="t"/>
+    </dgm:scene3d>
+    <dgm:sp3d/>
+    <dgm:txPr/>
+    <dgm:style>
+      <a:lnRef idx="2">
+        <a:scrgbClr r="0" g="0" b="0"/>
+      </a:lnRef>
+      <a:fillRef idx="1">
+        <a:scrgbClr r="0" g="0" b="0"/>
+      </a:fillRef>
+      <a:effectRef idx="0">
+        <a:scrgbClr r="0" g="0" b="0"/>
+      </a:effectRef>
+      <a:fontRef idx="minor"/>
+    </dgm:style>
+  </dgm:styleLbl>
+  <dgm:styleLbl name="revTx">
+    <dgm:scene3d>
+      <a:camera prst="orthographicFront"/>
+      <a:lightRig rig="threePt" dir="t"/>
+    </dgm:scene3d>
+    <dgm:sp3d/>
+    <dgm:txPr/>
+    <dgm:style>
+      <a:lnRef idx="0">
+        <a:scrgbClr r="0" g="0" b="0"/>
+      </a:lnRef>
+      <a:fillRef idx="0">
+        <a:scrgbClr r="0" g="0" b="0"/>
+      </a:fillRef>
+      <a:effectRef idx="0">
+        <a:scrgbClr r="0" g="0" b="0"/>
+      </a:effectRef>
+      <a:fontRef idx="minor"/>
+    </dgm:style>
+  </dgm:styleLbl>
+</dgm:styleDef>
 </file>
 
 <file path=ppt/slideLayouts/slideLayout1.xml><?xml version="1.0" encoding="utf-8"?>
@@ -13892,6 +16685,910 @@
           <a:chExt cx="0" cy="0"/>
         </a:xfrm>
       </p:grpSpPr>
+      <p:grpSp>
+        <p:nvGrpSpPr>
+          <p:cNvPr id="9" name="Group 8">
+            <a:extLst>
+              <a:ext uri="{FF2B5EF4-FFF2-40B4-BE49-F238E27FC236}">
+                <a16:creationId xmlns:a16="http://schemas.microsoft.com/office/drawing/2014/main" id="{08BCF048-8940-4354-B9EC-5AD74E283CE3}"/>
+              </a:ext>
+              <a:ext uri="{C183D7F6-B498-43B3-948B-1728B52AA6E4}">
+                <adec:decorative xmlns:adec="http://schemas.microsoft.com/office/drawing/2017/decorative" val="1"/>
+              </a:ext>
+            </a:extLst>
+          </p:cNvPr>
+          <p:cNvGrpSpPr>
+            <a:grpSpLocks noGrp="1" noUngrp="1" noRot="1" noChangeAspect="1" noMove="1" noResize="1"/>
+          </p:cNvGrpSpPr>
+          <p:nvPr>
+            <p:extLst>
+              <p:ext uri="{386F3935-93C4-4BCD-93E2-E3B085C9AB24}">
+                <p16:designElem xmlns:p16="http://schemas.microsoft.com/office/powerpoint/2015/main" val="1"/>
+              </p:ext>
+            </p:extLst>
+          </p:nvPr>
+        </p:nvGrpSpPr>
+        <p:grpSpPr>
+          <a:xfrm>
+            <a:off x="0" y="0"/>
+            <a:ext cx="12192000" cy="6858000"/>
+            <a:chOff x="0" y="0"/>
+            <a:chExt cx="12192000" cy="6858000"/>
+          </a:xfrm>
+        </p:grpSpPr>
+        <p:sp>
+          <p:nvSpPr>
+            <p:cNvPr id="10" name="Rectangle 9">
+              <a:extLst>
+                <a:ext uri="{FF2B5EF4-FFF2-40B4-BE49-F238E27FC236}">
+                  <a16:creationId xmlns:a16="http://schemas.microsoft.com/office/drawing/2014/main" id="{D024C14A-78BD-44B0-82BE-6A0D0A27063A}"/>
+                </a:ext>
+                <a:ext uri="{C183D7F6-B498-43B3-948B-1728B52AA6E4}">
+                  <adec:decorative xmlns:adec="http://schemas.microsoft.com/office/drawing/2017/decorative" val="1"/>
+                </a:ext>
+              </a:extLst>
+            </p:cNvPr>
+            <p:cNvSpPr/>
+            <p:nvPr>
+              <p:extLst>
+                <p:ext uri="{386F3935-93C4-4BCD-93E2-E3B085C9AB24}">
+                  <p16:designElem xmlns:p16="http://schemas.microsoft.com/office/powerpoint/2015/main" val="1"/>
+                </p:ext>
+              </p:extLst>
+            </p:nvPr>
+          </p:nvSpPr>
+          <p:spPr>
+            <a:xfrm>
+              <a:off x="0" y="0"/>
+              <a:ext cx="12192000" cy="6858000"/>
+            </a:xfrm>
+            <a:prstGeom prst="rect">
+              <a:avLst/>
+            </a:prstGeom>
+            <a:blipFill>
+              <a:blip r:embed="rId2">
+                <a:duotone>
+                  <a:schemeClr val="dk2">
+                    <a:shade val="69000"/>
+                    <a:hueMod val="91000"/>
+                    <a:satMod val="164000"/>
+                    <a:lumMod val="74000"/>
+                  </a:schemeClr>
+                  <a:schemeClr val="dk2">
+                    <a:hueMod val="124000"/>
+                    <a:satMod val="140000"/>
+                    <a:lumMod val="142000"/>
+                  </a:schemeClr>
+                </a:duotone>
+              </a:blip>
+              <a:stretch>
+                <a:fillRect/>
+              </a:stretch>
+            </a:blipFill>
+            <a:ln>
+              <a:noFill/>
+            </a:ln>
+          </p:spPr>
+          <p:style>
+            <a:lnRef idx="2">
+              <a:schemeClr val="accent1">
+                <a:shade val="50000"/>
+              </a:schemeClr>
+            </a:lnRef>
+            <a:fillRef idx="1">
+              <a:schemeClr val="accent1"/>
+            </a:fillRef>
+            <a:effectRef idx="0">
+              <a:schemeClr val="accent1"/>
+            </a:effectRef>
+            <a:fontRef idx="minor">
+              <a:schemeClr val="lt1"/>
+            </a:fontRef>
+          </p:style>
+        </p:sp>
+        <p:sp>
+          <p:nvSpPr>
+            <p:cNvPr id="11" name="Oval 10">
+              <a:extLst>
+                <a:ext uri="{FF2B5EF4-FFF2-40B4-BE49-F238E27FC236}">
+                  <a16:creationId xmlns:a16="http://schemas.microsoft.com/office/drawing/2014/main" id="{809F3D29-EDB1-4F1C-A0E0-36F28CE17188}"/>
+                </a:ext>
+                <a:ext uri="{C183D7F6-B498-43B3-948B-1728B52AA6E4}">
+                  <adec:decorative xmlns:adec="http://schemas.microsoft.com/office/drawing/2017/decorative" val="1"/>
+                </a:ext>
+              </a:extLst>
+            </p:cNvPr>
+            <p:cNvSpPr/>
+            <p:nvPr>
+              <p:extLst>
+                <p:ext uri="{386F3935-93C4-4BCD-93E2-E3B085C9AB24}">
+                  <p16:designElem xmlns:p16="http://schemas.microsoft.com/office/powerpoint/2015/main" val="1"/>
+                </p:ext>
+              </p:extLst>
+            </p:nvPr>
+          </p:nvSpPr>
+          <p:spPr>
+            <a:xfrm>
+              <a:off x="0" y="2667000"/>
+              <a:ext cx="4191000" cy="4191000"/>
+            </a:xfrm>
+            <a:prstGeom prst="ellipse">
+              <a:avLst/>
+            </a:prstGeom>
+            <a:gradFill flip="none" rotWithShape="1">
+              <a:gsLst>
+                <a:gs pos="0">
+                  <a:schemeClr val="accent5">
+                    <a:alpha val="11000"/>
+                  </a:schemeClr>
+                </a:gs>
+                <a:gs pos="75000">
+                  <a:schemeClr val="accent5">
+                    <a:alpha val="0"/>
+                  </a:schemeClr>
+                </a:gs>
+                <a:gs pos="36000">
+                  <a:schemeClr val="accent5">
+                    <a:alpha val="10000"/>
+                  </a:schemeClr>
+                </a:gs>
+              </a:gsLst>
+              <a:path path="circle">
+                <a:fillToRect l="50000" t="50000" r="50000" b="50000"/>
+              </a:path>
+              <a:tileRect/>
+            </a:gradFill>
+            <a:ln>
+              <a:noFill/>
+            </a:ln>
+            <a:effectLst/>
+          </p:spPr>
+          <p:style>
+            <a:lnRef idx="1">
+              <a:schemeClr val="accent1"/>
+            </a:lnRef>
+            <a:fillRef idx="3">
+              <a:schemeClr val="accent1"/>
+            </a:fillRef>
+            <a:effectRef idx="2">
+              <a:schemeClr val="accent1"/>
+            </a:effectRef>
+            <a:fontRef idx="minor">
+              <a:schemeClr val="lt1"/>
+            </a:fontRef>
+          </p:style>
+        </p:sp>
+        <p:sp>
+          <p:nvSpPr>
+            <p:cNvPr id="12" name="Oval 11">
+              <a:extLst>
+                <a:ext uri="{FF2B5EF4-FFF2-40B4-BE49-F238E27FC236}">
+                  <a16:creationId xmlns:a16="http://schemas.microsoft.com/office/drawing/2014/main" id="{5282F4AB-C7B8-4A86-9927-AA106AA27B41}"/>
+                </a:ext>
+                <a:ext uri="{C183D7F6-B498-43B3-948B-1728B52AA6E4}">
+                  <adec:decorative xmlns:adec="http://schemas.microsoft.com/office/drawing/2017/decorative" val="1"/>
+                </a:ext>
+              </a:extLst>
+            </p:cNvPr>
+            <p:cNvSpPr/>
+            <p:nvPr>
+              <p:extLst>
+                <p:ext uri="{386F3935-93C4-4BCD-93E2-E3B085C9AB24}">
+                  <p16:designElem xmlns:p16="http://schemas.microsoft.com/office/powerpoint/2015/main" val="1"/>
+                </p:ext>
+              </p:extLst>
+            </p:nvPr>
+          </p:nvSpPr>
+          <p:spPr>
+            <a:xfrm>
+              <a:off x="0" y="2895600"/>
+              <a:ext cx="2362200" cy="2362200"/>
+            </a:xfrm>
+            <a:prstGeom prst="ellipse">
+              <a:avLst/>
+            </a:prstGeom>
+            <a:gradFill flip="none" rotWithShape="1">
+              <a:gsLst>
+                <a:gs pos="0">
+                  <a:schemeClr val="accent5">
+                    <a:alpha val="8000"/>
+                  </a:schemeClr>
+                </a:gs>
+                <a:gs pos="72000">
+                  <a:schemeClr val="accent5">
+                    <a:alpha val="0"/>
+                  </a:schemeClr>
+                </a:gs>
+                <a:gs pos="36000">
+                  <a:schemeClr val="accent5">
+                    <a:alpha val="8000"/>
+                  </a:schemeClr>
+                </a:gs>
+              </a:gsLst>
+              <a:path path="circle">
+                <a:fillToRect l="50000" t="50000" r="50000" b="50000"/>
+              </a:path>
+              <a:tileRect/>
+            </a:gradFill>
+            <a:ln>
+              <a:noFill/>
+            </a:ln>
+            <a:effectLst/>
+          </p:spPr>
+          <p:style>
+            <a:lnRef idx="1">
+              <a:schemeClr val="accent1"/>
+            </a:lnRef>
+            <a:fillRef idx="3">
+              <a:schemeClr val="accent1"/>
+            </a:fillRef>
+            <a:effectRef idx="2">
+              <a:schemeClr val="accent1"/>
+            </a:effectRef>
+            <a:fontRef idx="minor">
+              <a:schemeClr val="lt1"/>
+            </a:fontRef>
+          </p:style>
+        </p:sp>
+        <p:sp>
+          <p:nvSpPr>
+            <p:cNvPr id="13" name="Rectangle 12">
+              <a:extLst>
+                <a:ext uri="{FF2B5EF4-FFF2-40B4-BE49-F238E27FC236}">
+                  <a16:creationId xmlns:a16="http://schemas.microsoft.com/office/drawing/2014/main" id="{60B26874-5AFA-4D1E-94A9-53AF9790D702}"/>
+                </a:ext>
+                <a:ext uri="{C183D7F6-B498-43B3-948B-1728B52AA6E4}">
+                  <adec:decorative xmlns:adec="http://schemas.microsoft.com/office/drawing/2017/decorative" val="1"/>
+                </a:ext>
+              </a:extLst>
+            </p:cNvPr>
+            <p:cNvSpPr/>
+            <p:nvPr>
+              <p:extLst>
+                <p:ext uri="{386F3935-93C4-4BCD-93E2-E3B085C9AB24}">
+                  <p16:designElem xmlns:p16="http://schemas.microsoft.com/office/powerpoint/2015/main" val="1"/>
+                </p:ext>
+              </p:extLst>
+            </p:nvPr>
+          </p:nvSpPr>
+          <p:spPr bwMode="gray">
+            <a:xfrm>
+              <a:off x="5713412" y="402165"/>
+              <a:ext cx="6055253" cy="6053670"/>
+            </a:xfrm>
+            <a:prstGeom prst="rect">
+              <a:avLst/>
+            </a:prstGeom>
+            <a:solidFill>
+              <a:schemeClr val="bg1"/>
+            </a:solidFill>
+            <a:ln>
+              <a:noFill/>
+            </a:ln>
+            <a:effectLst/>
+          </p:spPr>
+          <p:style>
+            <a:lnRef idx="1">
+              <a:schemeClr val="accent1"/>
+            </a:lnRef>
+            <a:fillRef idx="3">
+              <a:schemeClr val="accent1"/>
+            </a:fillRef>
+            <a:effectRef idx="2">
+              <a:schemeClr val="accent1"/>
+            </a:effectRef>
+            <a:fontRef idx="minor">
+              <a:schemeClr val="lt1"/>
+            </a:fontRef>
+          </p:style>
+        </p:sp>
+        <p:sp>
+          <p:nvSpPr>
+            <p:cNvPr id="14" name="Freeform 5">
+              <a:extLst>
+                <a:ext uri="{FF2B5EF4-FFF2-40B4-BE49-F238E27FC236}">
+                  <a16:creationId xmlns:a16="http://schemas.microsoft.com/office/drawing/2014/main" id="{A1DA6C95-40F8-4305-89F6-17F6167C0BF2}"/>
+                </a:ext>
+                <a:ext uri="{C183D7F6-B498-43B3-948B-1728B52AA6E4}">
+                  <adec:decorative xmlns:adec="http://schemas.microsoft.com/office/drawing/2017/decorative" val="1"/>
+                </a:ext>
+              </a:extLst>
+            </p:cNvPr>
+            <p:cNvSpPr/>
+            <p:nvPr>
+              <p:extLst>
+                <p:ext uri="{386F3935-93C4-4BCD-93E2-E3B085C9AB24}">
+                  <p16:designElem xmlns:p16="http://schemas.microsoft.com/office/powerpoint/2015/main" val="1"/>
+                </p:ext>
+              </p:extLst>
+            </p:nvPr>
+          </p:nvSpPr>
+          <p:spPr bwMode="gray">
+            <a:xfrm rot="15922489">
+              <a:off x="3140485" y="1826078"/>
+              <a:ext cx="3299407" cy="440924"/>
+            </a:xfrm>
+            <a:custGeom>
+              <a:avLst/>
+              <a:gdLst/>
+              <a:ahLst/>
+              <a:cxnLst/>
+              <a:rect l="l" t="t" r="r" b="b"/>
+              <a:pathLst>
+                <a:path w="10000" h="5291">
+                  <a:moveTo>
+                    <a:pt x="85" y="2532"/>
+                  </a:moveTo>
+                  <a:cubicBezTo>
+                    <a:pt x="1736" y="3911"/>
+                    <a:pt x="7524" y="5298"/>
+                    <a:pt x="9958" y="5291"/>
+                  </a:cubicBezTo>
+                  <a:cubicBezTo>
+                    <a:pt x="9989" y="1958"/>
+                    <a:pt x="9969" y="3333"/>
+                    <a:pt x="10000" y="0"/>
+                  </a:cubicBezTo>
+                  <a:lnTo>
+                    <a:pt x="10000" y="0"/>
+                  </a:lnTo>
+                  <a:lnTo>
+                    <a:pt x="9667" y="204"/>
+                  </a:lnTo>
+                  <a:lnTo>
+                    <a:pt x="9334" y="400"/>
+                  </a:lnTo>
+                  <a:lnTo>
+                    <a:pt x="9001" y="590"/>
+                  </a:lnTo>
+                  <a:lnTo>
+                    <a:pt x="8667" y="753"/>
+                  </a:lnTo>
+                  <a:lnTo>
+                    <a:pt x="8333" y="917"/>
+                  </a:lnTo>
+                  <a:lnTo>
+                    <a:pt x="7999" y="1071"/>
+                  </a:lnTo>
+                  <a:lnTo>
+                    <a:pt x="7669" y="1202"/>
+                  </a:lnTo>
+                  <a:lnTo>
+                    <a:pt x="7333" y="1325"/>
+                  </a:lnTo>
+                  <a:lnTo>
+                    <a:pt x="7000" y="1440"/>
+                  </a:lnTo>
+                  <a:lnTo>
+                    <a:pt x="6673" y="1538"/>
+                  </a:lnTo>
+                  <a:lnTo>
+                    <a:pt x="6340" y="1636"/>
+                  </a:lnTo>
+                  <a:lnTo>
+                    <a:pt x="6013" y="1719"/>
+                  </a:lnTo>
+                  <a:lnTo>
+                    <a:pt x="5686" y="1784"/>
+                  </a:lnTo>
+                  <a:lnTo>
+                    <a:pt x="5359" y="1850"/>
+                  </a:lnTo>
+                  <a:lnTo>
+                    <a:pt x="5036" y="1906"/>
+                  </a:lnTo>
+                  <a:lnTo>
+                    <a:pt x="4717" y="1948"/>
+                  </a:lnTo>
+                  <a:lnTo>
+                    <a:pt x="4396" y="1980"/>
+                  </a:lnTo>
+                  <a:lnTo>
+                    <a:pt x="4079" y="2013"/>
+                  </a:lnTo>
+                  <a:lnTo>
+                    <a:pt x="3766" y="2029"/>
+                  </a:lnTo>
+                  <a:lnTo>
+                    <a:pt x="3454" y="2046"/>
+                  </a:lnTo>
+                  <a:lnTo>
+                    <a:pt x="3145" y="2053"/>
+                  </a:lnTo>
+                  <a:lnTo>
+                    <a:pt x="2839" y="2046"/>
+                  </a:lnTo>
+                  <a:lnTo>
+                    <a:pt x="2537" y="2046"/>
+                  </a:lnTo>
+                  <a:lnTo>
+                    <a:pt x="2238" y="2029"/>
+                  </a:lnTo>
+                  <a:lnTo>
+                    <a:pt x="1943" y="2004"/>
+                  </a:lnTo>
+                  <a:lnTo>
+                    <a:pt x="1653" y="1980"/>
+                  </a:lnTo>
+                  <a:lnTo>
+                    <a:pt x="1368" y="1955"/>
+                  </a:lnTo>
+                  <a:lnTo>
+                    <a:pt x="1085" y="1915"/>
+                  </a:lnTo>
+                  <a:lnTo>
+                    <a:pt x="806" y="1873"/>
+                  </a:lnTo>
+                  <a:lnTo>
+                    <a:pt x="533" y="1833"/>
+                  </a:lnTo>
+                  <a:lnTo>
+                    <a:pt x="0" y="1726"/>
+                  </a:lnTo>
+                  <a:cubicBezTo>
+                    <a:pt x="28" y="1995"/>
+                    <a:pt x="57" y="2263"/>
+                    <a:pt x="85" y="2532"/>
+                  </a:cubicBezTo>
+                  <a:close/>
+                </a:path>
+              </a:pathLst>
+            </a:custGeom>
+            <a:solidFill>
+              <a:schemeClr val="bg1">
+                <a:alpha val="20000"/>
+              </a:schemeClr>
+            </a:solidFill>
+            <a:ln>
+              <a:noFill/>
+            </a:ln>
+          </p:spPr>
+        </p:sp>
+        <p:sp>
+          <p:nvSpPr>
+            <p:cNvPr id="15" name="Freeform 5">
+              <a:extLst>
+                <a:ext uri="{FF2B5EF4-FFF2-40B4-BE49-F238E27FC236}">
+                  <a16:creationId xmlns:a16="http://schemas.microsoft.com/office/drawing/2014/main" id="{A2FA2D29-AEEE-4FFA-B233-94FBE84C9B41}"/>
+                </a:ext>
+                <a:ext uri="{C183D7F6-B498-43B3-948B-1728B52AA6E4}">
+                  <adec:decorative xmlns:adec="http://schemas.microsoft.com/office/drawing/2017/decorative" val="1"/>
+                </a:ext>
+              </a:extLst>
+            </p:cNvPr>
+            <p:cNvSpPr/>
+            <p:nvPr>
+              <p:extLst>
+                <p:ext uri="{386F3935-93C4-4BCD-93E2-E3B085C9AB24}">
+                  <p16:designElem xmlns:p16="http://schemas.microsoft.com/office/powerpoint/2015/main" val="1"/>
+                </p:ext>
+              </p:extLst>
+            </p:nvPr>
+          </p:nvSpPr>
+          <p:spPr bwMode="gray">
+            <a:xfrm rot="16200000">
+              <a:off x="2229377" y="2801721"/>
+              <a:ext cx="6053670" cy="1254558"/>
+            </a:xfrm>
+            <a:custGeom>
+              <a:avLst/>
+              <a:gdLst/>
+              <a:ahLst/>
+              <a:cxnLst/>
+              <a:rect l="l" t="t" r="r" b="b"/>
+              <a:pathLst>
+                <a:path w="10000" h="8000">
+                  <a:moveTo>
+                    <a:pt x="0" y="0"/>
+                  </a:moveTo>
+                  <a:lnTo>
+                    <a:pt x="0" y="7970"/>
+                  </a:lnTo>
+                  <a:lnTo>
+                    <a:pt x="10000" y="8000"/>
+                  </a:lnTo>
+                  <a:lnTo>
+                    <a:pt x="10000" y="7"/>
+                  </a:lnTo>
+                  <a:lnTo>
+                    <a:pt x="10000" y="7"/>
+                  </a:lnTo>
+                  <a:lnTo>
+                    <a:pt x="9773" y="156"/>
+                  </a:lnTo>
+                  <a:lnTo>
+                    <a:pt x="9547" y="298"/>
+                  </a:lnTo>
+                  <a:lnTo>
+                    <a:pt x="9320" y="437"/>
+                  </a:lnTo>
+                  <a:lnTo>
+                    <a:pt x="9092" y="556"/>
+                  </a:lnTo>
+                  <a:lnTo>
+                    <a:pt x="8865" y="676"/>
+                  </a:lnTo>
+                  <a:lnTo>
+                    <a:pt x="8637" y="788"/>
+                  </a:lnTo>
+                  <a:lnTo>
+                    <a:pt x="8412" y="884"/>
+                  </a:lnTo>
+                  <a:lnTo>
+                    <a:pt x="8184" y="975"/>
+                  </a:lnTo>
+                  <a:lnTo>
+                    <a:pt x="7957" y="1058"/>
+                  </a:lnTo>
+                  <a:lnTo>
+                    <a:pt x="7734" y="1130"/>
+                  </a:lnTo>
+                  <a:lnTo>
+                    <a:pt x="7508" y="1202"/>
+                  </a:lnTo>
+                  <a:lnTo>
+                    <a:pt x="7285" y="1262"/>
+                  </a:lnTo>
+                  <a:lnTo>
+                    <a:pt x="7062" y="1309"/>
+                  </a:lnTo>
+                  <a:lnTo>
+                    <a:pt x="6840" y="1358"/>
+                  </a:lnTo>
+                  <a:lnTo>
+                    <a:pt x="6620" y="1399"/>
+                  </a:lnTo>
+                  <a:lnTo>
+                    <a:pt x="6402" y="1428"/>
+                  </a:lnTo>
+                  <a:lnTo>
+                    <a:pt x="6184" y="1453"/>
+                  </a:lnTo>
+                  <a:lnTo>
+                    <a:pt x="5968" y="1477"/>
+                  </a:lnTo>
+                  <a:lnTo>
+                    <a:pt x="5755" y="1488"/>
+                  </a:lnTo>
+                  <a:lnTo>
+                    <a:pt x="5542" y="1500"/>
+                  </a:lnTo>
+                  <a:lnTo>
+                    <a:pt x="5332" y="1506"/>
+                  </a:lnTo>
+                  <a:lnTo>
+                    <a:pt x="5124" y="1500"/>
+                  </a:lnTo>
+                  <a:lnTo>
+                    <a:pt x="4918" y="1500"/>
+                  </a:lnTo>
+                  <a:lnTo>
+                    <a:pt x="4714" y="1488"/>
+                  </a:lnTo>
+                  <a:lnTo>
+                    <a:pt x="4514" y="1470"/>
+                  </a:lnTo>
+                  <a:lnTo>
+                    <a:pt x="4316" y="1453"/>
+                  </a:lnTo>
+                  <a:lnTo>
+                    <a:pt x="4122" y="1434"/>
+                  </a:lnTo>
+                  <a:lnTo>
+                    <a:pt x="3929" y="1405"/>
+                  </a:lnTo>
+                  <a:lnTo>
+                    <a:pt x="3739" y="1374"/>
+                  </a:lnTo>
+                  <a:lnTo>
+                    <a:pt x="3553" y="1346"/>
+                  </a:lnTo>
+                  <a:lnTo>
+                    <a:pt x="3190" y="1267"/>
+                  </a:lnTo>
+                  <a:lnTo>
+                    <a:pt x="2842" y="1183"/>
+                  </a:lnTo>
+                  <a:lnTo>
+                    <a:pt x="2508" y="1095"/>
+                  </a:lnTo>
+                  <a:lnTo>
+                    <a:pt x="2192" y="998"/>
+                  </a:lnTo>
+                  <a:lnTo>
+                    <a:pt x="1890" y="897"/>
+                  </a:lnTo>
+                  <a:lnTo>
+                    <a:pt x="1610" y="788"/>
+                  </a:lnTo>
+                  <a:lnTo>
+                    <a:pt x="1347" y="681"/>
+                  </a:lnTo>
+                  <a:lnTo>
+                    <a:pt x="1105" y="574"/>
+                  </a:lnTo>
+                  <a:lnTo>
+                    <a:pt x="883" y="473"/>
+                  </a:lnTo>
+                  <a:lnTo>
+                    <a:pt x="686" y="377"/>
+                  </a:lnTo>
+                  <a:lnTo>
+                    <a:pt x="508" y="286"/>
+                  </a:lnTo>
+                  <a:lnTo>
+                    <a:pt x="358" y="210"/>
+                  </a:lnTo>
+                  <a:lnTo>
+                    <a:pt x="232" y="138"/>
+                  </a:lnTo>
+                  <a:lnTo>
+                    <a:pt x="59" y="35"/>
+                  </a:lnTo>
+                  <a:lnTo>
+                    <a:pt x="0" y="0"/>
+                  </a:lnTo>
+                  <a:lnTo>
+                    <a:pt x="0" y="0"/>
+                  </a:lnTo>
+                  <a:close/>
+                </a:path>
+              </a:pathLst>
+            </a:custGeom>
+            <a:solidFill>
+              <a:schemeClr val="bg1"/>
+            </a:solidFill>
+            <a:ln>
+              <a:noFill/>
+            </a:ln>
+          </p:spPr>
+        </p:sp>
+        <p:sp>
+          <p:nvSpPr>
+            <p:cNvPr id="16" name="Freeform 5">
+              <a:extLst>
+                <a:ext uri="{FF2B5EF4-FFF2-40B4-BE49-F238E27FC236}">
+                  <a16:creationId xmlns:a16="http://schemas.microsoft.com/office/drawing/2014/main" id="{6DA5143E-FA8E-4EC1-99F7-35AE5AD4E377}"/>
+                </a:ext>
+                <a:ext uri="{C183D7F6-B498-43B3-948B-1728B52AA6E4}">
+                  <adec:decorative xmlns:adec="http://schemas.microsoft.com/office/drawing/2017/decorative" val="1"/>
+                </a:ext>
+              </a:extLst>
+            </p:cNvPr>
+            <p:cNvSpPr>
+              <a:spLocks noEditPoints="1"/>
+            </p:cNvSpPr>
+            <p:nvPr>
+              <p:extLst>
+                <p:ext uri="{386F3935-93C4-4BCD-93E2-E3B085C9AB24}">
+                  <p16:designElem xmlns:p16="http://schemas.microsoft.com/office/powerpoint/2015/main" val="1"/>
+                </p:ext>
+              </p:extLst>
+            </p:nvPr>
+          </p:nvSpPr>
+          <p:spPr bwMode="gray">
+            <a:xfrm>
+              <a:off x="0" y="1587"/>
+              <a:ext cx="12192000" cy="6856413"/>
+            </a:xfrm>
+            <a:custGeom>
+              <a:avLst/>
+              <a:gdLst/>
+              <a:ahLst/>
+              <a:cxnLst/>
+              <a:rect l="0" t="0" r="r" b="b"/>
+              <a:pathLst>
+                <a:path w="15356" h="8638">
+                  <a:moveTo>
+                    <a:pt x="0" y="0"/>
+                  </a:moveTo>
+                  <a:lnTo>
+                    <a:pt x="0" y="8638"/>
+                  </a:lnTo>
+                  <a:lnTo>
+                    <a:pt x="15356" y="8638"/>
+                  </a:lnTo>
+                  <a:lnTo>
+                    <a:pt x="15356" y="0"/>
+                  </a:lnTo>
+                  <a:lnTo>
+                    <a:pt x="0" y="0"/>
+                  </a:lnTo>
+                  <a:close/>
+                  <a:moveTo>
+                    <a:pt x="14748" y="8038"/>
+                  </a:moveTo>
+                  <a:lnTo>
+                    <a:pt x="600" y="8038"/>
+                  </a:lnTo>
+                  <a:lnTo>
+                    <a:pt x="600" y="592"/>
+                  </a:lnTo>
+                  <a:lnTo>
+                    <a:pt x="14748" y="592"/>
+                  </a:lnTo>
+                  <a:lnTo>
+                    <a:pt x="14748" y="8038"/>
+                  </a:lnTo>
+                  <a:close/>
+                </a:path>
+              </a:pathLst>
+            </a:custGeom>
+            <a:solidFill>
+              <a:schemeClr val="bg1"/>
+            </a:solidFill>
+            <a:ln>
+              <a:noFill/>
+            </a:ln>
+          </p:spPr>
+        </p:sp>
+      </p:grpSp>
+      <p:sp>
+        <p:nvSpPr>
+          <p:cNvPr id="2" name="Title 1">
+            <a:extLst>
+              <a:ext uri="{FF2B5EF4-FFF2-40B4-BE49-F238E27FC236}">
+                <a16:creationId xmlns:a16="http://schemas.microsoft.com/office/drawing/2014/main" id="{4C541973-3282-47C8-B780-15077E458932}"/>
+              </a:ext>
+            </a:extLst>
+          </p:cNvPr>
+          <p:cNvSpPr>
+            <a:spLocks noGrp="1"/>
+          </p:cNvSpPr>
+          <p:nvPr>
+            <p:ph type="title"/>
+          </p:nvPr>
+        </p:nvSpPr>
+        <p:spPr>
+          <a:xfrm>
+            <a:off x="1154955" y="973667"/>
+            <a:ext cx="2942210" cy="4833745"/>
+          </a:xfrm>
+        </p:spPr>
+        <p:txBody>
+          <a:bodyPr>
+            <a:normAutofit/>
+          </a:bodyPr>
+          <a:lstStyle/>
+          <a:p>
+            <a:r>
+              <a:rPr lang="en-US">
+                <a:solidFill>
+                  <a:srgbClr val="EBEBEB"/>
+                </a:solidFill>
+              </a:rPr>
+              <a:t>What did I create?</a:t>
+            </a:r>
+            <a:endParaRPr lang="en-CA">
+              <a:solidFill>
+                <a:srgbClr val="EBEBEB"/>
+              </a:solidFill>
+            </a:endParaRPr>
+          </a:p>
+        </p:txBody>
+      </p:sp>
+      <p:sp>
+        <p:nvSpPr>
+          <p:cNvPr id="18" name="Rectangle 17">
+            <a:extLst>
+              <a:ext uri="{FF2B5EF4-FFF2-40B4-BE49-F238E27FC236}">
+                <a16:creationId xmlns:a16="http://schemas.microsoft.com/office/drawing/2014/main" id="{CC28BCC9-4093-4FD5-83EB-7EC297F51396}"/>
+              </a:ext>
+              <a:ext uri="{C183D7F6-B498-43B3-948B-1728B52AA6E4}">
+                <adec:decorative xmlns:adec="http://schemas.microsoft.com/office/drawing/2017/decorative" val="1"/>
+              </a:ext>
+            </a:extLst>
+          </p:cNvPr>
+          <p:cNvSpPr>
+            <a:spLocks noGrp="1" noRot="1" noChangeAspect="1" noMove="1" noResize="1" noEditPoints="1" noAdjustHandles="1" noChangeArrowheads="1" noChangeShapeType="1" noTextEdit="1"/>
+          </p:cNvSpPr>
+          <p:nvPr>
+            <p:extLst>
+              <p:ext uri="{386F3935-93C4-4BCD-93E2-E3B085C9AB24}">
+                <p16:designElem xmlns:p16="http://schemas.microsoft.com/office/powerpoint/2015/main" val="1"/>
+              </p:ext>
+            </p:extLst>
+          </p:nvPr>
+        </p:nvSpPr>
+        <p:spPr>
+          <a:xfrm>
+            <a:off x="10437812" y="0"/>
+            <a:ext cx="685800" cy="1143000"/>
+          </a:xfrm>
+          <a:prstGeom prst="rect">
+            <a:avLst/>
+          </a:prstGeom>
+          <a:solidFill>
+            <a:schemeClr val="accent1"/>
+          </a:solidFill>
+          <a:ln>
+            <a:noFill/>
+          </a:ln>
+        </p:spPr>
+        <p:style>
+          <a:lnRef idx="1">
+            <a:schemeClr val="accent1"/>
+          </a:lnRef>
+          <a:fillRef idx="3">
+            <a:schemeClr val="accent1"/>
+          </a:fillRef>
+          <a:effectRef idx="2">
+            <a:schemeClr val="accent1"/>
+          </a:effectRef>
+          <a:fontRef idx="minor">
+            <a:schemeClr val="lt1"/>
+          </a:fontRef>
+        </p:style>
+      </p:sp>
+      <p:graphicFrame>
+        <p:nvGraphicFramePr>
+          <p:cNvPr id="5" name="Content Placeholder 2">
+            <a:extLst>
+              <a:ext uri="{FF2B5EF4-FFF2-40B4-BE49-F238E27FC236}">
+                <a16:creationId xmlns:a16="http://schemas.microsoft.com/office/drawing/2014/main" id="{1AE19958-CA03-4DD5-8AFC-54287A2CABD0}"/>
+              </a:ext>
+            </a:extLst>
+          </p:cNvPr>
+          <p:cNvGraphicFramePr>
+            <a:graphicFrameLocks noGrp="1"/>
+          </p:cNvGraphicFramePr>
+          <p:nvPr>
+            <p:ph idx="1"/>
+            <p:extLst>
+              <p:ext uri="{D42A27DB-BD31-4B8C-83A1-F6EECF244321}">
+                <p14:modId xmlns:p14="http://schemas.microsoft.com/office/powerpoint/2010/main" val="3992452898"/>
+              </p:ext>
+            </p:extLst>
+          </p:nvPr>
+        </p:nvGraphicFramePr>
+        <p:xfrm>
+          <a:off x="5142960" y="542496"/>
+          <a:ext cx="6625705" cy="5822678"/>
+        </p:xfrm>
+        <a:graphic>
+          <a:graphicData uri="http://schemas.openxmlformats.org/drawingml/2006/diagram">
+            <dgm:relIds xmlns:dgm="http://schemas.openxmlformats.org/drawingml/2006/diagram" xmlns:r="http://schemas.openxmlformats.org/officeDocument/2006/relationships" r:dm="rId3" r:lo="rId4" r:qs="rId5" r:cs="rId6"/>
+          </a:graphicData>
+        </a:graphic>
+      </p:graphicFrame>
+    </p:spTree>
+    <p:extLst>
+      <p:ext uri="{BB962C8B-B14F-4D97-AF65-F5344CB8AC3E}">
+        <p14:creationId xmlns:p14="http://schemas.microsoft.com/office/powerpoint/2010/main" val="1811847071"/>
+      </p:ext>
+    </p:extLst>
+  </p:cSld>
+  <p:clrMapOvr>
+    <a:masterClrMapping/>
+  </p:clrMapOvr>
+</p:sld>
+</file>
+
+<file path=ppt/slides/slide3.xml><?xml version="1.0" encoding="utf-8"?>
+<p:sld xmlns:a="http://schemas.openxmlformats.org/drawingml/2006/main" xmlns:r="http://schemas.openxmlformats.org/officeDocument/2006/relationships" xmlns:p="http://schemas.openxmlformats.org/presentationml/2006/main">
+  <p:cSld>
+    <p:bg>
+      <p:bgPr>
+        <a:solidFill>
+          <a:schemeClr val="bg1"/>
+        </a:solidFill>
+        <a:effectLst/>
+      </p:bgPr>
+    </p:bg>
+    <p:spTree>
+      <p:nvGrpSpPr>
+        <p:cNvPr id="1" name=""/>
+        <p:cNvGrpSpPr/>
+        <p:nvPr/>
+      </p:nvGrpSpPr>
+      <p:grpSpPr>
+        <a:xfrm>
+          <a:off x="0" y="0"/>
+          <a:ext cx="0" cy="0"/>
+          <a:chOff x="0" y="0"/>
+          <a:chExt cx="0" cy="0"/>
+        </a:xfrm>
+      </p:grpSpPr>
       <p:sp useBgFill="1">
         <p:nvSpPr>
           <p:cNvPr id="13" name="Rectangle 12">
@@ -14001,8 +17698,8 @@
         </p:nvSpPr>
         <p:spPr>
           <a:xfrm>
-            <a:off x="1154954" y="973668"/>
-            <a:ext cx="8761413" cy="706964"/>
+            <a:off x="950159" y="997310"/>
+            <a:ext cx="2217638" cy="706964"/>
           </a:xfrm>
         </p:spPr>
         <p:txBody>
@@ -14012,7 +17709,7 @@
           <a:lstStyle/>
           <a:p>
             <a:r>
-              <a:rPr lang="en-US">
+              <a:rPr lang="en-US" dirty="0">
                 <a:solidFill>
                   <a:schemeClr val="tx1"/>
                 </a:solidFill>
@@ -14036,8 +17733,8 @@
         </p:nvSpPr>
         <p:spPr>
           <a:xfrm>
-            <a:off x="1154954" y="2603500"/>
-            <a:ext cx="8825659" cy="3416300"/>
+            <a:off x="493255" y="2305597"/>
+            <a:ext cx="5349085" cy="3416300"/>
           </a:xfrm>
           <a:prstGeom prst="rect">
             <a:avLst/>
@@ -14045,7 +17742,7 @@
         </p:spPr>
         <p:txBody>
           <a:bodyPr vert="horz" lIns="91440" tIns="45720" rIns="91440" bIns="45720" rtlCol="0">
-            <a:normAutofit/>
+            <a:normAutofit lnSpcReduction="10000"/>
           </a:bodyPr>
           <a:lstStyle/>
           <a:p>
@@ -14093,7 +17790,7 @@
             </a:pPr>
             <a:r>
               <a:rPr lang="en-US" sz="2400" dirty="0"/>
-              <a:t>Browse orbital diagrams of asteroids that could potentially impact earth</a:t>
+              <a:t>Browse orbital diagrams of near-earth asteroids</a:t>
             </a:r>
           </a:p>
           <a:p>
@@ -14185,6 +17882,280 @@
           </a:p>
         </p:txBody>
       </p:sp>
+      <p:sp>
+        <p:nvSpPr>
+          <p:cNvPr id="3" name="TextBox 2">
+            <a:extLst>
+              <a:ext uri="{FF2B5EF4-FFF2-40B4-BE49-F238E27FC236}">
+                <a16:creationId xmlns:a16="http://schemas.microsoft.com/office/drawing/2014/main" id="{0313410B-8D2D-4C6E-B802-65D2DFA03CB2}"/>
+              </a:ext>
+            </a:extLst>
+          </p:cNvPr>
+          <p:cNvSpPr txBox="1"/>
+          <p:nvPr/>
+        </p:nvSpPr>
+        <p:spPr>
+          <a:xfrm>
+            <a:off x="6504042" y="2305597"/>
+            <a:ext cx="5349085" cy="3416300"/>
+          </a:xfrm>
+          <a:prstGeom prst="rect">
+            <a:avLst/>
+          </a:prstGeom>
+        </p:spPr>
+        <p:txBody>
+          <a:bodyPr vert="horz" lIns="91440" tIns="45720" rIns="91440" bIns="45720" rtlCol="0">
+            <a:normAutofit fontScale="92500" lnSpcReduction="10000"/>
+          </a:bodyPr>
+          <a:lstStyle/>
+          <a:p>
+            <a:pPr marL="285750" indent="-285750">
+              <a:spcBef>
+                <a:spcPts val="1000"/>
+              </a:spcBef>
+              <a:buClr>
+                <a:schemeClr val="accent1"/>
+              </a:buClr>
+              <a:buSzPct val="80000"/>
+              <a:buFont typeface="Wingdings 3" charset="2"/>
+              <a:buChar char=""/>
+            </a:pPr>
+            <a:r>
+              <a:rPr lang="en-US" sz="2400" dirty="0"/>
+              <a:t>Target Audience: Space enthusiasts/Researchers</a:t>
+            </a:r>
+          </a:p>
+          <a:p>
+            <a:pPr marL="285750" indent="-285750">
+              <a:spcBef>
+                <a:spcPts val="1000"/>
+              </a:spcBef>
+              <a:buClr>
+                <a:schemeClr val="accent1"/>
+              </a:buClr>
+              <a:buSzPct val="80000"/>
+              <a:buFont typeface="Wingdings 3" charset="2"/>
+              <a:buChar char=""/>
+            </a:pPr>
+            <a:endParaRPr lang="en-US" sz="2400" dirty="0"/>
+          </a:p>
+          <a:p>
+            <a:pPr marL="285750" indent="-285750">
+              <a:spcBef>
+                <a:spcPts val="1000"/>
+              </a:spcBef>
+              <a:buClr>
+                <a:schemeClr val="accent1"/>
+              </a:buClr>
+              <a:buSzPct val="80000"/>
+              <a:buFont typeface="Wingdings 3" charset="2"/>
+              <a:buChar char=""/>
+            </a:pPr>
+            <a:r>
+              <a:rPr lang="en-US" sz="2400" dirty="0"/>
+              <a:t>JPL website gives in-depth information, might be too much info for the average user</a:t>
+            </a:r>
+          </a:p>
+          <a:p>
+            <a:pPr marL="285750" indent="-285750">
+              <a:spcBef>
+                <a:spcPts val="1000"/>
+              </a:spcBef>
+              <a:buClr>
+                <a:schemeClr val="accent1"/>
+              </a:buClr>
+              <a:buSzPct val="80000"/>
+              <a:buFont typeface="Wingdings 3" charset="2"/>
+              <a:buChar char=""/>
+            </a:pPr>
+            <a:endParaRPr lang="en-US" sz="2400" dirty="0"/>
+          </a:p>
+          <a:p>
+            <a:pPr marL="285750" indent="-285750">
+              <a:spcBef>
+                <a:spcPts val="1000"/>
+              </a:spcBef>
+              <a:buClr>
+                <a:schemeClr val="accent1"/>
+              </a:buClr>
+              <a:buSzPct val="80000"/>
+              <a:buFont typeface="Wingdings 3" charset="2"/>
+              <a:buChar char=""/>
+            </a:pPr>
+            <a:r>
+              <a:rPr lang="en-US" sz="2400" dirty="0"/>
+              <a:t>Researchers might like to see the information at a quick glance</a:t>
+            </a:r>
+          </a:p>
+          <a:p>
+            <a:pPr marL="285750" indent="-285750">
+              <a:spcBef>
+                <a:spcPts val="1000"/>
+              </a:spcBef>
+              <a:buClr>
+                <a:schemeClr val="accent1"/>
+              </a:buClr>
+              <a:buSzPct val="80000"/>
+              <a:buFont typeface="Wingdings 3" charset="2"/>
+              <a:buChar char=""/>
+            </a:pPr>
+            <a:endParaRPr lang="en-US" dirty="0"/>
+          </a:p>
+          <a:p>
+            <a:pPr marL="285750" indent="-285750">
+              <a:spcBef>
+                <a:spcPts val="1000"/>
+              </a:spcBef>
+              <a:buClr>
+                <a:schemeClr val="accent1"/>
+              </a:buClr>
+              <a:buSzPct val="80000"/>
+              <a:buFont typeface="Wingdings 3" charset="2"/>
+              <a:buChar char=""/>
+            </a:pPr>
+            <a:endParaRPr lang="en-US" dirty="0"/>
+          </a:p>
+          <a:p>
+            <a:pPr marL="285750" indent="-285750">
+              <a:spcBef>
+                <a:spcPts val="1000"/>
+              </a:spcBef>
+              <a:buClr>
+                <a:schemeClr val="accent1"/>
+              </a:buClr>
+              <a:buSzPct val="80000"/>
+              <a:buFont typeface="Wingdings 3" charset="2"/>
+              <a:buChar char=""/>
+            </a:pPr>
+            <a:endParaRPr lang="en-US" dirty="0"/>
+          </a:p>
+          <a:p>
+            <a:pPr marL="285750" indent="-285750">
+              <a:spcBef>
+                <a:spcPts val="1000"/>
+              </a:spcBef>
+              <a:buClr>
+                <a:schemeClr val="accent1"/>
+              </a:buClr>
+              <a:buSzPct val="80000"/>
+              <a:buFont typeface="Wingdings 3" charset="2"/>
+              <a:buChar char=""/>
+            </a:pPr>
+            <a:endParaRPr lang="en-US" dirty="0"/>
+          </a:p>
+        </p:txBody>
+      </p:sp>
+      <p:sp>
+        <p:nvSpPr>
+          <p:cNvPr id="9" name="Title 1">
+            <a:extLst>
+              <a:ext uri="{FF2B5EF4-FFF2-40B4-BE49-F238E27FC236}">
+                <a16:creationId xmlns:a16="http://schemas.microsoft.com/office/drawing/2014/main" id="{939CD8B3-C9F5-4FBF-84AD-5C6E7A3D0ED2}"/>
+              </a:ext>
+            </a:extLst>
+          </p:cNvPr>
+          <p:cNvSpPr txBox="1">
+            <a:spLocks/>
+          </p:cNvSpPr>
+          <p:nvPr/>
+        </p:nvSpPr>
+        <p:spPr bwMode="gray">
+          <a:xfrm>
+            <a:off x="6673477" y="973668"/>
+            <a:ext cx="2217638" cy="706964"/>
+          </a:xfrm>
+          <a:prstGeom prst="rect">
+            <a:avLst/>
+          </a:prstGeom>
+        </p:spPr>
+        <p:txBody>
+          <a:bodyPr vert="horz" lIns="91440" tIns="45720" rIns="91440" bIns="45720" rtlCol="0" anchor="ctr">
+            <a:normAutofit fontScale="92500"/>
+          </a:bodyPr>
+          <a:lstStyle>
+            <a:lvl1pPr algn="l" defTabSz="457200" rtl="0" eaLnBrk="1" latinLnBrk="0" hangingPunct="1">
+              <a:spcBef>
+                <a:spcPct val="0"/>
+              </a:spcBef>
+              <a:buNone/>
+              <a:defRPr sz="3600" b="0" i="0" kern="1200">
+                <a:solidFill>
+                  <a:schemeClr val="bg2"/>
+                </a:solidFill>
+                <a:latin typeface="+mj-lt"/>
+                <a:ea typeface="+mj-ea"/>
+                <a:cs typeface="+mj-cs"/>
+              </a:defRPr>
+            </a:lvl1pPr>
+            <a:lvl2pPr eaLnBrk="1" hangingPunct="1">
+              <a:defRPr>
+                <a:solidFill>
+                  <a:schemeClr val="tx2"/>
+                </a:solidFill>
+              </a:defRPr>
+            </a:lvl2pPr>
+            <a:lvl3pPr eaLnBrk="1" hangingPunct="1">
+              <a:defRPr>
+                <a:solidFill>
+                  <a:schemeClr val="tx2"/>
+                </a:solidFill>
+              </a:defRPr>
+            </a:lvl3pPr>
+            <a:lvl4pPr eaLnBrk="1" hangingPunct="1">
+              <a:defRPr>
+                <a:solidFill>
+                  <a:schemeClr val="tx2"/>
+                </a:solidFill>
+              </a:defRPr>
+            </a:lvl4pPr>
+            <a:lvl5pPr eaLnBrk="1" hangingPunct="1">
+              <a:defRPr>
+                <a:solidFill>
+                  <a:schemeClr val="tx2"/>
+                </a:solidFill>
+              </a:defRPr>
+            </a:lvl5pPr>
+            <a:lvl6pPr eaLnBrk="1" hangingPunct="1">
+              <a:defRPr>
+                <a:solidFill>
+                  <a:schemeClr val="tx2"/>
+                </a:solidFill>
+              </a:defRPr>
+            </a:lvl6pPr>
+            <a:lvl7pPr eaLnBrk="1" hangingPunct="1">
+              <a:defRPr>
+                <a:solidFill>
+                  <a:schemeClr val="tx2"/>
+                </a:solidFill>
+              </a:defRPr>
+            </a:lvl7pPr>
+            <a:lvl8pPr eaLnBrk="1" hangingPunct="1">
+              <a:defRPr>
+                <a:solidFill>
+                  <a:schemeClr val="tx2"/>
+                </a:solidFill>
+              </a:defRPr>
+            </a:lvl8pPr>
+            <a:lvl9pPr eaLnBrk="1" hangingPunct="1">
+              <a:defRPr>
+                <a:solidFill>
+                  <a:schemeClr val="tx2"/>
+                </a:solidFill>
+              </a:defRPr>
+            </a:lvl9pPr>
+          </a:lstStyle>
+          <a:p>
+            <a:r>
+              <a:rPr lang="en-US" dirty="0">
+                <a:solidFill>
+                  <a:schemeClr val="tx1"/>
+                </a:solidFill>
+              </a:rPr>
+              <a:t>Audience</a:t>
+            </a:r>
+          </a:p>
+        </p:txBody>
+      </p:sp>
     </p:spTree>
     <p:extLst>
       <p:ext uri="{BB962C8B-B14F-4D97-AF65-F5344CB8AC3E}">
@@ -14198,9 +18169,17 @@
 </p:sld>
 </file>
 
-<file path=ppt/slides/slide3.xml><?xml version="1.0" encoding="utf-8"?>
+<file path=ppt/slides/slide4.xml><?xml version="1.0" encoding="utf-8"?>
 <p:sld xmlns:a="http://schemas.openxmlformats.org/drawingml/2006/main" xmlns:r="http://schemas.openxmlformats.org/officeDocument/2006/relationships" xmlns:p="http://schemas.openxmlformats.org/presentationml/2006/main">
   <p:cSld>
+    <p:bg>
+      <p:bgPr>
+        <a:solidFill>
+          <a:schemeClr val="bg1"/>
+        </a:solidFill>
+        <a:effectLst/>
+      </p:bgPr>
+    </p:bg>
     <p:spTree>
       <p:nvGrpSpPr>
         <p:cNvPr id="1" name=""/>
@@ -14217,6 +18196,603 @@
       </p:grpSpPr>
       <p:sp>
         <p:nvSpPr>
+          <p:cNvPr id="24" name="Rectangle 12">
+            <a:extLst>
+              <a:ext uri="{FF2B5EF4-FFF2-40B4-BE49-F238E27FC236}">
+                <a16:creationId xmlns:a16="http://schemas.microsoft.com/office/drawing/2014/main" id="{643780CE-2BE5-46F6-97B2-60DF30217ED3}"/>
+              </a:ext>
+              <a:ext uri="{C183D7F6-B498-43B3-948B-1728B52AA6E4}">
+                <adec:decorative xmlns:adec="http://schemas.microsoft.com/office/drawing/2017/decorative" val="1"/>
+              </a:ext>
+            </a:extLst>
+          </p:cNvPr>
+          <p:cNvSpPr>
+            <a:spLocks noGrp="1" noRot="1" noChangeAspect="1" noMove="1" noResize="1" noEditPoints="1" noAdjustHandles="1" noChangeArrowheads="1" noChangeShapeType="1" noTextEdit="1"/>
+          </p:cNvSpPr>
+          <p:nvPr>
+            <p:extLst>
+              <p:ext uri="{386F3935-93C4-4BCD-93E2-E3B085C9AB24}">
+                <p16:designElem xmlns:p16="http://schemas.microsoft.com/office/powerpoint/2015/main" val="1"/>
+              </p:ext>
+            </p:extLst>
+          </p:nvPr>
+        </p:nvSpPr>
+        <p:spPr>
+          <a:xfrm>
+            <a:off x="0" y="0"/>
+            <a:ext cx="12192000" cy="6858000"/>
+          </a:xfrm>
+          <a:prstGeom prst="rect">
+            <a:avLst/>
+          </a:prstGeom>
+          <a:ln>
+            <a:noFill/>
+          </a:ln>
+        </p:spPr>
+        <p:style>
+          <a:lnRef idx="2">
+            <a:schemeClr val="accent1">
+              <a:shade val="50000"/>
+            </a:schemeClr>
+          </a:lnRef>
+          <a:fillRef idx="1003">
+            <a:schemeClr val="dk2"/>
+          </a:fillRef>
+          <a:effectRef idx="0">
+            <a:schemeClr val="accent1"/>
+          </a:effectRef>
+          <a:fontRef idx="minor">
+            <a:schemeClr val="lt1"/>
+          </a:fontRef>
+        </p:style>
+      </p:sp>
+      <p:sp>
+        <p:nvSpPr>
+          <p:cNvPr id="26" name="Freeform: Shape 14">
+            <a:extLst>
+              <a:ext uri="{FF2B5EF4-FFF2-40B4-BE49-F238E27FC236}">
+                <a16:creationId xmlns:a16="http://schemas.microsoft.com/office/drawing/2014/main" id="{61A87A49-68E6-459E-A5A6-46229FF42125}"/>
+              </a:ext>
+              <a:ext uri="{C183D7F6-B498-43B3-948B-1728B52AA6E4}">
+                <adec:decorative xmlns:adec="http://schemas.microsoft.com/office/drawing/2017/decorative" val="1"/>
+              </a:ext>
+            </a:extLst>
+          </p:cNvPr>
+          <p:cNvSpPr>
+            <a:spLocks noGrp="1" noRot="1" noChangeAspect="1" noMove="1" noResize="1" noEditPoints="1" noAdjustHandles="1" noChangeArrowheads="1" noChangeShapeType="1" noTextEdit="1"/>
+          </p:cNvSpPr>
+          <p:nvPr>
+            <p:extLst>
+              <p:ext uri="{386F3935-93C4-4BCD-93E2-E3B085C9AB24}">
+                <p16:designElem xmlns:p16="http://schemas.microsoft.com/office/powerpoint/2015/main" val="1"/>
+              </p:ext>
+            </p:extLst>
+          </p:nvPr>
+        </p:nvSpPr>
+        <p:spPr bwMode="gray">
+          <a:xfrm rot="16200000">
+            <a:off x="5171964" y="-140866"/>
+            <a:ext cx="6053670" cy="7139732"/>
+          </a:xfrm>
+          <a:custGeom>
+            <a:avLst/>
+            <a:gdLst>
+              <a:gd name="connsiteX0" fmla="*/ 6053670 w 6053670"/>
+              <a:gd name="connsiteY0" fmla="*/ 1098 h 7139732"/>
+              <a:gd name="connsiteX1" fmla="*/ 6053670 w 6053670"/>
+              <a:gd name="connsiteY1" fmla="*/ 1084479 h 7139732"/>
+              <a:gd name="connsiteX2" fmla="*/ 6053670 w 6053670"/>
+              <a:gd name="connsiteY2" fmla="*/ 1254558 h 7139732"/>
+              <a:gd name="connsiteX3" fmla="*/ 6053670 w 6053670"/>
+              <a:gd name="connsiteY3" fmla="*/ 7139732 h 7139732"/>
+              <a:gd name="connsiteX4" fmla="*/ 0 w 6053670"/>
+              <a:gd name="connsiteY4" fmla="*/ 7139732 h 7139732"/>
+              <a:gd name="connsiteX5" fmla="*/ 0 w 6053670"/>
+              <a:gd name="connsiteY5" fmla="*/ 1249853 h 7139732"/>
+              <a:gd name="connsiteX6" fmla="*/ 0 w 6053670"/>
+              <a:gd name="connsiteY6" fmla="*/ 1084479 h 7139732"/>
+              <a:gd name="connsiteX7" fmla="*/ 0 w 6053670"/>
+              <a:gd name="connsiteY7" fmla="*/ 0 h 7139732"/>
+              <a:gd name="connsiteX8" fmla="*/ 35717 w 6053670"/>
+              <a:gd name="connsiteY8" fmla="*/ 5488 h 7139732"/>
+              <a:gd name="connsiteX9" fmla="*/ 140445 w 6053670"/>
+              <a:gd name="connsiteY9" fmla="*/ 21641 h 7139732"/>
+              <a:gd name="connsiteX10" fmla="*/ 216722 w 6053670"/>
+              <a:gd name="connsiteY10" fmla="*/ 32932 h 7139732"/>
+              <a:gd name="connsiteX11" fmla="*/ 307527 w 6053670"/>
+              <a:gd name="connsiteY11" fmla="*/ 44850 h 7139732"/>
+              <a:gd name="connsiteX12" fmla="*/ 415282 w 6053670"/>
+              <a:gd name="connsiteY12" fmla="*/ 59121 h 7139732"/>
+              <a:gd name="connsiteX13" fmla="*/ 534539 w 6053670"/>
+              <a:gd name="connsiteY13" fmla="*/ 74175 h 7139732"/>
+              <a:gd name="connsiteX14" fmla="*/ 668931 w 6053670"/>
+              <a:gd name="connsiteY14" fmla="*/ 90014 h 7139732"/>
+              <a:gd name="connsiteX15" fmla="*/ 815430 w 6053670"/>
+              <a:gd name="connsiteY15" fmla="*/ 106794 h 7139732"/>
+              <a:gd name="connsiteX16" fmla="*/ 974641 w 6053670"/>
+              <a:gd name="connsiteY16" fmla="*/ 123574 h 7139732"/>
+              <a:gd name="connsiteX17" fmla="*/ 1144144 w 6053670"/>
+              <a:gd name="connsiteY17" fmla="*/ 140667 h 7139732"/>
+              <a:gd name="connsiteX18" fmla="*/ 1326965 w 6053670"/>
+              <a:gd name="connsiteY18" fmla="*/ 156506 h 7139732"/>
+              <a:gd name="connsiteX19" fmla="*/ 1518261 w 6053670"/>
+              <a:gd name="connsiteY19" fmla="*/ 171717 h 7139732"/>
+              <a:gd name="connsiteX20" fmla="*/ 1720453 w 6053670"/>
+              <a:gd name="connsiteY20" fmla="*/ 185518 h 7139732"/>
+              <a:gd name="connsiteX21" fmla="*/ 1931121 w 6053670"/>
+              <a:gd name="connsiteY21" fmla="*/ 198690 h 7139732"/>
+              <a:gd name="connsiteX22" fmla="*/ 2150869 w 6053670"/>
+              <a:gd name="connsiteY22" fmla="*/ 211079 h 7139732"/>
+              <a:gd name="connsiteX23" fmla="*/ 2263467 w 6053670"/>
+              <a:gd name="connsiteY23" fmla="*/ 215470 h 7139732"/>
+              <a:gd name="connsiteX24" fmla="*/ 2378487 w 6053670"/>
+              <a:gd name="connsiteY24" fmla="*/ 220332 h 7139732"/>
+              <a:gd name="connsiteX25" fmla="*/ 2495323 w 6053670"/>
+              <a:gd name="connsiteY25" fmla="*/ 224879 h 7139732"/>
+              <a:gd name="connsiteX26" fmla="*/ 2612764 w 6053670"/>
+              <a:gd name="connsiteY26" fmla="*/ 227859 h 7139732"/>
+              <a:gd name="connsiteX27" fmla="*/ 2732627 w 6053670"/>
+              <a:gd name="connsiteY27" fmla="*/ 230525 h 7139732"/>
+              <a:gd name="connsiteX28" fmla="*/ 2853700 w 6053670"/>
+              <a:gd name="connsiteY28" fmla="*/ 233348 h 7139732"/>
+              <a:gd name="connsiteX29" fmla="*/ 2977195 w 6053670"/>
+              <a:gd name="connsiteY29" fmla="*/ 235229 h 7139732"/>
+              <a:gd name="connsiteX30" fmla="*/ 3101901 w 6053670"/>
+              <a:gd name="connsiteY30" fmla="*/ 235229 h 7139732"/>
+              <a:gd name="connsiteX31" fmla="*/ 3227817 w 6053670"/>
+              <a:gd name="connsiteY31" fmla="*/ 236170 h 7139732"/>
+              <a:gd name="connsiteX32" fmla="*/ 3354944 w 6053670"/>
+              <a:gd name="connsiteY32" fmla="*/ 235229 h 7139732"/>
+              <a:gd name="connsiteX33" fmla="*/ 3483887 w 6053670"/>
+              <a:gd name="connsiteY33" fmla="*/ 233348 h 7139732"/>
+              <a:gd name="connsiteX34" fmla="*/ 3612830 w 6053670"/>
+              <a:gd name="connsiteY34" fmla="*/ 231623 h 7139732"/>
+              <a:gd name="connsiteX35" fmla="*/ 3743590 w 6053670"/>
+              <a:gd name="connsiteY35" fmla="*/ 227859 h 7139732"/>
+              <a:gd name="connsiteX36" fmla="*/ 3875560 w 6053670"/>
+              <a:gd name="connsiteY36" fmla="*/ 223938 h 7139732"/>
+              <a:gd name="connsiteX37" fmla="*/ 4007530 w 6053670"/>
+              <a:gd name="connsiteY37" fmla="*/ 219391 h 7139732"/>
+              <a:gd name="connsiteX38" fmla="*/ 4140710 w 6053670"/>
+              <a:gd name="connsiteY38" fmla="*/ 212961 h 7139732"/>
+              <a:gd name="connsiteX39" fmla="*/ 4275102 w 6053670"/>
+              <a:gd name="connsiteY39" fmla="*/ 205277 h 7139732"/>
+              <a:gd name="connsiteX40" fmla="*/ 4410098 w 6053670"/>
+              <a:gd name="connsiteY40" fmla="*/ 197907 h 7139732"/>
+              <a:gd name="connsiteX41" fmla="*/ 4545096 w 6053670"/>
+              <a:gd name="connsiteY41" fmla="*/ 188498 h 7139732"/>
+              <a:gd name="connsiteX42" fmla="*/ 4681909 w 6053670"/>
+              <a:gd name="connsiteY42" fmla="*/ 177207 h 7139732"/>
+              <a:gd name="connsiteX43" fmla="*/ 4816905 w 6053670"/>
+              <a:gd name="connsiteY43" fmla="*/ 165916 h 7139732"/>
+              <a:gd name="connsiteX44" fmla="*/ 4954323 w 6053670"/>
+              <a:gd name="connsiteY44" fmla="*/ 152899 h 7139732"/>
+              <a:gd name="connsiteX45" fmla="*/ 5092347 w 6053670"/>
+              <a:gd name="connsiteY45" fmla="*/ 138629 h 7139732"/>
+              <a:gd name="connsiteX46" fmla="*/ 5228555 w 6053670"/>
+              <a:gd name="connsiteY46" fmla="*/ 123574 h 7139732"/>
+              <a:gd name="connsiteX47" fmla="*/ 5366578 w 6053670"/>
+              <a:gd name="connsiteY47" fmla="*/ 106010 h 7139732"/>
+              <a:gd name="connsiteX48" fmla="*/ 5503997 w 6053670"/>
+              <a:gd name="connsiteY48" fmla="*/ 87192 h 7139732"/>
+              <a:gd name="connsiteX49" fmla="*/ 5642020 w 6053670"/>
+              <a:gd name="connsiteY49" fmla="*/ 68530 h 7139732"/>
+              <a:gd name="connsiteX50" fmla="*/ 5779438 w 6053670"/>
+              <a:gd name="connsiteY50" fmla="*/ 46733 h 7139732"/>
+              <a:gd name="connsiteX51" fmla="*/ 5916251 w 6053670"/>
+              <a:gd name="connsiteY51" fmla="*/ 24464 h 7139732"/>
+            </a:gdLst>
+            <a:ahLst/>
+            <a:cxnLst>
+              <a:cxn ang="0">
+                <a:pos x="connsiteX0" y="connsiteY0"/>
+              </a:cxn>
+              <a:cxn ang="0">
+                <a:pos x="connsiteX1" y="connsiteY1"/>
+              </a:cxn>
+              <a:cxn ang="0">
+                <a:pos x="connsiteX2" y="connsiteY2"/>
+              </a:cxn>
+              <a:cxn ang="0">
+                <a:pos x="connsiteX3" y="connsiteY3"/>
+              </a:cxn>
+              <a:cxn ang="0">
+                <a:pos x="connsiteX4" y="connsiteY4"/>
+              </a:cxn>
+              <a:cxn ang="0">
+                <a:pos x="connsiteX5" y="connsiteY5"/>
+              </a:cxn>
+              <a:cxn ang="0">
+                <a:pos x="connsiteX6" y="connsiteY6"/>
+              </a:cxn>
+              <a:cxn ang="0">
+                <a:pos x="connsiteX7" y="connsiteY7"/>
+              </a:cxn>
+              <a:cxn ang="0">
+                <a:pos x="connsiteX8" y="connsiteY8"/>
+              </a:cxn>
+              <a:cxn ang="0">
+                <a:pos x="connsiteX9" y="connsiteY9"/>
+              </a:cxn>
+              <a:cxn ang="0">
+                <a:pos x="connsiteX10" y="connsiteY10"/>
+              </a:cxn>
+              <a:cxn ang="0">
+                <a:pos x="connsiteX11" y="connsiteY11"/>
+              </a:cxn>
+              <a:cxn ang="0">
+                <a:pos x="connsiteX12" y="connsiteY12"/>
+              </a:cxn>
+              <a:cxn ang="0">
+                <a:pos x="connsiteX13" y="connsiteY13"/>
+              </a:cxn>
+              <a:cxn ang="0">
+                <a:pos x="connsiteX14" y="connsiteY14"/>
+              </a:cxn>
+              <a:cxn ang="0">
+                <a:pos x="connsiteX15" y="connsiteY15"/>
+              </a:cxn>
+              <a:cxn ang="0">
+                <a:pos x="connsiteX16" y="connsiteY16"/>
+              </a:cxn>
+              <a:cxn ang="0">
+                <a:pos x="connsiteX17" y="connsiteY17"/>
+              </a:cxn>
+              <a:cxn ang="0">
+                <a:pos x="connsiteX18" y="connsiteY18"/>
+              </a:cxn>
+              <a:cxn ang="0">
+                <a:pos x="connsiteX19" y="connsiteY19"/>
+              </a:cxn>
+              <a:cxn ang="0">
+                <a:pos x="connsiteX20" y="connsiteY20"/>
+              </a:cxn>
+              <a:cxn ang="0">
+                <a:pos x="connsiteX21" y="connsiteY21"/>
+              </a:cxn>
+              <a:cxn ang="0">
+                <a:pos x="connsiteX22" y="connsiteY22"/>
+              </a:cxn>
+              <a:cxn ang="0">
+                <a:pos x="connsiteX23" y="connsiteY23"/>
+              </a:cxn>
+              <a:cxn ang="0">
+                <a:pos x="connsiteX24" y="connsiteY24"/>
+              </a:cxn>
+              <a:cxn ang="0">
+                <a:pos x="connsiteX25" y="connsiteY25"/>
+              </a:cxn>
+              <a:cxn ang="0">
+                <a:pos x="connsiteX26" y="connsiteY26"/>
+              </a:cxn>
+              <a:cxn ang="0">
+                <a:pos x="connsiteX27" y="connsiteY27"/>
+              </a:cxn>
+              <a:cxn ang="0">
+                <a:pos x="connsiteX28" y="connsiteY28"/>
+              </a:cxn>
+              <a:cxn ang="0">
+                <a:pos x="connsiteX29" y="connsiteY29"/>
+              </a:cxn>
+              <a:cxn ang="0">
+                <a:pos x="connsiteX30" y="connsiteY30"/>
+              </a:cxn>
+              <a:cxn ang="0">
+                <a:pos x="connsiteX31" y="connsiteY31"/>
+              </a:cxn>
+              <a:cxn ang="0">
+                <a:pos x="connsiteX32" y="connsiteY32"/>
+              </a:cxn>
+              <a:cxn ang="0">
+                <a:pos x="connsiteX33" y="connsiteY33"/>
+              </a:cxn>
+              <a:cxn ang="0">
+                <a:pos x="connsiteX34" y="connsiteY34"/>
+              </a:cxn>
+              <a:cxn ang="0">
+                <a:pos x="connsiteX35" y="connsiteY35"/>
+              </a:cxn>
+              <a:cxn ang="0">
+                <a:pos x="connsiteX36" y="connsiteY36"/>
+              </a:cxn>
+              <a:cxn ang="0">
+                <a:pos x="connsiteX37" y="connsiteY37"/>
+              </a:cxn>
+              <a:cxn ang="0">
+                <a:pos x="connsiteX38" y="connsiteY38"/>
+              </a:cxn>
+              <a:cxn ang="0">
+                <a:pos x="connsiteX39" y="connsiteY39"/>
+              </a:cxn>
+              <a:cxn ang="0">
+                <a:pos x="connsiteX40" y="connsiteY40"/>
+              </a:cxn>
+              <a:cxn ang="0">
+                <a:pos x="connsiteX41" y="connsiteY41"/>
+              </a:cxn>
+              <a:cxn ang="0">
+                <a:pos x="connsiteX42" y="connsiteY42"/>
+              </a:cxn>
+              <a:cxn ang="0">
+                <a:pos x="connsiteX43" y="connsiteY43"/>
+              </a:cxn>
+              <a:cxn ang="0">
+                <a:pos x="connsiteX44" y="connsiteY44"/>
+              </a:cxn>
+              <a:cxn ang="0">
+                <a:pos x="connsiteX45" y="connsiteY45"/>
+              </a:cxn>
+              <a:cxn ang="0">
+                <a:pos x="connsiteX46" y="connsiteY46"/>
+              </a:cxn>
+              <a:cxn ang="0">
+                <a:pos x="connsiteX47" y="connsiteY47"/>
+              </a:cxn>
+              <a:cxn ang="0">
+                <a:pos x="connsiteX48" y="connsiteY48"/>
+              </a:cxn>
+              <a:cxn ang="0">
+                <a:pos x="connsiteX49" y="connsiteY49"/>
+              </a:cxn>
+              <a:cxn ang="0">
+                <a:pos x="connsiteX50" y="connsiteY50"/>
+              </a:cxn>
+              <a:cxn ang="0">
+                <a:pos x="connsiteX51" y="connsiteY51"/>
+              </a:cxn>
+            </a:cxnLst>
+            <a:rect l="l" t="t" r="r" b="b"/>
+            <a:pathLst>
+              <a:path w="6053670" h="7139732">
+                <a:moveTo>
+                  <a:pt x="6053670" y="1098"/>
+                </a:moveTo>
+                <a:lnTo>
+                  <a:pt x="6053670" y="1084479"/>
+                </a:lnTo>
+                <a:lnTo>
+                  <a:pt x="6053670" y="1254558"/>
+                </a:lnTo>
+                <a:lnTo>
+                  <a:pt x="6053670" y="7139732"/>
+                </a:lnTo>
+                <a:lnTo>
+                  <a:pt x="0" y="7139732"/>
+                </a:lnTo>
+                <a:lnTo>
+                  <a:pt x="0" y="1249853"/>
+                </a:lnTo>
+                <a:lnTo>
+                  <a:pt x="0" y="1084479"/>
+                </a:lnTo>
+                <a:lnTo>
+                  <a:pt x="0" y="0"/>
+                </a:lnTo>
+                <a:lnTo>
+                  <a:pt x="35717" y="5488"/>
+                </a:lnTo>
+                <a:lnTo>
+                  <a:pt x="140445" y="21641"/>
+                </a:lnTo>
+                <a:lnTo>
+                  <a:pt x="216722" y="32932"/>
+                </a:lnTo>
+                <a:lnTo>
+                  <a:pt x="307527" y="44850"/>
+                </a:lnTo>
+                <a:lnTo>
+                  <a:pt x="415282" y="59121"/>
+                </a:lnTo>
+                <a:lnTo>
+                  <a:pt x="534539" y="74175"/>
+                </a:lnTo>
+                <a:lnTo>
+                  <a:pt x="668931" y="90014"/>
+                </a:lnTo>
+                <a:lnTo>
+                  <a:pt x="815430" y="106794"/>
+                </a:lnTo>
+                <a:lnTo>
+                  <a:pt x="974641" y="123574"/>
+                </a:lnTo>
+                <a:lnTo>
+                  <a:pt x="1144144" y="140667"/>
+                </a:lnTo>
+                <a:lnTo>
+                  <a:pt x="1326965" y="156506"/>
+                </a:lnTo>
+                <a:lnTo>
+                  <a:pt x="1518261" y="171717"/>
+                </a:lnTo>
+                <a:lnTo>
+                  <a:pt x="1720453" y="185518"/>
+                </a:lnTo>
+                <a:lnTo>
+                  <a:pt x="1931121" y="198690"/>
+                </a:lnTo>
+                <a:lnTo>
+                  <a:pt x="2150869" y="211079"/>
+                </a:lnTo>
+                <a:lnTo>
+                  <a:pt x="2263467" y="215470"/>
+                </a:lnTo>
+                <a:lnTo>
+                  <a:pt x="2378487" y="220332"/>
+                </a:lnTo>
+                <a:lnTo>
+                  <a:pt x="2495323" y="224879"/>
+                </a:lnTo>
+                <a:lnTo>
+                  <a:pt x="2612764" y="227859"/>
+                </a:lnTo>
+                <a:lnTo>
+                  <a:pt x="2732627" y="230525"/>
+                </a:lnTo>
+                <a:lnTo>
+                  <a:pt x="2853700" y="233348"/>
+                </a:lnTo>
+                <a:lnTo>
+                  <a:pt x="2977195" y="235229"/>
+                </a:lnTo>
+                <a:lnTo>
+                  <a:pt x="3101901" y="235229"/>
+                </a:lnTo>
+                <a:lnTo>
+                  <a:pt x="3227817" y="236170"/>
+                </a:lnTo>
+                <a:lnTo>
+                  <a:pt x="3354944" y="235229"/>
+                </a:lnTo>
+                <a:lnTo>
+                  <a:pt x="3483887" y="233348"/>
+                </a:lnTo>
+                <a:lnTo>
+                  <a:pt x="3612830" y="231623"/>
+                </a:lnTo>
+                <a:lnTo>
+                  <a:pt x="3743590" y="227859"/>
+                </a:lnTo>
+                <a:lnTo>
+                  <a:pt x="3875560" y="223938"/>
+                </a:lnTo>
+                <a:lnTo>
+                  <a:pt x="4007530" y="219391"/>
+                </a:lnTo>
+                <a:lnTo>
+                  <a:pt x="4140710" y="212961"/>
+                </a:lnTo>
+                <a:lnTo>
+                  <a:pt x="4275102" y="205277"/>
+                </a:lnTo>
+                <a:lnTo>
+                  <a:pt x="4410098" y="197907"/>
+                </a:lnTo>
+                <a:lnTo>
+                  <a:pt x="4545096" y="188498"/>
+                </a:lnTo>
+                <a:lnTo>
+                  <a:pt x="4681909" y="177207"/>
+                </a:lnTo>
+                <a:lnTo>
+                  <a:pt x="4816905" y="165916"/>
+                </a:lnTo>
+                <a:lnTo>
+                  <a:pt x="4954323" y="152899"/>
+                </a:lnTo>
+                <a:lnTo>
+                  <a:pt x="5092347" y="138629"/>
+                </a:lnTo>
+                <a:lnTo>
+                  <a:pt x="5228555" y="123574"/>
+                </a:lnTo>
+                <a:lnTo>
+                  <a:pt x="5366578" y="106010"/>
+                </a:lnTo>
+                <a:lnTo>
+                  <a:pt x="5503997" y="87192"/>
+                </a:lnTo>
+                <a:lnTo>
+                  <a:pt x="5642020" y="68530"/>
+                </a:lnTo>
+                <a:lnTo>
+                  <a:pt x="5779438" y="46733"/>
+                </a:lnTo>
+                <a:lnTo>
+                  <a:pt x="5916251" y="24464"/>
+                </a:lnTo>
+                <a:close/>
+              </a:path>
+            </a:pathLst>
+          </a:custGeom>
+          <a:solidFill>
+            <a:schemeClr val="tx1"/>
+          </a:solidFill>
+          <a:ln>
+            <a:noFill/>
+          </a:ln>
+        </p:spPr>
+      </p:sp>
+      <p:sp>
+        <p:nvSpPr>
+          <p:cNvPr id="27" name="Freeform 5">
+            <a:extLst>
+              <a:ext uri="{FF2B5EF4-FFF2-40B4-BE49-F238E27FC236}">
+                <a16:creationId xmlns:a16="http://schemas.microsoft.com/office/drawing/2014/main" id="{F6ACD5FC-CAFE-48EB-B765-60EED2E052F0}"/>
+              </a:ext>
+              <a:ext uri="{C183D7F6-B498-43B3-948B-1728B52AA6E4}">
+                <adec:decorative xmlns:adec="http://schemas.microsoft.com/office/drawing/2017/decorative" val="1"/>
+              </a:ext>
+            </a:extLst>
+          </p:cNvPr>
+          <p:cNvSpPr>
+            <a:spLocks noGrp="1" noRot="1" noChangeAspect="1" noMove="1" noResize="1" noEditPoints="1" noAdjustHandles="1" noChangeArrowheads="1" noChangeShapeType="1" noTextEdit="1"/>
+          </p:cNvSpPr>
+          <p:nvPr>
+            <p:extLst>
+              <p:ext uri="{386F3935-93C4-4BCD-93E2-E3B085C9AB24}">
+                <p16:designElem xmlns:p16="http://schemas.microsoft.com/office/powerpoint/2015/main" val="1"/>
+              </p:ext>
+            </p:extLst>
+          </p:nvPr>
+        </p:nvSpPr>
+        <p:spPr bwMode="gray">
+          <a:xfrm>
+            <a:off x="0" y="1587"/>
+            <a:ext cx="12192000" cy="6856413"/>
+          </a:xfrm>
+          <a:custGeom>
+            <a:avLst/>
+            <a:gdLst/>
+            <a:ahLst/>
+            <a:cxnLst/>
+            <a:rect l="0" t="0" r="r" b="b"/>
+            <a:pathLst>
+              <a:path w="15356" h="8638">
+                <a:moveTo>
+                  <a:pt x="0" y="0"/>
+                </a:moveTo>
+                <a:lnTo>
+                  <a:pt x="0" y="8638"/>
+                </a:lnTo>
+                <a:lnTo>
+                  <a:pt x="15356" y="8638"/>
+                </a:lnTo>
+                <a:lnTo>
+                  <a:pt x="15356" y="0"/>
+                </a:lnTo>
+                <a:lnTo>
+                  <a:pt x="0" y="0"/>
+                </a:lnTo>
+                <a:close/>
+                <a:moveTo>
+                  <a:pt x="14748" y="8038"/>
+                </a:moveTo>
+                <a:lnTo>
+                  <a:pt x="600" y="8038"/>
+                </a:lnTo>
+                <a:lnTo>
+                  <a:pt x="600" y="592"/>
+                </a:lnTo>
+                <a:lnTo>
+                  <a:pt x="14748" y="592"/>
+                </a:lnTo>
+                <a:lnTo>
+                  <a:pt x="14748" y="8038"/>
+                </a:lnTo>
+                <a:close/>
+              </a:path>
+            </a:pathLst>
+          </a:custGeom>
+          <a:solidFill>
+            <a:schemeClr val="tx1"/>
+          </a:solidFill>
+          <a:ln>
+            <a:noFill/>
+          </a:ln>
+        </p:spPr>
+      </p:sp>
+      <p:sp>
+        <p:nvSpPr>
           <p:cNvPr id="2" name="Title 1">
             <a:extLst>
               <a:ext uri="{FF2B5EF4-FFF2-40B4-BE49-F238E27FC236}">
@@ -14231,22 +18807,35 @@
             <p:ph type="title"/>
           </p:nvPr>
         </p:nvSpPr>
-        <p:spPr/>
+        <p:spPr>
+          <a:xfrm>
+            <a:off x="1154955" y="973668"/>
+            <a:ext cx="2942210" cy="1020232"/>
+          </a:xfrm>
+        </p:spPr>
         <p:txBody>
-          <a:bodyPr/>
+          <a:bodyPr vert="horz" lIns="91440" tIns="45720" rIns="91440" bIns="45720" rtlCol="0" anchor="ctr">
+            <a:normAutofit/>
+          </a:bodyPr>
           <a:lstStyle/>
           <a:p>
             <a:r>
-              <a:rPr lang="en-US" dirty="0"/>
+              <a:rPr lang="en-US" sz="3300" b="0" i="0" kern="1200">
+                <a:solidFill>
+                  <a:srgbClr val="EBEBEB"/>
+                </a:solidFill>
+                <a:latin typeface="+mj-lt"/>
+                <a:ea typeface="+mj-ea"/>
+                <a:cs typeface="+mj-cs"/>
+              </a:rPr>
               <a:t>Initial Screen</a:t>
             </a:r>
-            <a:endParaRPr lang="en-CA" dirty="0"/>
           </a:p>
         </p:txBody>
       </p:sp>
       <p:pic>
         <p:nvPicPr>
-          <p:cNvPr id="5" name="Picture 4">
+          <p:cNvPr id="5" name="Picture 4" descr="Waterfall chart&#10;&#10;Description automatically generated">
             <a:extLst>
               <a:ext uri="{FF2B5EF4-FFF2-40B4-BE49-F238E27FC236}">
                 <a16:creationId xmlns:a16="http://schemas.microsoft.com/office/drawing/2014/main" id="{99577ABF-4107-46BB-B59D-D3BB97B84E1B}"/>
@@ -14265,14 +18854,215 @@
         </p:blipFill>
         <p:spPr>
           <a:xfrm>
-            <a:off x="0" y="2603500"/>
-            <a:ext cx="5445927" cy="3579186"/>
+            <a:off x="5194607" y="1335870"/>
+            <a:ext cx="6391533" cy="4186260"/>
           </a:xfrm>
           <a:prstGeom prst="rect">
             <a:avLst/>
           </a:prstGeom>
         </p:spPr>
       </p:pic>
+      <p:sp>
+        <p:nvSpPr>
+          <p:cNvPr id="28" name="Rectangle 18">
+            <a:extLst>
+              <a:ext uri="{FF2B5EF4-FFF2-40B4-BE49-F238E27FC236}">
+                <a16:creationId xmlns:a16="http://schemas.microsoft.com/office/drawing/2014/main" id="{9F33B405-D785-4738-B1C0-6A0AA5E98286}"/>
+              </a:ext>
+              <a:ext uri="{C183D7F6-B498-43B3-948B-1728B52AA6E4}">
+                <adec:decorative xmlns:adec="http://schemas.microsoft.com/office/drawing/2017/decorative" val="1"/>
+              </a:ext>
+            </a:extLst>
+          </p:cNvPr>
+          <p:cNvSpPr>
+            <a:spLocks noGrp="1" noRot="1" noChangeAspect="1" noMove="1" noResize="1" noEditPoints="1" noAdjustHandles="1" noChangeArrowheads="1" noChangeShapeType="1" noTextEdit="1"/>
+          </p:cNvSpPr>
+          <p:nvPr>
+            <p:extLst>
+              <p:ext uri="{386F3935-93C4-4BCD-93E2-E3B085C9AB24}">
+                <p16:designElem xmlns:p16="http://schemas.microsoft.com/office/powerpoint/2015/main" val="1"/>
+              </p:ext>
+            </p:extLst>
+          </p:nvPr>
+        </p:nvSpPr>
+        <p:spPr>
+          <a:xfrm>
+            <a:off x="10437812" y="0"/>
+            <a:ext cx="685800" cy="1143000"/>
+          </a:xfrm>
+          <a:prstGeom prst="rect">
+            <a:avLst/>
+          </a:prstGeom>
+          <a:solidFill>
+            <a:schemeClr val="accent1"/>
+          </a:solidFill>
+          <a:ln>
+            <a:noFill/>
+          </a:ln>
+        </p:spPr>
+        <p:style>
+          <a:lnRef idx="1">
+            <a:schemeClr val="accent1"/>
+          </a:lnRef>
+          <a:fillRef idx="3">
+            <a:schemeClr val="accent1"/>
+          </a:fillRef>
+          <a:effectRef idx="2">
+            <a:schemeClr val="accent1"/>
+          </a:effectRef>
+          <a:fontRef idx="minor">
+            <a:schemeClr val="lt1"/>
+          </a:fontRef>
+        </p:style>
+      </p:sp>
+      <p:sp>
+        <p:nvSpPr>
+          <p:cNvPr id="29" name="Oval 20">
+            <a:extLst>
+              <a:ext uri="{FF2B5EF4-FFF2-40B4-BE49-F238E27FC236}">
+                <a16:creationId xmlns:a16="http://schemas.microsoft.com/office/drawing/2014/main" id="{4233DC0E-DE6C-4FB6-A529-51B162641AB8}"/>
+              </a:ext>
+              <a:ext uri="{C183D7F6-B498-43B3-948B-1728B52AA6E4}">
+                <adec:decorative xmlns:adec="http://schemas.microsoft.com/office/drawing/2017/decorative" val="1"/>
+              </a:ext>
+            </a:extLst>
+          </p:cNvPr>
+          <p:cNvSpPr>
+            <a:spLocks noGrp="1" noRot="1" noChangeAspect="1" noMove="1" noResize="1" noEditPoints="1" noAdjustHandles="1" noChangeArrowheads="1" noChangeShapeType="1" noTextEdit="1"/>
+          </p:cNvSpPr>
+          <p:nvPr>
+            <p:extLst>
+              <p:ext uri="{386F3935-93C4-4BCD-93E2-E3B085C9AB24}">
+                <p16:designElem xmlns:p16="http://schemas.microsoft.com/office/powerpoint/2015/main" val="1"/>
+              </p:ext>
+            </p:extLst>
+          </p:nvPr>
+        </p:nvSpPr>
+        <p:spPr>
+          <a:xfrm>
+            <a:off x="0" y="2667000"/>
+            <a:ext cx="4191000" cy="4191000"/>
+          </a:xfrm>
+          <a:prstGeom prst="ellipse">
+            <a:avLst/>
+          </a:prstGeom>
+          <a:gradFill flip="none" rotWithShape="1">
+            <a:gsLst>
+              <a:gs pos="0">
+                <a:schemeClr val="accent5">
+                  <a:alpha val="11000"/>
+                </a:schemeClr>
+              </a:gs>
+              <a:gs pos="75000">
+                <a:schemeClr val="accent5">
+                  <a:alpha val="0"/>
+                </a:schemeClr>
+              </a:gs>
+              <a:gs pos="36000">
+                <a:schemeClr val="accent5">
+                  <a:alpha val="10000"/>
+                </a:schemeClr>
+              </a:gs>
+            </a:gsLst>
+            <a:path path="circle">
+              <a:fillToRect l="50000" t="50000" r="50000" b="50000"/>
+            </a:path>
+            <a:tileRect/>
+          </a:gradFill>
+          <a:ln>
+            <a:noFill/>
+          </a:ln>
+          <a:effectLst/>
+        </p:spPr>
+        <p:style>
+          <a:lnRef idx="1">
+            <a:schemeClr val="accent1"/>
+          </a:lnRef>
+          <a:fillRef idx="3">
+            <a:schemeClr val="accent1"/>
+          </a:fillRef>
+          <a:effectRef idx="2">
+            <a:schemeClr val="accent1"/>
+          </a:effectRef>
+          <a:fontRef idx="minor">
+            <a:schemeClr val="lt1"/>
+          </a:fontRef>
+        </p:style>
+      </p:sp>
+      <p:sp>
+        <p:nvSpPr>
+          <p:cNvPr id="23" name="Oval 22">
+            <a:extLst>
+              <a:ext uri="{FF2B5EF4-FFF2-40B4-BE49-F238E27FC236}">
+                <a16:creationId xmlns:a16="http://schemas.microsoft.com/office/drawing/2014/main" id="{3870477F-E451-4BC3-863F-0E2FC572884B}"/>
+              </a:ext>
+              <a:ext uri="{C183D7F6-B498-43B3-948B-1728B52AA6E4}">
+                <adec:decorative xmlns:adec="http://schemas.microsoft.com/office/drawing/2017/decorative" val="1"/>
+              </a:ext>
+            </a:extLst>
+          </p:cNvPr>
+          <p:cNvSpPr>
+            <a:spLocks noGrp="1" noRot="1" noChangeAspect="1" noMove="1" noResize="1" noEditPoints="1" noAdjustHandles="1" noChangeArrowheads="1" noChangeShapeType="1" noTextEdit="1"/>
+          </p:cNvSpPr>
+          <p:nvPr>
+            <p:extLst>
+              <p:ext uri="{386F3935-93C4-4BCD-93E2-E3B085C9AB24}">
+                <p16:designElem xmlns:p16="http://schemas.microsoft.com/office/powerpoint/2015/main" val="1"/>
+              </p:ext>
+            </p:extLst>
+          </p:nvPr>
+        </p:nvSpPr>
+        <p:spPr>
+          <a:xfrm>
+            <a:off x="0" y="2895600"/>
+            <a:ext cx="2362200" cy="2362200"/>
+          </a:xfrm>
+          <a:prstGeom prst="ellipse">
+            <a:avLst/>
+          </a:prstGeom>
+          <a:gradFill flip="none" rotWithShape="1">
+            <a:gsLst>
+              <a:gs pos="0">
+                <a:schemeClr val="accent5">
+                  <a:alpha val="8000"/>
+                </a:schemeClr>
+              </a:gs>
+              <a:gs pos="72000">
+                <a:schemeClr val="accent5">
+                  <a:alpha val="0"/>
+                </a:schemeClr>
+              </a:gs>
+              <a:gs pos="36000">
+                <a:schemeClr val="accent5">
+                  <a:alpha val="8000"/>
+                </a:schemeClr>
+              </a:gs>
+            </a:gsLst>
+            <a:path path="circle">
+              <a:fillToRect l="50000" t="50000" r="50000" b="50000"/>
+            </a:path>
+            <a:tileRect/>
+          </a:gradFill>
+          <a:ln>
+            <a:noFill/>
+          </a:ln>
+          <a:effectLst/>
+        </p:spPr>
+        <p:style>
+          <a:lnRef idx="1">
+            <a:schemeClr val="accent1"/>
+          </a:lnRef>
+          <a:fillRef idx="3">
+            <a:schemeClr val="accent1"/>
+          </a:fillRef>
+          <a:effectRef idx="2">
+            <a:schemeClr val="accent1"/>
+          </a:effectRef>
+          <a:fontRef idx="minor">
+            <a:schemeClr val="lt1"/>
+          </a:fontRef>
+        </p:style>
+      </p:sp>
       <p:sp>
         <p:nvSpPr>
           <p:cNvPr id="8" name="TextBox 7">
@@ -14287,8 +19077,8 @@
         </p:nvSpPr>
         <p:spPr>
           <a:xfrm>
-            <a:off x="5248783" y="2864141"/>
-            <a:ext cx="6671974" cy="3318545"/>
+            <a:off x="1154955" y="2120900"/>
+            <a:ext cx="3133726" cy="3898900"/>
           </a:xfrm>
           <a:prstGeom prst="rect">
             <a:avLst/>
@@ -14312,8 +19102,12 @@
               <a:buChar char=""/>
             </a:pPr>
             <a:r>
-              <a:rPr lang="en-US" sz="2400" dirty="0"/>
-              <a:t>Date search by asteroid’s close approach date to earth</a:t>
+              <a:rPr lang="en-US" sz="2000" dirty="0">
+                <a:solidFill>
+                  <a:srgbClr val="FFFFFF"/>
+                </a:solidFill>
+              </a:rPr>
+              <a:t>Search by asteroid’s close approach date to earth</a:t>
             </a:r>
           </a:p>
           <a:p>
@@ -14328,7 +19122,11 @@
               <a:buFont typeface="Wingdings 3" charset="2"/>
               <a:buChar char=""/>
             </a:pPr>
-            <a:endParaRPr lang="en-US" sz="2400" dirty="0"/>
+            <a:endParaRPr lang="en-US" sz="2000" dirty="0">
+              <a:solidFill>
+                <a:srgbClr val="FFFFFF"/>
+              </a:solidFill>
+            </a:endParaRPr>
           </a:p>
           <a:p>
             <a:pPr marL="285750" indent="-285750">
@@ -14342,7 +19140,14 @@
               <a:buFont typeface="Wingdings 3" charset="2"/>
               <a:buChar char=""/>
             </a:pPr>
-            <a:endParaRPr lang="en-US" dirty="0"/>
+            <a:r>
+              <a:rPr lang="en-US" sz="2000" dirty="0">
+                <a:solidFill>
+                  <a:srgbClr val="FFFFFF"/>
+                </a:solidFill>
+              </a:rPr>
+              <a:t>Plan: Add more search criteria (size, distance, etc.)</a:t>
+            </a:r>
           </a:p>
           <a:p>
             <a:pPr marL="285750" indent="-285750">
@@ -14356,7 +19161,11 @@
               <a:buFont typeface="Wingdings 3" charset="2"/>
               <a:buChar char=""/>
             </a:pPr>
-            <a:endParaRPr lang="en-US" dirty="0"/>
+            <a:endParaRPr lang="en-US" dirty="0">
+              <a:solidFill>
+                <a:srgbClr val="FFFFFF"/>
+              </a:solidFill>
+            </a:endParaRPr>
           </a:p>
           <a:p>
             <a:pPr marL="285750" indent="-285750">
@@ -14370,7 +19179,11 @@
               <a:buFont typeface="Wingdings 3" charset="2"/>
               <a:buChar char=""/>
             </a:pPr>
-            <a:endParaRPr lang="en-US" dirty="0"/>
+            <a:endParaRPr lang="en-US" dirty="0">
+              <a:solidFill>
+                <a:srgbClr val="FFFFFF"/>
+              </a:solidFill>
+            </a:endParaRPr>
           </a:p>
           <a:p>
             <a:pPr marL="285750" indent="-285750">
@@ -14384,9 +19197,213 @@
               <a:buFont typeface="Wingdings 3" charset="2"/>
               <a:buChar char=""/>
             </a:pPr>
-            <a:endParaRPr lang="en-US" dirty="0"/>
+            <a:endParaRPr lang="en-US" dirty="0">
+              <a:solidFill>
+                <a:srgbClr val="FFFFFF"/>
+              </a:solidFill>
+            </a:endParaRPr>
+          </a:p>
+          <a:p>
+            <a:pPr marL="285750" indent="-285750">
+              <a:spcBef>
+                <a:spcPts val="1000"/>
+              </a:spcBef>
+              <a:buClr>
+                <a:schemeClr val="accent1"/>
+              </a:buClr>
+              <a:buSzPct val="80000"/>
+              <a:buFont typeface="Wingdings 3" charset="2"/>
+              <a:buChar char=""/>
+            </a:pPr>
+            <a:endParaRPr lang="en-US" dirty="0">
+              <a:solidFill>
+                <a:srgbClr val="FFFFFF"/>
+              </a:solidFill>
+            </a:endParaRPr>
+          </a:p>
+          <a:p>
+            <a:pPr marL="285750" indent="-285750">
+              <a:spcBef>
+                <a:spcPts val="1000"/>
+              </a:spcBef>
+              <a:buClr>
+                <a:schemeClr val="accent1"/>
+              </a:buClr>
+              <a:buSzPct val="80000"/>
+              <a:buFont typeface="Wingdings 3" charset="2"/>
+              <a:buChar char=""/>
+            </a:pPr>
+            <a:endParaRPr lang="en-US" dirty="0">
+              <a:solidFill>
+                <a:srgbClr val="FFFFFF"/>
+              </a:solidFill>
+            </a:endParaRPr>
           </a:p>
         </p:txBody>
+      </p:sp>
+      <p:sp>
+        <p:nvSpPr>
+          <p:cNvPr id="25" name="Freeform 5">
+            <a:extLst>
+              <a:ext uri="{FF2B5EF4-FFF2-40B4-BE49-F238E27FC236}">
+                <a16:creationId xmlns:a16="http://schemas.microsoft.com/office/drawing/2014/main" id="{B4A81DE1-E2BC-4A31-99EE-71350421B0EA}"/>
+              </a:ext>
+              <a:ext uri="{C183D7F6-B498-43B3-948B-1728B52AA6E4}">
+                <adec:decorative xmlns:adec="http://schemas.microsoft.com/office/drawing/2017/decorative" val="1"/>
+              </a:ext>
+            </a:extLst>
+          </p:cNvPr>
+          <p:cNvSpPr>
+            <a:spLocks noGrp="1" noRot="1" noChangeAspect="1" noMove="1" noResize="1" noEditPoints="1" noAdjustHandles="1" noChangeArrowheads="1" noChangeShapeType="1" noTextEdit="1"/>
+          </p:cNvSpPr>
+          <p:nvPr>
+            <p:extLst>
+              <p:ext uri="{386F3935-93C4-4BCD-93E2-E3B085C9AB24}">
+                <p16:designElem xmlns:p16="http://schemas.microsoft.com/office/powerpoint/2015/main" val="1"/>
+              </p:ext>
+            </p:extLst>
+          </p:nvPr>
+        </p:nvSpPr>
+        <p:spPr bwMode="gray">
+          <a:xfrm rot="15922489">
+            <a:off x="3140485" y="1826078"/>
+            <a:ext cx="3299407" cy="440924"/>
+          </a:xfrm>
+          <a:custGeom>
+            <a:avLst/>
+            <a:gdLst/>
+            <a:ahLst/>
+            <a:cxnLst/>
+            <a:rect l="l" t="t" r="r" b="b"/>
+            <a:pathLst>
+              <a:path w="10000" h="5291">
+                <a:moveTo>
+                  <a:pt x="85" y="2532"/>
+                </a:moveTo>
+                <a:cubicBezTo>
+                  <a:pt x="1736" y="3911"/>
+                  <a:pt x="7524" y="5298"/>
+                  <a:pt x="9958" y="5291"/>
+                </a:cubicBezTo>
+                <a:cubicBezTo>
+                  <a:pt x="9989" y="1958"/>
+                  <a:pt x="9969" y="3333"/>
+                  <a:pt x="10000" y="0"/>
+                </a:cubicBezTo>
+                <a:lnTo>
+                  <a:pt x="10000" y="0"/>
+                </a:lnTo>
+                <a:lnTo>
+                  <a:pt x="9667" y="204"/>
+                </a:lnTo>
+                <a:lnTo>
+                  <a:pt x="9334" y="400"/>
+                </a:lnTo>
+                <a:lnTo>
+                  <a:pt x="9001" y="590"/>
+                </a:lnTo>
+                <a:lnTo>
+                  <a:pt x="8667" y="753"/>
+                </a:lnTo>
+                <a:lnTo>
+                  <a:pt x="8333" y="917"/>
+                </a:lnTo>
+                <a:lnTo>
+                  <a:pt x="7999" y="1071"/>
+                </a:lnTo>
+                <a:lnTo>
+                  <a:pt x="7669" y="1202"/>
+                </a:lnTo>
+                <a:lnTo>
+                  <a:pt x="7333" y="1325"/>
+                </a:lnTo>
+                <a:lnTo>
+                  <a:pt x="7000" y="1440"/>
+                </a:lnTo>
+                <a:lnTo>
+                  <a:pt x="6673" y="1538"/>
+                </a:lnTo>
+                <a:lnTo>
+                  <a:pt x="6340" y="1636"/>
+                </a:lnTo>
+                <a:lnTo>
+                  <a:pt x="6013" y="1719"/>
+                </a:lnTo>
+                <a:lnTo>
+                  <a:pt x="5686" y="1784"/>
+                </a:lnTo>
+                <a:lnTo>
+                  <a:pt x="5359" y="1850"/>
+                </a:lnTo>
+                <a:lnTo>
+                  <a:pt x="5036" y="1906"/>
+                </a:lnTo>
+                <a:lnTo>
+                  <a:pt x="4717" y="1948"/>
+                </a:lnTo>
+                <a:lnTo>
+                  <a:pt x="4396" y="1980"/>
+                </a:lnTo>
+                <a:lnTo>
+                  <a:pt x="4079" y="2013"/>
+                </a:lnTo>
+                <a:lnTo>
+                  <a:pt x="3766" y="2029"/>
+                </a:lnTo>
+                <a:lnTo>
+                  <a:pt x="3454" y="2046"/>
+                </a:lnTo>
+                <a:lnTo>
+                  <a:pt x="3145" y="2053"/>
+                </a:lnTo>
+                <a:lnTo>
+                  <a:pt x="2839" y="2046"/>
+                </a:lnTo>
+                <a:lnTo>
+                  <a:pt x="2537" y="2046"/>
+                </a:lnTo>
+                <a:lnTo>
+                  <a:pt x="2238" y="2029"/>
+                </a:lnTo>
+                <a:lnTo>
+                  <a:pt x="1943" y="2004"/>
+                </a:lnTo>
+                <a:lnTo>
+                  <a:pt x="1653" y="1980"/>
+                </a:lnTo>
+                <a:lnTo>
+                  <a:pt x="1368" y="1955"/>
+                </a:lnTo>
+                <a:lnTo>
+                  <a:pt x="1085" y="1915"/>
+                </a:lnTo>
+                <a:lnTo>
+                  <a:pt x="806" y="1873"/>
+                </a:lnTo>
+                <a:lnTo>
+                  <a:pt x="533" y="1833"/>
+                </a:lnTo>
+                <a:lnTo>
+                  <a:pt x="0" y="1726"/>
+                </a:lnTo>
+                <a:cubicBezTo>
+                  <a:pt x="28" y="1995"/>
+                  <a:pt x="57" y="2263"/>
+                  <a:pt x="85" y="2532"/>
+                </a:cubicBezTo>
+                <a:close/>
+              </a:path>
+            </a:pathLst>
+          </a:custGeom>
+          <a:solidFill>
+            <a:schemeClr val="tx1">
+              <a:alpha val="20000"/>
+            </a:schemeClr>
+          </a:solidFill>
+          <a:ln>
+            <a:noFill/>
+          </a:ln>
+        </p:spPr>
       </p:sp>
     </p:spTree>
     <p:extLst>
@@ -14396,14 +19413,22 @@
     </p:extLst>
   </p:cSld>
   <p:clrMapOvr>
-    <a:masterClrMapping/>
+    <a:overrideClrMapping bg1="dk1" tx1="lt1" bg2="dk2" tx2="lt2" accent1="accent1" accent2="accent2" accent3="accent3" accent4="accent4" accent5="accent5" accent6="accent6" hlink="hlink" folHlink="folHlink"/>
   </p:clrMapOvr>
 </p:sld>
 </file>
 
-<file path=ppt/slides/slide4.xml><?xml version="1.0" encoding="utf-8"?>
+<file path=ppt/slides/slide5.xml><?xml version="1.0" encoding="utf-8"?>
 <p:sld xmlns:a="http://schemas.openxmlformats.org/drawingml/2006/main" xmlns:r="http://schemas.openxmlformats.org/officeDocument/2006/relationships" xmlns:p="http://schemas.openxmlformats.org/presentationml/2006/main">
   <p:cSld>
+    <p:bg>
+      <p:bgPr>
+        <a:solidFill>
+          <a:schemeClr val="bg1"/>
+        </a:solidFill>
+        <a:effectLst/>
+      </p:bgPr>
+    </p:bg>
     <p:spTree>
       <p:nvGrpSpPr>
         <p:cNvPr id="1" name=""/>
@@ -14418,12 +19443,401 @@
           <a:chExt cx="0" cy="0"/>
         </a:xfrm>
       </p:grpSpPr>
+      <p:sp>
+        <p:nvSpPr>
+          <p:cNvPr id="6" name="Title 1">
+            <a:extLst>
+              <a:ext uri="{FF2B5EF4-FFF2-40B4-BE49-F238E27FC236}">
+                <a16:creationId xmlns:a16="http://schemas.microsoft.com/office/drawing/2014/main" id="{C7CDBFB2-A56B-4256-B9C0-966216746BA6}"/>
+              </a:ext>
+            </a:extLst>
+          </p:cNvPr>
+          <p:cNvSpPr>
+            <a:spLocks noGrp="1"/>
+          </p:cNvSpPr>
+          <p:nvPr>
+            <p:ph type="title"/>
+          </p:nvPr>
+        </p:nvSpPr>
+        <p:spPr>
+          <a:xfrm>
+            <a:off x="1154954" y="973668"/>
+            <a:ext cx="8761413" cy="706964"/>
+          </a:xfrm>
+        </p:spPr>
+        <p:txBody>
+          <a:bodyPr vert="horz" lIns="91440" tIns="45720" rIns="91440" bIns="45720" rtlCol="0" anchor="ctr">
+            <a:normAutofit/>
+          </a:bodyPr>
+          <a:lstStyle/>
+          <a:p>
+            <a:r>
+              <a:rPr lang="en-US" b="0" i="0" kern="1200">
+                <a:solidFill>
+                  <a:srgbClr val="EBEBEB"/>
+                </a:solidFill>
+                <a:latin typeface="+mj-lt"/>
+                <a:ea typeface="+mj-ea"/>
+                <a:cs typeface="+mj-cs"/>
+              </a:rPr>
+              <a:t>Asteroid Orbitals</a:t>
+            </a:r>
+          </a:p>
+        </p:txBody>
+      </p:sp>
+      <p:sp>
+        <p:nvSpPr>
+          <p:cNvPr id="9" name="TextBox 8">
+            <a:extLst>
+              <a:ext uri="{FF2B5EF4-FFF2-40B4-BE49-F238E27FC236}">
+                <a16:creationId xmlns:a16="http://schemas.microsoft.com/office/drawing/2014/main" id="{A2A45DC8-1438-430C-AE9F-DD2BE4CBACF8}"/>
+              </a:ext>
+            </a:extLst>
+          </p:cNvPr>
+          <p:cNvSpPr txBox="1"/>
+          <p:nvPr/>
+        </p:nvSpPr>
+        <p:spPr>
+          <a:xfrm>
+            <a:off x="783770" y="2743199"/>
+            <a:ext cx="4751889" cy="3990109"/>
+          </a:xfrm>
+          <a:prstGeom prst="rect">
+            <a:avLst/>
+          </a:prstGeom>
+        </p:spPr>
+        <p:txBody>
+          <a:bodyPr vert="horz" lIns="91440" tIns="45720" rIns="91440" bIns="45720" rtlCol="0" anchor="ctr">
+            <a:normAutofit fontScale="85000" lnSpcReduction="10000"/>
+          </a:bodyPr>
+          <a:lstStyle/>
+          <a:p>
+            <a:pPr marL="285750" indent="-285750">
+              <a:lnSpc>
+                <a:spcPct val="90000"/>
+              </a:lnSpc>
+              <a:spcBef>
+                <a:spcPts val="1000"/>
+              </a:spcBef>
+              <a:buClr>
+                <a:schemeClr val="accent1"/>
+              </a:buClr>
+              <a:buSzPct val="80000"/>
+              <a:buFont typeface="Wingdings 3" charset="2"/>
+              <a:buChar char=""/>
+            </a:pPr>
+            <a:endParaRPr lang="en-US" sz="1400" dirty="0">
+              <a:solidFill>
+                <a:schemeClr val="tx1">
+                  <a:lumMod val="75000"/>
+                  <a:lumOff val="25000"/>
+                </a:schemeClr>
+              </a:solidFill>
+            </a:endParaRPr>
+          </a:p>
+          <a:p>
+            <a:pPr marL="285750" indent="-285750">
+              <a:lnSpc>
+                <a:spcPct val="90000"/>
+              </a:lnSpc>
+              <a:spcBef>
+                <a:spcPts val="1000"/>
+              </a:spcBef>
+              <a:buClr>
+                <a:schemeClr val="accent1"/>
+              </a:buClr>
+              <a:buSzPct val="80000"/>
+              <a:buFont typeface="Wingdings 3" charset="2"/>
+              <a:buChar char=""/>
+            </a:pPr>
+            <a:endParaRPr lang="en-US" sz="1400" dirty="0">
+              <a:solidFill>
+                <a:schemeClr val="tx1">
+                  <a:lumMod val="75000"/>
+                  <a:lumOff val="25000"/>
+                </a:schemeClr>
+              </a:solidFill>
+            </a:endParaRPr>
+          </a:p>
+          <a:p>
+            <a:pPr marL="285750" indent="-285750">
+              <a:lnSpc>
+                <a:spcPct val="90000"/>
+              </a:lnSpc>
+              <a:spcBef>
+                <a:spcPts val="1000"/>
+              </a:spcBef>
+              <a:buClr>
+                <a:schemeClr val="accent1"/>
+              </a:buClr>
+              <a:buSzPct val="80000"/>
+              <a:buFont typeface="Wingdings 3" charset="2"/>
+              <a:buChar char=""/>
+            </a:pPr>
+            <a:r>
+              <a:rPr lang="en-US" sz="2400" dirty="0">
+                <a:solidFill>
+                  <a:schemeClr val="tx1">
+                    <a:lumMod val="75000"/>
+                    <a:lumOff val="25000"/>
+                  </a:schemeClr>
+                </a:solidFill>
+              </a:rPr>
+              <a:t>Graphs Generated dynamically using matplotlib/</a:t>
+            </a:r>
+            <a:r>
+              <a:rPr lang="en-US" sz="2400" dirty="0" err="1">
+                <a:solidFill>
+                  <a:schemeClr val="tx1">
+                    <a:lumMod val="75000"/>
+                    <a:lumOff val="25000"/>
+                  </a:schemeClr>
+                </a:solidFill>
+              </a:rPr>
+              <a:t>poliastro</a:t>
+            </a:r>
+            <a:r>
+              <a:rPr lang="en-US" sz="2400" dirty="0">
+                <a:solidFill>
+                  <a:schemeClr val="tx1">
+                    <a:lumMod val="75000"/>
+                    <a:lumOff val="25000"/>
+                  </a:schemeClr>
+                </a:solidFill>
+              </a:rPr>
+              <a:t>, then embedded into the website</a:t>
+            </a:r>
+          </a:p>
+          <a:p>
+            <a:pPr marL="285750" indent="-285750">
+              <a:lnSpc>
+                <a:spcPct val="90000"/>
+              </a:lnSpc>
+              <a:spcBef>
+                <a:spcPts val="1000"/>
+              </a:spcBef>
+              <a:buClr>
+                <a:schemeClr val="accent1"/>
+              </a:buClr>
+              <a:buSzPct val="80000"/>
+              <a:buFont typeface="Wingdings 3" charset="2"/>
+              <a:buChar char=""/>
+            </a:pPr>
+            <a:endParaRPr lang="en-US" sz="2400" dirty="0">
+              <a:solidFill>
+                <a:schemeClr val="tx1">
+                  <a:lumMod val="75000"/>
+                  <a:lumOff val="25000"/>
+                </a:schemeClr>
+              </a:solidFill>
+            </a:endParaRPr>
+          </a:p>
+          <a:p>
+            <a:pPr marL="285750" indent="-285750">
+              <a:lnSpc>
+                <a:spcPct val="90000"/>
+              </a:lnSpc>
+              <a:spcBef>
+                <a:spcPts val="1000"/>
+              </a:spcBef>
+              <a:buClr>
+                <a:schemeClr val="accent1"/>
+              </a:buClr>
+              <a:buSzPct val="80000"/>
+              <a:buFont typeface="Wingdings 3" charset="2"/>
+              <a:buChar char=""/>
+            </a:pPr>
+            <a:r>
+              <a:rPr lang="en-US" sz="2400" dirty="0">
+                <a:solidFill>
+                  <a:schemeClr val="tx1">
+                    <a:lumMod val="75000"/>
+                    <a:lumOff val="25000"/>
+                  </a:schemeClr>
+                </a:solidFill>
+              </a:rPr>
+              <a:t>Official Jet Propulsion Laboratory Reference available for each diagram</a:t>
+            </a:r>
+          </a:p>
+          <a:p>
+            <a:pPr marL="285750" indent="-285750">
+              <a:lnSpc>
+                <a:spcPct val="90000"/>
+              </a:lnSpc>
+              <a:spcBef>
+                <a:spcPts val="1000"/>
+              </a:spcBef>
+              <a:buClr>
+                <a:schemeClr val="accent1"/>
+              </a:buClr>
+              <a:buSzPct val="80000"/>
+              <a:buFont typeface="Wingdings 3" charset="2"/>
+              <a:buChar char=""/>
+            </a:pPr>
+            <a:endParaRPr lang="en-US" sz="2400" dirty="0">
+              <a:solidFill>
+                <a:schemeClr val="tx1">
+                  <a:lumMod val="75000"/>
+                  <a:lumOff val="25000"/>
+                </a:schemeClr>
+              </a:solidFill>
+            </a:endParaRPr>
+          </a:p>
+          <a:p>
+            <a:pPr marL="285750" indent="-285750">
+              <a:lnSpc>
+                <a:spcPct val="90000"/>
+              </a:lnSpc>
+              <a:spcBef>
+                <a:spcPts val="1000"/>
+              </a:spcBef>
+              <a:buClr>
+                <a:schemeClr val="accent1"/>
+              </a:buClr>
+              <a:buSzPct val="80000"/>
+              <a:buFont typeface="Wingdings 3" charset="2"/>
+              <a:buChar char=""/>
+            </a:pPr>
+            <a:r>
+              <a:rPr lang="en-US" sz="2400" dirty="0">
+                <a:solidFill>
+                  <a:schemeClr val="tx1">
+                    <a:lumMod val="75000"/>
+                    <a:lumOff val="25000"/>
+                  </a:schemeClr>
+                </a:solidFill>
+              </a:rPr>
+              <a:t>Plan: Add hazardous asteroids to the top of the page. Add the ability to sort data once presented</a:t>
+            </a:r>
+          </a:p>
+          <a:p>
+            <a:pPr marL="285750" indent="-285750">
+              <a:lnSpc>
+                <a:spcPct val="90000"/>
+              </a:lnSpc>
+              <a:spcBef>
+                <a:spcPts val="1000"/>
+              </a:spcBef>
+              <a:buClr>
+                <a:schemeClr val="accent1"/>
+              </a:buClr>
+              <a:buSzPct val="80000"/>
+              <a:buFont typeface="Wingdings 3" charset="2"/>
+              <a:buChar char=""/>
+            </a:pPr>
+            <a:endParaRPr lang="en-US" sz="1400" dirty="0">
+              <a:solidFill>
+                <a:schemeClr val="tx1">
+                  <a:lumMod val="75000"/>
+                  <a:lumOff val="25000"/>
+                </a:schemeClr>
+              </a:solidFill>
+            </a:endParaRPr>
+          </a:p>
+          <a:p>
+            <a:pPr marL="285750" indent="-285750">
+              <a:lnSpc>
+                <a:spcPct val="90000"/>
+              </a:lnSpc>
+              <a:spcBef>
+                <a:spcPts val="1000"/>
+              </a:spcBef>
+              <a:buClr>
+                <a:schemeClr val="accent1"/>
+              </a:buClr>
+              <a:buSzPct val="80000"/>
+              <a:buFont typeface="Wingdings 3" charset="2"/>
+              <a:buChar char=""/>
+            </a:pPr>
+            <a:endParaRPr lang="en-US" sz="1400" dirty="0">
+              <a:solidFill>
+                <a:schemeClr val="tx1">
+                  <a:lumMod val="75000"/>
+                  <a:lumOff val="25000"/>
+                </a:schemeClr>
+              </a:solidFill>
+            </a:endParaRPr>
+          </a:p>
+          <a:p>
+            <a:pPr marL="285750" indent="-285750">
+              <a:lnSpc>
+                <a:spcPct val="90000"/>
+              </a:lnSpc>
+              <a:spcBef>
+                <a:spcPts val="1000"/>
+              </a:spcBef>
+              <a:buClr>
+                <a:schemeClr val="accent1"/>
+              </a:buClr>
+              <a:buSzPct val="80000"/>
+              <a:buFont typeface="Wingdings 3" charset="2"/>
+              <a:buChar char=""/>
+            </a:pPr>
+            <a:endParaRPr lang="en-US" sz="1400" dirty="0">
+              <a:solidFill>
+                <a:schemeClr val="tx1">
+                  <a:lumMod val="75000"/>
+                  <a:lumOff val="25000"/>
+                </a:schemeClr>
+              </a:solidFill>
+            </a:endParaRPr>
+          </a:p>
+          <a:p>
+            <a:pPr marL="285750" indent="-285750">
+              <a:lnSpc>
+                <a:spcPct val="90000"/>
+              </a:lnSpc>
+              <a:spcBef>
+                <a:spcPts val="1000"/>
+              </a:spcBef>
+              <a:buClr>
+                <a:schemeClr val="accent1"/>
+              </a:buClr>
+              <a:buSzPct val="80000"/>
+              <a:buFont typeface="Wingdings 3" charset="2"/>
+              <a:buChar char=""/>
+            </a:pPr>
+            <a:endParaRPr lang="en-US" sz="1400" dirty="0">
+              <a:solidFill>
+                <a:schemeClr val="tx1">
+                  <a:lumMod val="75000"/>
+                  <a:lumOff val="25000"/>
+                </a:schemeClr>
+              </a:solidFill>
+            </a:endParaRPr>
+          </a:p>
+          <a:p>
+            <a:pPr marL="285750" indent="-285750">
+              <a:lnSpc>
+                <a:spcPct val="90000"/>
+              </a:lnSpc>
+              <a:spcBef>
+                <a:spcPts val="1000"/>
+              </a:spcBef>
+              <a:buClr>
+                <a:schemeClr val="accent1"/>
+              </a:buClr>
+              <a:buSzPct val="80000"/>
+              <a:buFont typeface="Wingdings 3" charset="2"/>
+              <a:buChar char=""/>
+            </a:pPr>
+            <a:endParaRPr lang="en-US" sz="1400" dirty="0">
+              <a:solidFill>
+                <a:schemeClr val="tx1">
+                  <a:lumMod val="75000"/>
+                  <a:lumOff val="25000"/>
+                </a:schemeClr>
+              </a:solidFill>
+            </a:endParaRPr>
+          </a:p>
+        </p:txBody>
+      </p:sp>
       <p:pic>
         <p:nvPicPr>
-          <p:cNvPr id="5" name="Picture 4">
+          <p:cNvPr id="10" name="Picture 9">
             <a:extLst>
               <a:ext uri="{FF2B5EF4-FFF2-40B4-BE49-F238E27FC236}">
-                <a16:creationId xmlns:a16="http://schemas.microsoft.com/office/drawing/2014/main" id="{E318DE98-03DD-4113-A7A8-33CDB521BA17}"/>
+                <a16:creationId xmlns:a16="http://schemas.microsoft.com/office/drawing/2014/main" id="{FE59313F-7BF2-4803-815D-0F88E538067A}"/>
               </a:ext>
             </a:extLst>
           </p:cNvPr>
@@ -14440,220 +19854,14 @@
         </p:blipFill>
         <p:spPr>
           <a:xfrm>
-            <a:off x="890061" y="2525085"/>
-            <a:ext cx="4755729" cy="3693018"/>
+            <a:off x="5752406" y="2316595"/>
+            <a:ext cx="5756695" cy="3990109"/>
           </a:xfrm>
           <a:prstGeom prst="rect">
             <a:avLst/>
           </a:prstGeom>
         </p:spPr>
       </p:pic>
-      <p:sp>
-        <p:nvSpPr>
-          <p:cNvPr id="6" name="Title 1">
-            <a:extLst>
-              <a:ext uri="{FF2B5EF4-FFF2-40B4-BE49-F238E27FC236}">
-                <a16:creationId xmlns:a16="http://schemas.microsoft.com/office/drawing/2014/main" id="{C7CDBFB2-A56B-4256-B9C0-966216746BA6}"/>
-              </a:ext>
-            </a:extLst>
-          </p:cNvPr>
-          <p:cNvSpPr>
-            <a:spLocks noGrp="1"/>
-          </p:cNvSpPr>
-          <p:nvPr>
-            <p:ph type="title"/>
-          </p:nvPr>
-        </p:nvSpPr>
-        <p:spPr/>
-        <p:txBody>
-          <a:bodyPr/>
-          <a:lstStyle/>
-          <a:p>
-            <a:r>
-              <a:rPr lang="en-US" dirty="0"/>
-              <a:t>Asteroid Orbitals</a:t>
-            </a:r>
-            <a:endParaRPr lang="en-CA" dirty="0"/>
-          </a:p>
-        </p:txBody>
-      </p:sp>
-      <p:sp>
-        <p:nvSpPr>
-          <p:cNvPr id="9" name="TextBox 8">
-            <a:extLst>
-              <a:ext uri="{FF2B5EF4-FFF2-40B4-BE49-F238E27FC236}">
-                <a16:creationId xmlns:a16="http://schemas.microsoft.com/office/drawing/2014/main" id="{A2A45DC8-1438-430C-AE9F-DD2BE4CBACF8}"/>
-              </a:ext>
-            </a:extLst>
-          </p:cNvPr>
-          <p:cNvSpPr txBox="1"/>
-          <p:nvPr/>
-        </p:nvSpPr>
-        <p:spPr>
-          <a:xfrm>
-            <a:off x="5953458" y="2745467"/>
-            <a:ext cx="5407204" cy="3378495"/>
-          </a:xfrm>
-          <a:prstGeom prst="rect">
-            <a:avLst/>
-          </a:prstGeom>
-        </p:spPr>
-        <p:txBody>
-          <a:bodyPr vert="horz" lIns="91440" tIns="45720" rIns="91440" bIns="45720" rtlCol="0">
-            <a:normAutofit fontScale="85000" lnSpcReduction="10000"/>
-          </a:bodyPr>
-          <a:lstStyle/>
-          <a:p>
-            <a:pPr marL="285750" indent="-285750">
-              <a:spcBef>
-                <a:spcPts val="1000"/>
-              </a:spcBef>
-              <a:buClr>
-                <a:schemeClr val="accent1"/>
-              </a:buClr>
-              <a:buSzPct val="80000"/>
-              <a:buFont typeface="Wingdings 3" charset="2"/>
-              <a:buChar char=""/>
-            </a:pPr>
-            <a:r>
-              <a:rPr lang="en-US" sz="2400" dirty="0"/>
-              <a:t>Graphs Generated dynamically using matplotlib, then embedded into the website</a:t>
-            </a:r>
-          </a:p>
-          <a:p>
-            <a:pPr marL="285750" indent="-285750">
-              <a:spcBef>
-                <a:spcPts val="1000"/>
-              </a:spcBef>
-              <a:buClr>
-                <a:schemeClr val="accent1"/>
-              </a:buClr>
-              <a:buSzPct val="80000"/>
-              <a:buFont typeface="Wingdings 3" charset="2"/>
-              <a:buChar char=""/>
-            </a:pPr>
-            <a:endParaRPr lang="en-US" sz="2400" dirty="0"/>
-          </a:p>
-          <a:p>
-            <a:pPr marL="285750" indent="-285750">
-              <a:spcBef>
-                <a:spcPts val="1000"/>
-              </a:spcBef>
-              <a:buClr>
-                <a:schemeClr val="accent1"/>
-              </a:buClr>
-              <a:buSzPct val="80000"/>
-              <a:buFont typeface="Wingdings 3" charset="2"/>
-              <a:buChar char=""/>
-            </a:pPr>
-            <a:r>
-              <a:rPr lang="en-US" sz="2400" dirty="0"/>
-              <a:t>Official Jet Propulsion Laboratory Reference available for each diagram</a:t>
-            </a:r>
-          </a:p>
-          <a:p>
-            <a:pPr marL="285750" indent="-285750">
-              <a:spcBef>
-                <a:spcPts val="1000"/>
-              </a:spcBef>
-              <a:buClr>
-                <a:schemeClr val="accent1"/>
-              </a:buClr>
-              <a:buSzPct val="80000"/>
-              <a:buFont typeface="Wingdings 3" charset="2"/>
-              <a:buChar char=""/>
-            </a:pPr>
-            <a:endParaRPr lang="en-US" sz="2400" dirty="0"/>
-          </a:p>
-          <a:p>
-            <a:pPr marL="285750" indent="-285750">
-              <a:spcBef>
-                <a:spcPts val="1000"/>
-              </a:spcBef>
-              <a:buClr>
-                <a:schemeClr val="accent1"/>
-              </a:buClr>
-              <a:buSzPct val="80000"/>
-              <a:buFont typeface="Wingdings 3" charset="2"/>
-              <a:buChar char=""/>
-            </a:pPr>
-            <a:r>
-              <a:rPr lang="en-US" sz="2400" dirty="0"/>
-              <a:t>Plan: Add hazardous asteroids to the top of the page. Add the ability to sort data once presented</a:t>
-            </a:r>
-          </a:p>
-          <a:p>
-            <a:pPr marL="285750" indent="-285750">
-              <a:spcBef>
-                <a:spcPts val="1000"/>
-              </a:spcBef>
-              <a:buClr>
-                <a:schemeClr val="accent1"/>
-              </a:buClr>
-              <a:buSzPct val="80000"/>
-              <a:buFont typeface="Wingdings 3" charset="2"/>
-              <a:buChar char=""/>
-            </a:pPr>
-            <a:endParaRPr lang="en-US" sz="2400" dirty="0"/>
-          </a:p>
-          <a:p>
-            <a:pPr marL="285750" indent="-285750">
-              <a:spcBef>
-                <a:spcPts val="1000"/>
-              </a:spcBef>
-              <a:buClr>
-                <a:schemeClr val="accent1"/>
-              </a:buClr>
-              <a:buSzPct val="80000"/>
-              <a:buFont typeface="Wingdings 3" charset="2"/>
-              <a:buChar char=""/>
-            </a:pPr>
-            <a:endParaRPr lang="en-US" dirty="0"/>
-          </a:p>
-          <a:p>
-            <a:pPr marL="285750" indent="-285750">
-              <a:spcBef>
-                <a:spcPts val="1000"/>
-              </a:spcBef>
-              <a:buClr>
-                <a:schemeClr val="accent1"/>
-              </a:buClr>
-              <a:buSzPct val="80000"/>
-              <a:buFont typeface="Wingdings 3" charset="2"/>
-              <a:buChar char=""/>
-            </a:pPr>
-            <a:endParaRPr lang="en-US" dirty="0"/>
-          </a:p>
-          <a:p>
-            <a:pPr marL="285750" indent="-285750">
-              <a:spcBef>
-                <a:spcPts val="1000"/>
-              </a:spcBef>
-              <a:buClr>
-                <a:schemeClr val="accent1"/>
-              </a:buClr>
-              <a:buSzPct val="80000"/>
-              <a:buFont typeface="Wingdings 3" charset="2"/>
-              <a:buChar char=""/>
-            </a:pPr>
-            <a:endParaRPr lang="en-US" dirty="0"/>
-          </a:p>
-          <a:p>
-            <a:pPr marL="285750" indent="-285750">
-              <a:spcBef>
-                <a:spcPts val="1000"/>
-              </a:spcBef>
-              <a:buClr>
-                <a:schemeClr val="accent1"/>
-              </a:buClr>
-              <a:buSzPct val="80000"/>
-              <a:buFont typeface="Wingdings 3" charset="2"/>
-              <a:buChar char=""/>
-            </a:pPr>
-            <a:endParaRPr lang="en-US" dirty="0"/>
-          </a:p>
-        </p:txBody>
-      </p:sp>
     </p:spTree>
     <p:extLst>
       <p:ext uri="{BB962C8B-B14F-4D97-AF65-F5344CB8AC3E}">
@@ -14667,7 +19875,7 @@
 </p:sld>
 </file>
 
-<file path=ppt/slides/slide5.xml><?xml version="1.0" encoding="utf-8"?>
+<file path=ppt/slides/slide6.xml><?xml version="1.0" encoding="utf-8"?>
 <p:sld xmlns:a="http://schemas.openxmlformats.org/drawingml/2006/main" xmlns:r="http://schemas.openxmlformats.org/officeDocument/2006/relationships" xmlns:p="http://schemas.openxmlformats.org/presentationml/2006/main">
   <p:cSld>
     <p:spTree>
@@ -14711,42 +19919,13 @@
           <a:lstStyle/>
           <a:p>
             <a:r>
-              <a:rPr lang="en-US" dirty="0"/>
+              <a:rPr lang="en-US"/>
               <a:t>Hazardous Asteroid Subscription Service</a:t>
             </a:r>
             <a:endParaRPr lang="en-CA" dirty="0"/>
           </a:p>
         </p:txBody>
       </p:sp>
-      <p:pic>
-        <p:nvPicPr>
-          <p:cNvPr id="5" name="Content Placeholder 4">
-            <a:extLst>
-              <a:ext uri="{FF2B5EF4-FFF2-40B4-BE49-F238E27FC236}">
-                <a16:creationId xmlns:a16="http://schemas.microsoft.com/office/drawing/2014/main" id="{0B6D4136-705E-4925-BD6E-B75D7DF02C00}"/>
-              </a:ext>
-            </a:extLst>
-          </p:cNvPr>
-          <p:cNvPicPr>
-            <a:picLocks noGrp="1" noChangeAspect="1"/>
-          </p:cNvPicPr>
-          <p:nvPr>
-            <p:ph idx="1"/>
-          </p:nvPr>
-        </p:nvPicPr>
-        <p:blipFill>
-          <a:blip r:embed="rId2"/>
-          <a:stretch>
-            <a:fillRect/>
-          </a:stretch>
-        </p:blipFill>
-        <p:spPr>
-          <a:xfrm>
-            <a:off x="769061" y="2718033"/>
-            <a:ext cx="4428913" cy="3502868"/>
-          </a:xfrm>
-        </p:spPr>
-      </p:pic>
       <p:sp>
         <p:nvSpPr>
           <p:cNvPr id="7" name="TextBox 6">
@@ -14787,7 +19966,7 @@
             </a:pPr>
             <a:r>
               <a:rPr lang="en-US" sz="2400" dirty="0"/>
-              <a:t>Set up script on server to constantly check for new hazardous asteroids. Texts will be sent out as soon as a new asteroid is found</a:t>
+              <a:t>Set up script on server to constantly check for new hazardous asteroids. Texts will be sent out as soon as one is found.</a:t>
             </a:r>
           </a:p>
           <a:p>
@@ -14921,6 +20100,36 @@
           </a:p>
         </p:txBody>
       </p:sp>
+      <p:pic>
+        <p:nvPicPr>
+          <p:cNvPr id="8" name="Picture 7">
+            <a:extLst>
+              <a:ext uri="{FF2B5EF4-FFF2-40B4-BE49-F238E27FC236}">
+                <a16:creationId xmlns:a16="http://schemas.microsoft.com/office/drawing/2014/main" id="{0EA6661B-664C-4FDA-8439-220E658132B2}"/>
+              </a:ext>
+            </a:extLst>
+          </p:cNvPr>
+          <p:cNvPicPr>
+            <a:picLocks noChangeAspect="1"/>
+          </p:cNvPicPr>
+          <p:nvPr/>
+        </p:nvPicPr>
+        <p:blipFill>
+          <a:blip r:embed="rId2"/>
+          <a:stretch>
+            <a:fillRect/>
+          </a:stretch>
+        </p:blipFill>
+        <p:spPr>
+          <a:xfrm>
+            <a:off x="574910" y="2718034"/>
+            <a:ext cx="5044494" cy="3286196"/>
+          </a:xfrm>
+          <a:prstGeom prst="rect">
+            <a:avLst/>
+          </a:prstGeom>
+        </p:spPr>
+      </p:pic>
     </p:spTree>
     <p:extLst>
       <p:ext uri="{BB962C8B-B14F-4D97-AF65-F5344CB8AC3E}">
@@ -14934,7 +20143,7 @@
 </p:sld>
 </file>
 
-<file path=ppt/slides/slide6.xml><?xml version="1.0" encoding="utf-8"?>
+<file path=ppt/slides/slide7.xml><?xml version="1.0" encoding="utf-8"?>
 <p:sld xmlns:a="http://schemas.openxmlformats.org/drawingml/2006/main" xmlns:r="http://schemas.openxmlformats.org/officeDocument/2006/relationships" xmlns:p="http://schemas.openxmlformats.org/presentationml/2006/main">
   <p:cSld>
     <p:spTree>
@@ -14956,7 +20165,7 @@
           <p:cNvPr id="2" name="Title 1">
             <a:extLst>
               <a:ext uri="{FF2B5EF4-FFF2-40B4-BE49-F238E27FC236}">
-                <a16:creationId xmlns:a16="http://schemas.microsoft.com/office/drawing/2014/main" id="{87ECD813-0260-42EC-ABA4-1920EBCEFEF0}"/>
+                <a16:creationId xmlns:a16="http://schemas.microsoft.com/office/drawing/2014/main" id="{4F157A86-B0F9-4C8F-9682-199B4CE79B66}"/>
               </a:ext>
             </a:extLst>
           </p:cNvPr>
@@ -14973,8 +20182,8 @@
           <a:lstStyle/>
           <a:p>
             <a:r>
-              <a:rPr lang="en-US" dirty="0"/>
-              <a:t>Tech Stack</a:t>
+              <a:rPr lang="en-US"/>
+              <a:t>Future Additions</a:t>
             </a:r>
             <a:endParaRPr lang="en-CA" dirty="0"/>
           </a:p>
@@ -14982,217 +20191,66 @@
       </p:sp>
       <p:sp>
         <p:nvSpPr>
-          <p:cNvPr id="5" name="TextBox 4">
+          <p:cNvPr id="3" name="Content Placeholder 2">
             <a:extLst>
               <a:ext uri="{FF2B5EF4-FFF2-40B4-BE49-F238E27FC236}">
-                <a16:creationId xmlns:a16="http://schemas.microsoft.com/office/drawing/2014/main" id="{DF422F5F-AD1D-48C8-9269-4B135439EAA7}"/>
+                <a16:creationId xmlns:a16="http://schemas.microsoft.com/office/drawing/2014/main" id="{C809AE75-E42D-4EE2-99B1-7A6D55FD34E7}"/>
               </a:ext>
             </a:extLst>
           </p:cNvPr>
-          <p:cNvSpPr txBox="1"/>
-          <p:nvPr/>
+          <p:cNvSpPr>
+            <a:spLocks noGrp="1"/>
+          </p:cNvSpPr>
+          <p:nvPr>
+            <p:ph idx="1"/>
+          </p:nvPr>
         </p:nvSpPr>
-        <p:spPr>
-          <a:xfrm>
-            <a:off x="713064" y="2516697"/>
-            <a:ext cx="10647598" cy="4135773"/>
-          </a:xfrm>
-          <a:prstGeom prst="rect">
-            <a:avLst/>
-          </a:prstGeom>
-        </p:spPr>
+        <p:spPr/>
         <p:txBody>
-          <a:bodyPr vert="horz" lIns="91440" tIns="45720" rIns="91440" bIns="45720" rtlCol="0">
+          <a:bodyPr>
             <a:normAutofit/>
           </a:bodyPr>
           <a:lstStyle/>
           <a:p>
-            <a:pPr marL="285750" indent="-285750">
-              <a:spcBef>
-                <a:spcPts val="1000"/>
-              </a:spcBef>
-              <a:buClr>
-                <a:schemeClr val="accent1"/>
-              </a:buClr>
-              <a:buSzPct val="80000"/>
-              <a:buFont typeface="Wingdings 3" charset="2"/>
-              <a:buChar char=""/>
-            </a:pPr>
+            <a:r>
+              <a:rPr lang="en-US" sz="2400"/>
+              <a:t>Switch to </a:t>
+            </a:r>
             <a:r>
               <a:rPr lang="en-US" sz="2400" dirty="0"/>
-              <a:t>Python</a:t>
+              <a:t>interactive 3D diagrams embedded within the website. Compact view should still be available</a:t>
             </a:r>
           </a:p>
           <a:p>
-            <a:pPr marL="285750" indent="-285750">
-              <a:spcBef>
-                <a:spcPts val="1000"/>
-              </a:spcBef>
-              <a:buClr>
-                <a:schemeClr val="accent1"/>
-              </a:buClr>
-              <a:buSzPct val="80000"/>
-              <a:buFont typeface="Wingdings 3" charset="2"/>
-              <a:buChar char=""/>
-            </a:pPr>
-            <a:endParaRPr lang="en-US" sz="2400" dirty="0"/>
-          </a:p>
-          <a:p>
-            <a:pPr marL="285750" indent="-285750">
-              <a:spcBef>
-                <a:spcPts val="1000"/>
-              </a:spcBef>
-              <a:buClr>
-                <a:schemeClr val="accent1"/>
-              </a:buClr>
-              <a:buSzPct val="80000"/>
-              <a:buFont typeface="Wingdings 3" charset="2"/>
-              <a:buChar char=""/>
-            </a:pPr>
             <a:r>
               <a:rPr lang="en-US" sz="2400" dirty="0"/>
-              <a:t>Flask</a:t>
+              <a:t>Create an interactive view (2D and 3D) depicting all asteroids and their orbits in a single diagram (This was my original plan for the hackathon)</a:t>
             </a:r>
           </a:p>
           <a:p>
-            <a:pPr marL="285750" indent="-285750">
-              <a:spcBef>
-                <a:spcPts val="1000"/>
-              </a:spcBef>
-              <a:buClr>
-                <a:schemeClr val="accent1"/>
-              </a:buClr>
-              <a:buSzPct val="80000"/>
-              <a:buFont typeface="Wingdings 3" charset="2"/>
-              <a:buChar char=""/>
-            </a:pPr>
-            <a:endParaRPr lang="en-US" sz="2400" dirty="0"/>
-          </a:p>
-          <a:p>
-            <a:pPr marL="285750" indent="-285750">
-              <a:spcBef>
-                <a:spcPts val="1000"/>
-              </a:spcBef>
-              <a:buClr>
-                <a:schemeClr val="accent1"/>
-              </a:buClr>
-              <a:buSzPct val="80000"/>
-              <a:buFont typeface="Wingdings 3" charset="2"/>
-              <a:buChar char=""/>
-            </a:pPr>
             <a:r>
               <a:rPr lang="en-US" sz="2400" dirty="0"/>
-              <a:t>Matplotlib</a:t>
+              <a:t>Expand to more platforms (mobile, desktop, widgets)</a:t>
             </a:r>
           </a:p>
           <a:p>
-            <a:pPr marL="285750" indent="-285750">
-              <a:spcBef>
-                <a:spcPts val="1000"/>
-              </a:spcBef>
-              <a:buClr>
-                <a:schemeClr val="accent1"/>
-              </a:buClr>
-              <a:buSzPct val="80000"/>
-              <a:buFont typeface="Wingdings 3" charset="2"/>
-              <a:buChar char=""/>
+            <a:r>
+              <a:rPr lang="en-US" sz="2400" dirty="0"/>
+              <a:t>Option to filter data by more criteria</a:t>
+            </a:r>
+          </a:p>
+          <a:p>
+            <a:pPr marL="0" indent="0">
+              <a:buNone/>
             </a:pPr>
-            <a:endParaRPr lang="en-US" sz="2400" dirty="0"/>
-          </a:p>
-          <a:p>
-            <a:pPr marL="285750" indent="-285750">
-              <a:spcBef>
-                <a:spcPts val="1000"/>
-              </a:spcBef>
-              <a:buClr>
-                <a:schemeClr val="accent1"/>
-              </a:buClr>
-              <a:buSzPct val="80000"/>
-              <a:buFont typeface="Wingdings 3" charset="2"/>
-              <a:buChar char=""/>
-            </a:pPr>
-            <a:r>
-              <a:rPr lang="en-US" sz="2400" dirty="0" err="1"/>
-              <a:t>poliastro</a:t>
-            </a:r>
-            <a:endParaRPr lang="en-US" sz="2400" dirty="0"/>
-          </a:p>
-          <a:p>
-            <a:pPr marL="285750" indent="-285750">
-              <a:spcBef>
-                <a:spcPts val="1000"/>
-              </a:spcBef>
-              <a:buClr>
-                <a:schemeClr val="accent1"/>
-              </a:buClr>
-              <a:buSzPct val="80000"/>
-              <a:buFont typeface="Wingdings 3" charset="2"/>
-              <a:buChar char=""/>
-            </a:pPr>
-            <a:endParaRPr lang="en-US" sz="2400" dirty="0"/>
-          </a:p>
-          <a:p>
-            <a:pPr marL="285750" indent="-285750">
-              <a:spcBef>
-                <a:spcPts val="1000"/>
-              </a:spcBef>
-              <a:buClr>
-                <a:schemeClr val="accent1"/>
-              </a:buClr>
-              <a:buSzPct val="80000"/>
-              <a:buFont typeface="Wingdings 3" charset="2"/>
-              <a:buChar char=""/>
-            </a:pPr>
-            <a:endParaRPr lang="en-US" dirty="0"/>
-          </a:p>
-          <a:p>
-            <a:pPr marL="285750" indent="-285750">
-              <a:spcBef>
-                <a:spcPts val="1000"/>
-              </a:spcBef>
-              <a:buClr>
-                <a:schemeClr val="accent1"/>
-              </a:buClr>
-              <a:buSzPct val="80000"/>
-              <a:buFont typeface="Wingdings 3" charset="2"/>
-              <a:buChar char=""/>
-            </a:pPr>
-            <a:endParaRPr lang="en-US" dirty="0"/>
-          </a:p>
-          <a:p>
-            <a:pPr marL="285750" indent="-285750">
-              <a:spcBef>
-                <a:spcPts val="1000"/>
-              </a:spcBef>
-              <a:buClr>
-                <a:schemeClr val="accent1"/>
-              </a:buClr>
-              <a:buSzPct val="80000"/>
-              <a:buFont typeface="Wingdings 3" charset="2"/>
-              <a:buChar char=""/>
-            </a:pPr>
-            <a:endParaRPr lang="en-US" dirty="0"/>
-          </a:p>
-          <a:p>
-            <a:pPr marL="285750" indent="-285750">
-              <a:spcBef>
-                <a:spcPts val="1000"/>
-              </a:spcBef>
-              <a:buClr>
-                <a:schemeClr val="accent1"/>
-              </a:buClr>
-              <a:buSzPct val="80000"/>
-              <a:buFont typeface="Wingdings 3" charset="2"/>
-              <a:buChar char=""/>
-            </a:pPr>
-            <a:endParaRPr lang="en-US" dirty="0"/>
+            <a:endParaRPr lang="en-CA" sz="2400" dirty="0"/>
           </a:p>
         </p:txBody>
       </p:sp>
     </p:spTree>
     <p:extLst>
       <p:ext uri="{BB962C8B-B14F-4D97-AF65-F5344CB8AC3E}">
-        <p14:creationId xmlns:p14="http://schemas.microsoft.com/office/powerpoint/2010/main" val="2714302315"/>
+        <p14:creationId xmlns:p14="http://schemas.microsoft.com/office/powerpoint/2010/main" val="3209918283"/>
       </p:ext>
     </p:extLst>
   </p:cSld>
